--- a/Presentation_proj_1/Real Estate Mkt.pptx
+++ b/Presentation_proj_1/Real Estate Mkt.pptx
@@ -10,13 +10,13 @@
     <p:sldId id="262" r:id="rId4"/>
     <p:sldId id="263" r:id="rId5"/>
     <p:sldId id="266" r:id="rId6"/>
-    <p:sldId id="268" r:id="rId7"/>
-    <p:sldId id="269" r:id="rId8"/>
-    <p:sldId id="277" r:id="rId9"/>
-    <p:sldId id="270" r:id="rId10"/>
-    <p:sldId id="271" r:id="rId11"/>
-    <p:sldId id="272" r:id="rId12"/>
-    <p:sldId id="274" r:id="rId13"/>
+    <p:sldId id="279" r:id="rId7"/>
+    <p:sldId id="282" r:id="rId8"/>
+    <p:sldId id="286" r:id="rId9"/>
+    <p:sldId id="284" r:id="rId10"/>
+    <p:sldId id="285" r:id="rId11"/>
+    <p:sldId id="287" r:id="rId12"/>
+    <p:sldId id="272" r:id="rId13"/>
     <p:sldId id="256" r:id="rId14"/>
   </p:sldIdLst>
   <p:sldSz cx="12192000" cy="6858000"/>
@@ -1326,7 +1326,7 @@
           <a:p>
             <a:fld id="{6EA93034-D864-46EE-BF64-756895E3DFD7}" type="datetimeFigureOut">
               <a:rPr lang="en-CA" smtClean="0"/>
-              <a:t>2020-11-10</a:t>
+              <a:t>2020-11-12</a:t>
             </a:fld>
             <a:endParaRPr lang="en-CA"/>
           </a:p>
@@ -1526,7 +1526,7 @@
           <a:p>
             <a:fld id="{6EA93034-D864-46EE-BF64-756895E3DFD7}" type="datetimeFigureOut">
               <a:rPr lang="en-CA" smtClean="0"/>
-              <a:t>2020-11-10</a:t>
+              <a:t>2020-11-12</a:t>
             </a:fld>
             <a:endParaRPr lang="en-CA"/>
           </a:p>
@@ -1736,7 +1736,7 @@
           <a:p>
             <a:fld id="{6EA93034-D864-46EE-BF64-756895E3DFD7}" type="datetimeFigureOut">
               <a:rPr lang="en-CA" smtClean="0"/>
-              <a:t>2020-11-10</a:t>
+              <a:t>2020-11-12</a:t>
             </a:fld>
             <a:endParaRPr lang="en-CA"/>
           </a:p>
@@ -1936,7 +1936,7 @@
           <a:p>
             <a:fld id="{6EA93034-D864-46EE-BF64-756895E3DFD7}" type="datetimeFigureOut">
               <a:rPr lang="en-CA" smtClean="0"/>
-              <a:t>2020-11-10</a:t>
+              <a:t>2020-11-12</a:t>
             </a:fld>
             <a:endParaRPr lang="en-CA"/>
           </a:p>
@@ -2212,7 +2212,7 @@
           <a:p>
             <a:fld id="{6EA93034-D864-46EE-BF64-756895E3DFD7}" type="datetimeFigureOut">
               <a:rPr lang="en-CA" smtClean="0"/>
-              <a:t>2020-11-10</a:t>
+              <a:t>2020-11-12</a:t>
             </a:fld>
             <a:endParaRPr lang="en-CA"/>
           </a:p>
@@ -2480,7 +2480,7 @@
           <a:p>
             <a:fld id="{6EA93034-D864-46EE-BF64-756895E3DFD7}" type="datetimeFigureOut">
               <a:rPr lang="en-CA" smtClean="0"/>
-              <a:t>2020-11-10</a:t>
+              <a:t>2020-11-12</a:t>
             </a:fld>
             <a:endParaRPr lang="en-CA"/>
           </a:p>
@@ -2895,7 +2895,7 @@
           <a:p>
             <a:fld id="{6EA93034-D864-46EE-BF64-756895E3DFD7}" type="datetimeFigureOut">
               <a:rPr lang="en-CA" smtClean="0"/>
-              <a:t>2020-11-10</a:t>
+              <a:t>2020-11-12</a:t>
             </a:fld>
             <a:endParaRPr lang="en-CA"/>
           </a:p>
@@ -3037,7 +3037,7 @@
           <a:p>
             <a:fld id="{6EA93034-D864-46EE-BF64-756895E3DFD7}" type="datetimeFigureOut">
               <a:rPr lang="en-CA" smtClean="0"/>
-              <a:t>2020-11-10</a:t>
+              <a:t>2020-11-12</a:t>
             </a:fld>
             <a:endParaRPr lang="en-CA"/>
           </a:p>
@@ -3150,7 +3150,7 @@
           <a:p>
             <a:fld id="{6EA93034-D864-46EE-BF64-756895E3DFD7}" type="datetimeFigureOut">
               <a:rPr lang="en-CA" smtClean="0"/>
-              <a:t>2020-11-10</a:t>
+              <a:t>2020-11-12</a:t>
             </a:fld>
             <a:endParaRPr lang="en-CA"/>
           </a:p>
@@ -3463,7 +3463,7 @@
           <a:p>
             <a:fld id="{6EA93034-D864-46EE-BF64-756895E3DFD7}" type="datetimeFigureOut">
               <a:rPr lang="en-CA" smtClean="0"/>
-              <a:t>2020-11-10</a:t>
+              <a:t>2020-11-12</a:t>
             </a:fld>
             <a:endParaRPr lang="en-CA"/>
           </a:p>
@@ -3752,7 +3752,7 @@
           <a:p>
             <a:fld id="{6EA93034-D864-46EE-BF64-756895E3DFD7}" type="datetimeFigureOut">
               <a:rPr lang="en-CA" smtClean="0"/>
-              <a:t>2020-11-10</a:t>
+              <a:t>2020-11-12</a:t>
             </a:fld>
             <a:endParaRPr lang="en-CA"/>
           </a:p>
@@ -3995,7 +3995,7 @@
           <a:p>
             <a:fld id="{6EA93034-D864-46EE-BF64-756895E3DFD7}" type="datetimeFigureOut">
               <a:rPr lang="en-CA" smtClean="0"/>
-              <a:t>2020-11-10</a:t>
+              <a:t>2020-11-12</a:t>
             </a:fld>
             <a:endParaRPr lang="en-CA"/>
           </a:p>
@@ -5182,470 +5182,10 @@
       </p:grpSpPr>
       <p:sp>
         <p:nvSpPr>
-          <p:cNvPr id="4" name="Title 1">
-            <a:extLst>
-              <a:ext uri="{FF2B5EF4-FFF2-40B4-BE49-F238E27FC236}">
-                <a16:creationId xmlns:a16="http://schemas.microsoft.com/office/drawing/2014/main" id="{50DF5C7B-714C-44DC-B49A-F16BE5E80C8B}"/>
-              </a:ext>
-            </a:extLst>
-          </p:cNvPr>
-          <p:cNvSpPr txBox="1">
-            <a:spLocks/>
-          </p:cNvSpPr>
-          <p:nvPr/>
-        </p:nvSpPr>
-        <p:spPr>
-          <a:xfrm>
-            <a:off x="424920" y="330535"/>
-            <a:ext cx="5535205" cy="935510"/>
-          </a:xfrm>
-          <a:prstGeom prst="rect">
-            <a:avLst/>
-          </a:prstGeom>
-        </p:spPr>
-        <p:txBody>
-          <a:bodyPr vert="horz" lIns="91440" tIns="45720" rIns="91440" bIns="45720" rtlCol="0" anchor="b">
-            <a:normAutofit/>
-          </a:bodyPr>
-          <a:lstStyle>
-            <a:lvl1pPr algn="ctr" defTabSz="914400" rtl="0" eaLnBrk="1" latinLnBrk="0" hangingPunct="1">
-              <a:lnSpc>
-                <a:spcPct val="90000"/>
-              </a:lnSpc>
-              <a:spcBef>
-                <a:spcPct val="0"/>
-              </a:spcBef>
-              <a:buNone/>
-              <a:defRPr sz="6000" kern="1200">
-                <a:solidFill>
-                  <a:schemeClr val="tx1"/>
-                </a:solidFill>
-                <a:latin typeface="+mj-lt"/>
-                <a:ea typeface="+mj-ea"/>
-                <a:cs typeface="+mj-cs"/>
-              </a:defRPr>
-            </a:lvl1pPr>
-          </a:lstStyle>
-          <a:p>
-            <a:pPr algn="l">
-              <a:spcBef>
-                <a:spcPts val="600"/>
-              </a:spcBef>
-              <a:spcAft>
-                <a:spcPts val="600"/>
-              </a:spcAft>
-            </a:pPr>
-            <a:r>
-              <a:rPr lang="en-US" sz="3400" dirty="0">
-                <a:solidFill>
-                  <a:srgbClr val="00B050"/>
-                </a:solidFill>
-                <a:latin typeface="Century Schoolbook" panose="02040604050505020304" pitchFamily="18" charset="0"/>
-              </a:rPr>
-              <a:t>Discussion</a:t>
-            </a:r>
-          </a:p>
-        </p:txBody>
-      </p:sp>
-      <p:sp>
-        <p:nvSpPr>
-          <p:cNvPr id="6" name="Subtitle 2">
-            <a:extLst>
-              <a:ext uri="{FF2B5EF4-FFF2-40B4-BE49-F238E27FC236}">
-                <a16:creationId xmlns:a16="http://schemas.microsoft.com/office/drawing/2014/main" id="{AB8C65B5-8163-4E17-BC2A-195AC06AD212}"/>
-              </a:ext>
-            </a:extLst>
-          </p:cNvPr>
-          <p:cNvSpPr txBox="1">
-            <a:spLocks/>
-          </p:cNvSpPr>
-          <p:nvPr/>
-        </p:nvSpPr>
-        <p:spPr>
-          <a:xfrm>
-            <a:off x="796673" y="1604837"/>
-            <a:ext cx="8942238" cy="4271642"/>
-          </a:xfrm>
-          <a:prstGeom prst="rect">
-            <a:avLst/>
-          </a:prstGeom>
-        </p:spPr>
-        <p:txBody>
-          <a:bodyPr vert="horz" lIns="91440" tIns="45720" rIns="91440" bIns="45720" rtlCol="0">
-            <a:normAutofit/>
-          </a:bodyPr>
-          <a:lstStyle>
-            <a:lvl1pPr marL="0" indent="0" algn="ctr" defTabSz="914400" rtl="0" eaLnBrk="1" latinLnBrk="0" hangingPunct="1">
-              <a:lnSpc>
-                <a:spcPct val="90000"/>
-              </a:lnSpc>
-              <a:spcBef>
-                <a:spcPts val="1000"/>
-              </a:spcBef>
-              <a:buFont typeface="Arial" panose="020B0604020202020204" pitchFamily="34" charset="0"/>
-              <a:buNone/>
-              <a:defRPr sz="2400" kern="1200">
-                <a:solidFill>
-                  <a:schemeClr val="tx1"/>
-                </a:solidFill>
-                <a:latin typeface="+mn-lt"/>
-                <a:ea typeface="+mn-ea"/>
-                <a:cs typeface="+mn-cs"/>
-              </a:defRPr>
-            </a:lvl1pPr>
-            <a:lvl2pPr marL="457200" indent="0" algn="ctr" defTabSz="914400" rtl="0" eaLnBrk="1" latinLnBrk="0" hangingPunct="1">
-              <a:lnSpc>
-                <a:spcPct val="90000"/>
-              </a:lnSpc>
-              <a:spcBef>
-                <a:spcPts val="500"/>
-              </a:spcBef>
-              <a:buFont typeface="Arial" panose="020B0604020202020204" pitchFamily="34" charset="0"/>
-              <a:buNone/>
-              <a:defRPr sz="2000" kern="1200">
-                <a:solidFill>
-                  <a:schemeClr val="tx1"/>
-                </a:solidFill>
-                <a:latin typeface="+mn-lt"/>
-                <a:ea typeface="+mn-ea"/>
-                <a:cs typeface="+mn-cs"/>
-              </a:defRPr>
-            </a:lvl2pPr>
-            <a:lvl3pPr marL="914400" indent="0" algn="ctr" defTabSz="914400" rtl="0" eaLnBrk="1" latinLnBrk="0" hangingPunct="1">
-              <a:lnSpc>
-                <a:spcPct val="90000"/>
-              </a:lnSpc>
-              <a:spcBef>
-                <a:spcPts val="500"/>
-              </a:spcBef>
-              <a:buFont typeface="Arial" panose="020B0604020202020204" pitchFamily="34" charset="0"/>
-              <a:buNone/>
-              <a:defRPr sz="1800" kern="1200">
-                <a:solidFill>
-                  <a:schemeClr val="tx1"/>
-                </a:solidFill>
-                <a:latin typeface="+mn-lt"/>
-                <a:ea typeface="+mn-ea"/>
-                <a:cs typeface="+mn-cs"/>
-              </a:defRPr>
-            </a:lvl3pPr>
-            <a:lvl4pPr marL="1371600" indent="0" algn="ctr" defTabSz="914400" rtl="0" eaLnBrk="1" latinLnBrk="0" hangingPunct="1">
-              <a:lnSpc>
-                <a:spcPct val="90000"/>
-              </a:lnSpc>
-              <a:spcBef>
-                <a:spcPts val="500"/>
-              </a:spcBef>
-              <a:buFont typeface="Arial" panose="020B0604020202020204" pitchFamily="34" charset="0"/>
-              <a:buNone/>
-              <a:defRPr sz="1600" kern="1200">
-                <a:solidFill>
-                  <a:schemeClr val="tx1"/>
-                </a:solidFill>
-                <a:latin typeface="+mn-lt"/>
-                <a:ea typeface="+mn-ea"/>
-                <a:cs typeface="+mn-cs"/>
-              </a:defRPr>
-            </a:lvl4pPr>
-            <a:lvl5pPr marL="1828800" indent="0" algn="ctr" defTabSz="914400" rtl="0" eaLnBrk="1" latinLnBrk="0" hangingPunct="1">
-              <a:lnSpc>
-                <a:spcPct val="90000"/>
-              </a:lnSpc>
-              <a:spcBef>
-                <a:spcPts val="500"/>
-              </a:spcBef>
-              <a:buFont typeface="Arial" panose="020B0604020202020204" pitchFamily="34" charset="0"/>
-              <a:buNone/>
-              <a:defRPr sz="1600" kern="1200">
-                <a:solidFill>
-                  <a:schemeClr val="tx1"/>
-                </a:solidFill>
-                <a:latin typeface="+mn-lt"/>
-                <a:ea typeface="+mn-ea"/>
-                <a:cs typeface="+mn-cs"/>
-              </a:defRPr>
-            </a:lvl5pPr>
-            <a:lvl6pPr marL="2286000" indent="0" algn="ctr" defTabSz="914400" rtl="0" eaLnBrk="1" latinLnBrk="0" hangingPunct="1">
-              <a:lnSpc>
-                <a:spcPct val="90000"/>
-              </a:lnSpc>
-              <a:spcBef>
-                <a:spcPts val="500"/>
-              </a:spcBef>
-              <a:buFont typeface="Arial" panose="020B0604020202020204" pitchFamily="34" charset="0"/>
-              <a:buNone/>
-              <a:defRPr sz="1600" kern="1200">
-                <a:solidFill>
-                  <a:schemeClr val="tx1"/>
-                </a:solidFill>
-                <a:latin typeface="+mn-lt"/>
-                <a:ea typeface="+mn-ea"/>
-                <a:cs typeface="+mn-cs"/>
-              </a:defRPr>
-            </a:lvl6pPr>
-            <a:lvl7pPr marL="2743200" indent="0" algn="ctr" defTabSz="914400" rtl="0" eaLnBrk="1" latinLnBrk="0" hangingPunct="1">
-              <a:lnSpc>
-                <a:spcPct val="90000"/>
-              </a:lnSpc>
-              <a:spcBef>
-                <a:spcPts val="500"/>
-              </a:spcBef>
-              <a:buFont typeface="Arial" panose="020B0604020202020204" pitchFamily="34" charset="0"/>
-              <a:buNone/>
-              <a:defRPr sz="1600" kern="1200">
-                <a:solidFill>
-                  <a:schemeClr val="tx1"/>
-                </a:solidFill>
-                <a:latin typeface="+mn-lt"/>
-                <a:ea typeface="+mn-ea"/>
-                <a:cs typeface="+mn-cs"/>
-              </a:defRPr>
-            </a:lvl7pPr>
-            <a:lvl8pPr marL="3200400" indent="0" algn="ctr" defTabSz="914400" rtl="0" eaLnBrk="1" latinLnBrk="0" hangingPunct="1">
-              <a:lnSpc>
-                <a:spcPct val="90000"/>
-              </a:lnSpc>
-              <a:spcBef>
-                <a:spcPts val="500"/>
-              </a:spcBef>
-              <a:buFont typeface="Arial" panose="020B0604020202020204" pitchFamily="34" charset="0"/>
-              <a:buNone/>
-              <a:defRPr sz="1600" kern="1200">
-                <a:solidFill>
-                  <a:schemeClr val="tx1"/>
-                </a:solidFill>
-                <a:latin typeface="+mn-lt"/>
-                <a:ea typeface="+mn-ea"/>
-                <a:cs typeface="+mn-cs"/>
-              </a:defRPr>
-            </a:lvl8pPr>
-            <a:lvl9pPr marL="3657600" indent="0" algn="ctr" defTabSz="914400" rtl="0" eaLnBrk="1" latinLnBrk="0" hangingPunct="1">
-              <a:lnSpc>
-                <a:spcPct val="90000"/>
-              </a:lnSpc>
-              <a:spcBef>
-                <a:spcPts val="500"/>
-              </a:spcBef>
-              <a:buFont typeface="Arial" panose="020B0604020202020204" pitchFamily="34" charset="0"/>
-              <a:buNone/>
-              <a:defRPr sz="1600" kern="1200">
-                <a:solidFill>
-                  <a:schemeClr val="tx1"/>
-                </a:solidFill>
-                <a:latin typeface="+mn-lt"/>
-                <a:ea typeface="+mn-ea"/>
-                <a:cs typeface="+mn-cs"/>
-              </a:defRPr>
-            </a:lvl9pPr>
-          </a:lstStyle>
-          <a:p>
-            <a:pPr marL="285750" indent="-285750" algn="l">
-              <a:lnSpc>
-                <a:spcPct val="120000"/>
-              </a:lnSpc>
-              <a:buFont typeface="Wingdings" panose="05000000000000000000" pitchFamily="2" charset="2"/>
-              <a:buChar char="ü"/>
-            </a:pPr>
-            <a:r>
-              <a:rPr lang="en-CA" sz="1800" b="1" dirty="0">
-                <a:latin typeface="Century Schoolbook" panose="02040604050505020304" pitchFamily="18" charset="0"/>
-                <a:cs typeface="Calibri" panose="020F0502020204030204" pitchFamily="34" charset="0"/>
-              </a:rPr>
-              <a:t>Findings: </a:t>
-            </a:r>
-          </a:p>
-          <a:p>
-            <a:pPr marL="742950" lvl="1" indent="-285750" algn="l">
-              <a:lnSpc>
-                <a:spcPct val="120000"/>
-              </a:lnSpc>
-              <a:buFont typeface="Wingdings" panose="05000000000000000000" pitchFamily="2" charset="2"/>
-              <a:buChar char="§"/>
-            </a:pPr>
-            <a:r>
-              <a:rPr lang="en-CA" sz="1600" dirty="0">
-                <a:effectLst/>
-                <a:latin typeface="Century Schoolbook" panose="02040604050505020304" pitchFamily="18" charset="0"/>
-                <a:ea typeface="Calibri" panose="020F0502020204030204" pitchFamily="34" charset="0"/>
-                <a:cs typeface="Calibri" panose="020F0502020204030204" pitchFamily="34" charset="0"/>
-              </a:rPr>
-              <a:t>………</a:t>
-            </a:r>
-          </a:p>
-          <a:p>
-            <a:pPr marL="742950" lvl="1" indent="-285750" algn="l">
-              <a:lnSpc>
-                <a:spcPct val="120000"/>
-              </a:lnSpc>
-              <a:buFont typeface="Wingdings" panose="05000000000000000000" pitchFamily="2" charset="2"/>
-              <a:buChar char="§"/>
-            </a:pPr>
-            <a:r>
-              <a:rPr lang="en-CA" sz="1600" dirty="0">
-                <a:effectLst/>
-                <a:latin typeface="Century Schoolbook" panose="02040604050505020304" pitchFamily="18" charset="0"/>
-                <a:ea typeface="Calibri" panose="020F0502020204030204" pitchFamily="34" charset="0"/>
-                <a:cs typeface="Calibri" panose="020F0502020204030204" pitchFamily="34" charset="0"/>
-              </a:rPr>
-              <a:t>……….</a:t>
-            </a:r>
-            <a:endParaRPr lang="en-CA" sz="1400" dirty="0">
-              <a:effectLst/>
-              <a:latin typeface="Century Schoolbook" panose="02040604050505020304" pitchFamily="18" charset="0"/>
-              <a:ea typeface="Calibri" panose="020F0502020204030204" pitchFamily="34" charset="0"/>
-              <a:cs typeface="Times New Roman" panose="02020603050405020304" pitchFamily="18" charset="0"/>
-            </a:endParaRPr>
-          </a:p>
-          <a:p>
-            <a:pPr lvl="0" algn="l"/>
-            <a:endParaRPr lang="en-CA" sz="1800" dirty="0">
-              <a:latin typeface="Century Schoolbook" panose="02040604050505020304" pitchFamily="18" charset="0"/>
-              <a:cs typeface="Calibri" panose="020F0502020204030204" pitchFamily="34" charset="0"/>
-            </a:endParaRPr>
-          </a:p>
-          <a:p>
-            <a:pPr lvl="0" algn="l"/>
-            <a:endParaRPr lang="en-CA" sz="1800" dirty="0">
-              <a:latin typeface="Century Schoolbook" panose="02040604050505020304" pitchFamily="18" charset="0"/>
-              <a:cs typeface="Calibri" panose="020F0502020204030204" pitchFamily="34" charset="0"/>
-            </a:endParaRPr>
-          </a:p>
-          <a:p>
-            <a:pPr marL="285750" lvl="0" indent="-285750" algn="l">
-              <a:buFont typeface="Wingdings" panose="05000000000000000000" pitchFamily="2" charset="2"/>
-              <a:buChar char="ü"/>
-            </a:pPr>
-            <a:r>
-              <a:rPr lang="en-CA" sz="1800" b="1" dirty="0">
-                <a:latin typeface="Century Schoolbook" panose="02040604050505020304" pitchFamily="18" charset="0"/>
-                <a:cs typeface="Calibri" panose="020F0502020204030204" pitchFamily="34" charset="0"/>
-              </a:rPr>
-              <a:t>Inferences </a:t>
-            </a:r>
-            <a:r>
-              <a:rPr lang="en-CA" sz="2000" b="0" i="0" dirty="0">
-                <a:solidFill>
-                  <a:srgbClr val="4D5156"/>
-                </a:solidFill>
-                <a:effectLst/>
-                <a:latin typeface="Century Schoolbook" panose="02040604050505020304" pitchFamily="18" charset="0"/>
-              </a:rPr>
-              <a:t>| </a:t>
-            </a:r>
-            <a:r>
-              <a:rPr lang="en-CA" sz="1800" b="1" dirty="0">
-                <a:latin typeface="Century Schoolbook" panose="02040604050505020304" pitchFamily="18" charset="0"/>
-                <a:cs typeface="Calibri" panose="020F0502020204030204" pitchFamily="34" charset="0"/>
-              </a:rPr>
-              <a:t>General conclusions</a:t>
-            </a:r>
-            <a:r>
-              <a:rPr lang="en-CA" sz="1800" b="0" i="0" dirty="0">
-                <a:effectLst/>
-                <a:latin typeface="Century Schoolbook" panose="02040604050505020304" pitchFamily="18" charset="0"/>
-              </a:rPr>
-              <a:t>:</a:t>
-            </a:r>
-            <a:endParaRPr lang="en-CA" sz="1800" dirty="0">
-              <a:latin typeface="Century Schoolbook" panose="02040604050505020304" pitchFamily="18" charset="0"/>
-              <a:cs typeface="Calibri" panose="020F0502020204030204" pitchFamily="34" charset="0"/>
-            </a:endParaRPr>
-          </a:p>
-          <a:p>
-            <a:pPr marL="742950" lvl="1" indent="-285750" algn="l">
-              <a:lnSpc>
-                <a:spcPct val="120000"/>
-              </a:lnSpc>
-              <a:buFont typeface="Wingdings" panose="05000000000000000000" pitchFamily="2" charset="2"/>
-              <a:buChar char="§"/>
-            </a:pPr>
-            <a:r>
-              <a:rPr lang="en-CA" sz="1800" dirty="0">
-                <a:effectLst/>
-                <a:latin typeface="Century Schoolbook" panose="02040604050505020304" pitchFamily="18" charset="0"/>
-                <a:ea typeface="Calibri" panose="020F0502020204030204" pitchFamily="34" charset="0"/>
-                <a:cs typeface="Calibri" panose="020F0502020204030204" pitchFamily="34" charset="0"/>
-              </a:rPr>
-              <a:t>………</a:t>
-            </a:r>
-          </a:p>
-          <a:p>
-            <a:pPr marL="742950" lvl="1" indent="-285750" algn="l">
-              <a:lnSpc>
-                <a:spcPct val="120000"/>
-              </a:lnSpc>
-              <a:buFont typeface="Wingdings" panose="05000000000000000000" pitchFamily="2" charset="2"/>
-              <a:buChar char="§"/>
-            </a:pPr>
-            <a:r>
-              <a:rPr lang="en-CA" sz="1800" dirty="0">
-                <a:effectLst/>
-                <a:latin typeface="Century Schoolbook" panose="02040604050505020304" pitchFamily="18" charset="0"/>
-                <a:ea typeface="Calibri" panose="020F0502020204030204" pitchFamily="34" charset="0"/>
-                <a:cs typeface="Calibri" panose="020F0502020204030204" pitchFamily="34" charset="0"/>
-              </a:rPr>
-              <a:t>……….</a:t>
-            </a:r>
-            <a:endParaRPr lang="en-CA" sz="1600" dirty="0">
-              <a:effectLst/>
-              <a:latin typeface="Century Schoolbook" panose="02040604050505020304" pitchFamily="18" charset="0"/>
-              <a:ea typeface="Calibri" panose="020F0502020204030204" pitchFamily="34" charset="0"/>
-              <a:cs typeface="Times New Roman" panose="02020603050405020304" pitchFamily="18" charset="0"/>
-            </a:endParaRPr>
-          </a:p>
-          <a:p>
-            <a:pPr marL="285750" lvl="0" indent="-285750" algn="l">
-              <a:buFont typeface="Wingdings" panose="05000000000000000000" pitchFamily="2" charset="2"/>
-              <a:buChar char="ü"/>
-            </a:pPr>
-            <a:endParaRPr lang="en-CA" sz="1800" dirty="0">
-              <a:latin typeface="Century Schoolbook" panose="02040604050505020304" pitchFamily="18" charset="0"/>
-              <a:cs typeface="Calibri" panose="020F0502020204030204" pitchFamily="34" charset="0"/>
-            </a:endParaRPr>
-          </a:p>
-        </p:txBody>
-      </p:sp>
-      <p:pic>
-        <p:nvPicPr>
-          <p:cNvPr id="8" name="Picture 7" descr="A picture containing diagram&#10;&#10;Description automatically generated">
-            <a:extLst>
-              <a:ext uri="{FF2B5EF4-FFF2-40B4-BE49-F238E27FC236}">
-                <a16:creationId xmlns:a16="http://schemas.microsoft.com/office/drawing/2014/main" id="{7314AAE1-4A8B-4769-9B85-F4F77C3FA243}"/>
-              </a:ext>
-            </a:extLst>
-          </p:cNvPr>
-          <p:cNvPicPr>
-            <a:picLocks noChangeAspect="1"/>
-          </p:cNvPicPr>
-          <p:nvPr/>
-        </p:nvPicPr>
-        <p:blipFill rotWithShape="1">
-          <a:blip r:embed="rId2">
-            <a:extLst>
-              <a:ext uri="{28A0092B-C50C-407E-A947-70E740481C1C}">
-                <a14:useLocalDpi xmlns:a14="http://schemas.microsoft.com/office/drawing/2010/main" val="0"/>
-              </a:ext>
-            </a:extLst>
-          </a:blip>
-          <a:srcRect l="4257" t="23094" r="65929" b="35362"/>
-          <a:stretch/>
-        </p:blipFill>
-        <p:spPr>
-          <a:xfrm>
-            <a:off x="10176498" y="0"/>
-            <a:ext cx="2015502" cy="1604836"/>
-          </a:xfrm>
-          <a:prstGeom prst="rect">
-            <a:avLst/>
-          </a:prstGeom>
-        </p:spPr>
-      </p:pic>
-      <p:sp>
-        <p:nvSpPr>
-          <p:cNvPr id="10" name="Rectangle 9">
-            <a:extLst>
-              <a:ext uri="{FF2B5EF4-FFF2-40B4-BE49-F238E27FC236}">
-                <a16:creationId xmlns:a16="http://schemas.microsoft.com/office/drawing/2014/main" id="{EADA0E04-8858-4EB2-A55F-CD4DAD514B83}"/>
+          <p:cNvPr id="2" name="Rectangle 1">
+            <a:extLst>
+              <a:ext uri="{FF2B5EF4-FFF2-40B4-BE49-F238E27FC236}">
+                <a16:creationId xmlns:a16="http://schemas.microsoft.com/office/drawing/2014/main" id="{EEE071ED-06F3-4D4B-A393-6B931DD1EBE1}"/>
               </a:ext>
             </a:extLst>
           </p:cNvPr>
@@ -5713,10 +5253,213 @@
           </a:p>
         </p:txBody>
       </p:sp>
+      <p:sp>
+        <p:nvSpPr>
+          <p:cNvPr id="4" name="Title 1">
+            <a:extLst>
+              <a:ext uri="{FF2B5EF4-FFF2-40B4-BE49-F238E27FC236}">
+                <a16:creationId xmlns:a16="http://schemas.microsoft.com/office/drawing/2014/main" id="{50DF5C7B-714C-44DC-B49A-F16BE5E80C8B}"/>
+              </a:ext>
+            </a:extLst>
+          </p:cNvPr>
+          <p:cNvSpPr txBox="1">
+            <a:spLocks/>
+          </p:cNvSpPr>
+          <p:nvPr/>
+        </p:nvSpPr>
+        <p:spPr>
+          <a:xfrm>
+            <a:off x="630264" y="468786"/>
+            <a:ext cx="10891447" cy="667263"/>
+          </a:xfrm>
+          <a:prstGeom prst="rect">
+            <a:avLst/>
+          </a:prstGeom>
+        </p:spPr>
+        <p:txBody>
+          <a:bodyPr vert="horz" lIns="91440" tIns="45720" rIns="91440" bIns="45720" rtlCol="0" anchor="b">
+            <a:normAutofit fontScale="77500" lnSpcReduction="20000"/>
+          </a:bodyPr>
+          <a:lstStyle>
+            <a:lvl1pPr algn="ctr" defTabSz="914400" rtl="0" eaLnBrk="1" latinLnBrk="0" hangingPunct="1">
+              <a:lnSpc>
+                <a:spcPct val="90000"/>
+              </a:lnSpc>
+              <a:spcBef>
+                <a:spcPct val="0"/>
+              </a:spcBef>
+              <a:buNone/>
+              <a:defRPr sz="6000" kern="1200">
+                <a:solidFill>
+                  <a:schemeClr val="tx1"/>
+                </a:solidFill>
+                <a:latin typeface="+mj-lt"/>
+                <a:ea typeface="+mj-ea"/>
+                <a:cs typeface="+mj-cs"/>
+              </a:defRPr>
+            </a:lvl1pPr>
+          </a:lstStyle>
+          <a:p>
+            <a:pPr algn="l">
+              <a:spcBef>
+                <a:spcPts val="1200"/>
+              </a:spcBef>
+            </a:pPr>
+            <a:r>
+              <a:rPr lang="en-US" sz="3400" dirty="0">
+                <a:solidFill>
+                  <a:schemeClr val="accent2">
+                    <a:lumMod val="75000"/>
+                  </a:schemeClr>
+                </a:solidFill>
+                <a:latin typeface="Century Schoolbook" panose="02040604050505020304" pitchFamily="18" charset="0"/>
+              </a:rPr>
+              <a:t>Analysis – Part 2</a:t>
+            </a:r>
+            <a:r>
+              <a:rPr lang="en-US" sz="3400" dirty="0">
+                <a:solidFill>
+                  <a:schemeClr val="accent2">
+                    <a:lumMod val="75000"/>
+                  </a:schemeClr>
+                </a:solidFill>
+                <a:latin typeface="Century Schoolbook" panose="02040604050505020304" pitchFamily="18" charset="0"/>
+                <a:sym typeface="Wingdings" panose="05000000000000000000" pitchFamily="2" charset="2"/>
+              </a:rPr>
+              <a:t>We determine if there is a correlation between the number of reported Covid-19 cases and our real estate variables</a:t>
+            </a:r>
+            <a:endParaRPr lang="en-US" sz="3400" dirty="0">
+              <a:solidFill>
+                <a:schemeClr val="accent2">
+                  <a:lumMod val="75000"/>
+                </a:schemeClr>
+              </a:solidFill>
+              <a:latin typeface="Century Schoolbook" panose="02040604050505020304" pitchFamily="18" charset="0"/>
+            </a:endParaRPr>
+          </a:p>
+        </p:txBody>
+      </p:sp>
+      <p:pic>
+        <p:nvPicPr>
+          <p:cNvPr id="3" name="Picture 2">
+            <a:extLst>
+              <a:ext uri="{FF2B5EF4-FFF2-40B4-BE49-F238E27FC236}">
+                <a16:creationId xmlns:a16="http://schemas.microsoft.com/office/drawing/2014/main" id="{EA5D2DCA-5A49-42BA-AEB8-4A3EEB671C5E}"/>
+              </a:ext>
+            </a:extLst>
+          </p:cNvPr>
+          <p:cNvPicPr>
+            <a:picLocks noChangeAspect="1"/>
+          </p:cNvPicPr>
+          <p:nvPr/>
+        </p:nvPicPr>
+        <p:blipFill>
+          <a:blip r:embed="rId2"/>
+          <a:stretch>
+            <a:fillRect/>
+          </a:stretch>
+        </p:blipFill>
+        <p:spPr>
+          <a:xfrm>
+            <a:off x="3751193" y="1695450"/>
+            <a:ext cx="4649587" cy="3105412"/>
+          </a:xfrm>
+          <a:prstGeom prst="rect">
+            <a:avLst/>
+          </a:prstGeom>
+        </p:spPr>
+      </p:pic>
+      <p:sp>
+        <p:nvSpPr>
+          <p:cNvPr id="16" name="TextBox 15">
+            <a:extLst>
+              <a:ext uri="{FF2B5EF4-FFF2-40B4-BE49-F238E27FC236}">
+                <a16:creationId xmlns:a16="http://schemas.microsoft.com/office/drawing/2014/main" id="{3B7232F0-58AC-4EE3-9631-F135D6239EA5}"/>
+              </a:ext>
+            </a:extLst>
+          </p:cNvPr>
+          <p:cNvSpPr txBox="1"/>
+          <p:nvPr/>
+        </p:nvSpPr>
+        <p:spPr>
+          <a:xfrm>
+            <a:off x="3425341" y="1133736"/>
+            <a:ext cx="5341317" cy="646331"/>
+          </a:xfrm>
+          <a:prstGeom prst="rect">
+            <a:avLst/>
+          </a:prstGeom>
+          <a:noFill/>
+        </p:spPr>
+        <p:txBody>
+          <a:bodyPr wrap="square" rtlCol="0">
+            <a:spAutoFit/>
+          </a:bodyPr>
+          <a:lstStyle/>
+          <a:p>
+            <a:pPr algn="ctr"/>
+            <a:r>
+              <a:rPr lang="en-CA" b="1" u="sng" dirty="0"/>
+              <a:t>Regression analysis of mortgage rate and Covid-19 cases </a:t>
+            </a:r>
+          </a:p>
+        </p:txBody>
+      </p:sp>
+      <p:sp>
+        <p:nvSpPr>
+          <p:cNvPr id="17" name="TextBox 16">
+            <a:extLst>
+              <a:ext uri="{FF2B5EF4-FFF2-40B4-BE49-F238E27FC236}">
+                <a16:creationId xmlns:a16="http://schemas.microsoft.com/office/drawing/2014/main" id="{E23A70AC-07F0-472A-AB2A-D7AED3B81801}"/>
+              </a:ext>
+            </a:extLst>
+          </p:cNvPr>
+          <p:cNvSpPr txBox="1"/>
+          <p:nvPr/>
+        </p:nvSpPr>
+        <p:spPr>
+          <a:xfrm>
+            <a:off x="2024743" y="4800862"/>
+            <a:ext cx="7977673" cy="1277273"/>
+          </a:xfrm>
+          <a:prstGeom prst="rect">
+            <a:avLst/>
+          </a:prstGeom>
+          <a:noFill/>
+        </p:spPr>
+        <p:txBody>
+          <a:bodyPr wrap="square" rtlCol="0">
+            <a:spAutoFit/>
+          </a:bodyPr>
+          <a:lstStyle/>
+          <a:p>
+            <a:pPr algn="ctr">
+              <a:spcAft>
+                <a:spcPts val="600"/>
+              </a:spcAft>
+            </a:pPr>
+            <a:r>
+              <a:rPr lang="en-CA" i="1" dirty="0"/>
+              <a:t>Correlation coefficient: -0.92</a:t>
+            </a:r>
+          </a:p>
+          <a:p>
+            <a:pPr algn="ctr"/>
+            <a:r>
+              <a:rPr lang="en-CA" i="1" dirty="0"/>
+              <a:t>There is a strong negative correlation between the cumulative number of Covid-19 cases in Ontario, and the mortgage rate </a:t>
+            </a:r>
+          </a:p>
+          <a:p>
+            <a:pPr algn="ctr"/>
+            <a:endParaRPr lang="en-CA" i="1" dirty="0"/>
+          </a:p>
+        </p:txBody>
+      </p:sp>
     </p:spTree>
     <p:extLst>
       <p:ext uri="{BB962C8B-B14F-4D97-AF65-F5344CB8AC3E}">
-        <p14:creationId xmlns:p14="http://schemas.microsoft.com/office/powerpoint/2010/main" val="44990578"/>
+        <p14:creationId xmlns:p14="http://schemas.microsoft.com/office/powerpoint/2010/main" val="1115089751"/>
       </p:ext>
     </p:extLst>
   </p:cSld>
@@ -5757,470 +5500,10 @@
       </p:grpSpPr>
       <p:sp>
         <p:nvSpPr>
-          <p:cNvPr id="4" name="Title 1">
-            <a:extLst>
-              <a:ext uri="{FF2B5EF4-FFF2-40B4-BE49-F238E27FC236}">
-                <a16:creationId xmlns:a16="http://schemas.microsoft.com/office/drawing/2014/main" id="{50DF5C7B-714C-44DC-B49A-F16BE5E80C8B}"/>
-              </a:ext>
-            </a:extLst>
-          </p:cNvPr>
-          <p:cNvSpPr txBox="1">
-            <a:spLocks/>
-          </p:cNvSpPr>
-          <p:nvPr/>
-        </p:nvSpPr>
-        <p:spPr>
-          <a:xfrm>
-            <a:off x="424920" y="330535"/>
-            <a:ext cx="5535205" cy="935510"/>
-          </a:xfrm>
-          <a:prstGeom prst="rect">
-            <a:avLst/>
-          </a:prstGeom>
-        </p:spPr>
-        <p:txBody>
-          <a:bodyPr vert="horz" lIns="91440" tIns="45720" rIns="91440" bIns="45720" rtlCol="0" anchor="b">
-            <a:normAutofit/>
-          </a:bodyPr>
-          <a:lstStyle>
-            <a:lvl1pPr algn="ctr" defTabSz="914400" rtl="0" eaLnBrk="1" latinLnBrk="0" hangingPunct="1">
-              <a:lnSpc>
-                <a:spcPct val="90000"/>
-              </a:lnSpc>
-              <a:spcBef>
-                <a:spcPct val="0"/>
-              </a:spcBef>
-              <a:buNone/>
-              <a:defRPr sz="6000" kern="1200">
-                <a:solidFill>
-                  <a:schemeClr val="tx1"/>
-                </a:solidFill>
-                <a:latin typeface="+mj-lt"/>
-                <a:ea typeface="+mj-ea"/>
-                <a:cs typeface="+mj-cs"/>
-              </a:defRPr>
-            </a:lvl1pPr>
-          </a:lstStyle>
-          <a:p>
-            <a:pPr algn="l">
-              <a:spcBef>
-                <a:spcPts val="600"/>
-              </a:spcBef>
-              <a:spcAft>
-                <a:spcPts val="600"/>
-              </a:spcAft>
-            </a:pPr>
-            <a:r>
-              <a:rPr lang="en-US" sz="3400" dirty="0">
-                <a:solidFill>
-                  <a:schemeClr val="accent5">
-                    <a:lumMod val="75000"/>
-                  </a:schemeClr>
-                </a:solidFill>
-                <a:latin typeface="Century Schoolbook" panose="02040604050505020304" pitchFamily="18" charset="0"/>
-              </a:rPr>
-              <a:t>Post Mortem</a:t>
-            </a:r>
-          </a:p>
-        </p:txBody>
-      </p:sp>
-      <p:sp>
-        <p:nvSpPr>
-          <p:cNvPr id="6" name="Subtitle 2">
-            <a:extLst>
-              <a:ext uri="{FF2B5EF4-FFF2-40B4-BE49-F238E27FC236}">
-                <a16:creationId xmlns:a16="http://schemas.microsoft.com/office/drawing/2014/main" id="{AB8C65B5-8163-4E17-BC2A-195AC06AD212}"/>
-              </a:ext>
-            </a:extLst>
-          </p:cNvPr>
-          <p:cNvSpPr txBox="1">
-            <a:spLocks/>
-          </p:cNvSpPr>
-          <p:nvPr/>
-        </p:nvSpPr>
-        <p:spPr>
-          <a:xfrm>
-            <a:off x="796673" y="1604837"/>
-            <a:ext cx="8942238" cy="4271642"/>
-          </a:xfrm>
-          <a:prstGeom prst="rect">
-            <a:avLst/>
-          </a:prstGeom>
-        </p:spPr>
-        <p:txBody>
-          <a:bodyPr vert="horz" lIns="91440" tIns="45720" rIns="91440" bIns="45720" rtlCol="0">
-            <a:normAutofit/>
-          </a:bodyPr>
-          <a:lstStyle>
-            <a:lvl1pPr marL="0" indent="0" algn="ctr" defTabSz="914400" rtl="0" eaLnBrk="1" latinLnBrk="0" hangingPunct="1">
-              <a:lnSpc>
-                <a:spcPct val="90000"/>
-              </a:lnSpc>
-              <a:spcBef>
-                <a:spcPts val="1000"/>
-              </a:spcBef>
-              <a:buFont typeface="Arial" panose="020B0604020202020204" pitchFamily="34" charset="0"/>
-              <a:buNone/>
-              <a:defRPr sz="2400" kern="1200">
-                <a:solidFill>
-                  <a:schemeClr val="tx1"/>
-                </a:solidFill>
-                <a:latin typeface="+mn-lt"/>
-                <a:ea typeface="+mn-ea"/>
-                <a:cs typeface="+mn-cs"/>
-              </a:defRPr>
-            </a:lvl1pPr>
-            <a:lvl2pPr marL="457200" indent="0" algn="ctr" defTabSz="914400" rtl="0" eaLnBrk="1" latinLnBrk="0" hangingPunct="1">
-              <a:lnSpc>
-                <a:spcPct val="90000"/>
-              </a:lnSpc>
-              <a:spcBef>
-                <a:spcPts val="500"/>
-              </a:spcBef>
-              <a:buFont typeface="Arial" panose="020B0604020202020204" pitchFamily="34" charset="0"/>
-              <a:buNone/>
-              <a:defRPr sz="2000" kern="1200">
-                <a:solidFill>
-                  <a:schemeClr val="tx1"/>
-                </a:solidFill>
-                <a:latin typeface="+mn-lt"/>
-                <a:ea typeface="+mn-ea"/>
-                <a:cs typeface="+mn-cs"/>
-              </a:defRPr>
-            </a:lvl2pPr>
-            <a:lvl3pPr marL="914400" indent="0" algn="ctr" defTabSz="914400" rtl="0" eaLnBrk="1" latinLnBrk="0" hangingPunct="1">
-              <a:lnSpc>
-                <a:spcPct val="90000"/>
-              </a:lnSpc>
-              <a:spcBef>
-                <a:spcPts val="500"/>
-              </a:spcBef>
-              <a:buFont typeface="Arial" panose="020B0604020202020204" pitchFamily="34" charset="0"/>
-              <a:buNone/>
-              <a:defRPr sz="1800" kern="1200">
-                <a:solidFill>
-                  <a:schemeClr val="tx1"/>
-                </a:solidFill>
-                <a:latin typeface="+mn-lt"/>
-                <a:ea typeface="+mn-ea"/>
-                <a:cs typeface="+mn-cs"/>
-              </a:defRPr>
-            </a:lvl3pPr>
-            <a:lvl4pPr marL="1371600" indent="0" algn="ctr" defTabSz="914400" rtl="0" eaLnBrk="1" latinLnBrk="0" hangingPunct="1">
-              <a:lnSpc>
-                <a:spcPct val="90000"/>
-              </a:lnSpc>
-              <a:spcBef>
-                <a:spcPts val="500"/>
-              </a:spcBef>
-              <a:buFont typeface="Arial" panose="020B0604020202020204" pitchFamily="34" charset="0"/>
-              <a:buNone/>
-              <a:defRPr sz="1600" kern="1200">
-                <a:solidFill>
-                  <a:schemeClr val="tx1"/>
-                </a:solidFill>
-                <a:latin typeface="+mn-lt"/>
-                <a:ea typeface="+mn-ea"/>
-                <a:cs typeface="+mn-cs"/>
-              </a:defRPr>
-            </a:lvl4pPr>
-            <a:lvl5pPr marL="1828800" indent="0" algn="ctr" defTabSz="914400" rtl="0" eaLnBrk="1" latinLnBrk="0" hangingPunct="1">
-              <a:lnSpc>
-                <a:spcPct val="90000"/>
-              </a:lnSpc>
-              <a:spcBef>
-                <a:spcPts val="500"/>
-              </a:spcBef>
-              <a:buFont typeface="Arial" panose="020B0604020202020204" pitchFamily="34" charset="0"/>
-              <a:buNone/>
-              <a:defRPr sz="1600" kern="1200">
-                <a:solidFill>
-                  <a:schemeClr val="tx1"/>
-                </a:solidFill>
-                <a:latin typeface="+mn-lt"/>
-                <a:ea typeface="+mn-ea"/>
-                <a:cs typeface="+mn-cs"/>
-              </a:defRPr>
-            </a:lvl5pPr>
-            <a:lvl6pPr marL="2286000" indent="0" algn="ctr" defTabSz="914400" rtl="0" eaLnBrk="1" latinLnBrk="0" hangingPunct="1">
-              <a:lnSpc>
-                <a:spcPct val="90000"/>
-              </a:lnSpc>
-              <a:spcBef>
-                <a:spcPts val="500"/>
-              </a:spcBef>
-              <a:buFont typeface="Arial" panose="020B0604020202020204" pitchFamily="34" charset="0"/>
-              <a:buNone/>
-              <a:defRPr sz="1600" kern="1200">
-                <a:solidFill>
-                  <a:schemeClr val="tx1"/>
-                </a:solidFill>
-                <a:latin typeface="+mn-lt"/>
-                <a:ea typeface="+mn-ea"/>
-                <a:cs typeface="+mn-cs"/>
-              </a:defRPr>
-            </a:lvl6pPr>
-            <a:lvl7pPr marL="2743200" indent="0" algn="ctr" defTabSz="914400" rtl="0" eaLnBrk="1" latinLnBrk="0" hangingPunct="1">
-              <a:lnSpc>
-                <a:spcPct val="90000"/>
-              </a:lnSpc>
-              <a:spcBef>
-                <a:spcPts val="500"/>
-              </a:spcBef>
-              <a:buFont typeface="Arial" panose="020B0604020202020204" pitchFamily="34" charset="0"/>
-              <a:buNone/>
-              <a:defRPr sz="1600" kern="1200">
-                <a:solidFill>
-                  <a:schemeClr val="tx1"/>
-                </a:solidFill>
-                <a:latin typeface="+mn-lt"/>
-                <a:ea typeface="+mn-ea"/>
-                <a:cs typeface="+mn-cs"/>
-              </a:defRPr>
-            </a:lvl7pPr>
-            <a:lvl8pPr marL="3200400" indent="0" algn="ctr" defTabSz="914400" rtl="0" eaLnBrk="1" latinLnBrk="0" hangingPunct="1">
-              <a:lnSpc>
-                <a:spcPct val="90000"/>
-              </a:lnSpc>
-              <a:spcBef>
-                <a:spcPts val="500"/>
-              </a:spcBef>
-              <a:buFont typeface="Arial" panose="020B0604020202020204" pitchFamily="34" charset="0"/>
-              <a:buNone/>
-              <a:defRPr sz="1600" kern="1200">
-                <a:solidFill>
-                  <a:schemeClr val="tx1"/>
-                </a:solidFill>
-                <a:latin typeface="+mn-lt"/>
-                <a:ea typeface="+mn-ea"/>
-                <a:cs typeface="+mn-cs"/>
-              </a:defRPr>
-            </a:lvl8pPr>
-            <a:lvl9pPr marL="3657600" indent="0" algn="ctr" defTabSz="914400" rtl="0" eaLnBrk="1" latinLnBrk="0" hangingPunct="1">
-              <a:lnSpc>
-                <a:spcPct val="90000"/>
-              </a:lnSpc>
-              <a:spcBef>
-                <a:spcPts val="500"/>
-              </a:spcBef>
-              <a:buFont typeface="Arial" panose="020B0604020202020204" pitchFamily="34" charset="0"/>
-              <a:buNone/>
-              <a:defRPr sz="1600" kern="1200">
-                <a:solidFill>
-                  <a:schemeClr val="tx1"/>
-                </a:solidFill>
-                <a:latin typeface="+mn-lt"/>
-                <a:ea typeface="+mn-ea"/>
-                <a:cs typeface="+mn-cs"/>
-              </a:defRPr>
-            </a:lvl9pPr>
-          </a:lstStyle>
-          <a:p>
-            <a:pPr marL="285750" indent="-285750" algn="l">
-              <a:lnSpc>
-                <a:spcPct val="120000"/>
-              </a:lnSpc>
-              <a:buFont typeface="Wingdings" panose="05000000000000000000" pitchFamily="2" charset="2"/>
-              <a:buChar char="ü"/>
-            </a:pPr>
-            <a:r>
-              <a:rPr lang="en-CA" sz="1800" b="1" dirty="0">
-                <a:latin typeface="Century Schoolbook" panose="02040604050505020304" pitchFamily="18" charset="0"/>
-                <a:cs typeface="Calibri" panose="020F0502020204030204" pitchFamily="34" charset="0"/>
-              </a:rPr>
-              <a:t>Difficulties that arose, and how we dealt with them: </a:t>
-            </a:r>
-          </a:p>
-          <a:p>
-            <a:pPr marL="742950" lvl="1" indent="-285750" algn="l">
-              <a:lnSpc>
-                <a:spcPct val="120000"/>
-              </a:lnSpc>
-              <a:buFont typeface="Wingdings" panose="05000000000000000000" pitchFamily="2" charset="2"/>
-              <a:buChar char="§"/>
-            </a:pPr>
-            <a:r>
-              <a:rPr lang="en-CA" sz="1600" dirty="0">
-                <a:effectLst/>
-                <a:latin typeface="Century Schoolbook" panose="02040604050505020304" pitchFamily="18" charset="0"/>
-                <a:ea typeface="Calibri" panose="020F0502020204030204" pitchFamily="34" charset="0"/>
-                <a:cs typeface="Calibri" panose="020F0502020204030204" pitchFamily="34" charset="0"/>
-              </a:rPr>
-              <a:t>………</a:t>
-            </a:r>
-          </a:p>
-          <a:p>
-            <a:pPr marL="742950" lvl="1" indent="-285750" algn="l">
-              <a:lnSpc>
-                <a:spcPct val="120000"/>
-              </a:lnSpc>
-              <a:buFont typeface="Wingdings" panose="05000000000000000000" pitchFamily="2" charset="2"/>
-              <a:buChar char="§"/>
-            </a:pPr>
-            <a:r>
-              <a:rPr lang="en-CA" sz="1600" dirty="0">
-                <a:effectLst/>
-                <a:latin typeface="Century Schoolbook" panose="02040604050505020304" pitchFamily="18" charset="0"/>
-                <a:ea typeface="Calibri" panose="020F0502020204030204" pitchFamily="34" charset="0"/>
-                <a:cs typeface="Calibri" panose="020F0502020204030204" pitchFamily="34" charset="0"/>
-              </a:rPr>
-              <a:t>……….</a:t>
-            </a:r>
-            <a:endParaRPr lang="en-CA" sz="1400" dirty="0">
-              <a:effectLst/>
-              <a:latin typeface="Century Schoolbook" panose="02040604050505020304" pitchFamily="18" charset="0"/>
-              <a:ea typeface="Calibri" panose="020F0502020204030204" pitchFamily="34" charset="0"/>
-              <a:cs typeface="Times New Roman" panose="02020603050405020304" pitchFamily="18" charset="0"/>
-            </a:endParaRPr>
-          </a:p>
-          <a:p>
-            <a:pPr lvl="0" algn="l"/>
-            <a:endParaRPr lang="en-CA" sz="1800" dirty="0">
-              <a:latin typeface="Century Schoolbook" panose="02040604050505020304" pitchFamily="18" charset="0"/>
-              <a:cs typeface="Calibri" panose="020F0502020204030204" pitchFamily="34" charset="0"/>
-            </a:endParaRPr>
-          </a:p>
-          <a:p>
-            <a:pPr lvl="0" algn="l"/>
-            <a:endParaRPr lang="en-CA" sz="1800" dirty="0">
-              <a:latin typeface="Century Schoolbook" panose="02040604050505020304" pitchFamily="18" charset="0"/>
-              <a:cs typeface="Calibri" panose="020F0502020204030204" pitchFamily="34" charset="0"/>
-            </a:endParaRPr>
-          </a:p>
-          <a:p>
-            <a:pPr marL="285750" lvl="0" indent="-285750" algn="l">
-              <a:buFont typeface="Wingdings" panose="05000000000000000000" pitchFamily="2" charset="2"/>
-              <a:buChar char="ü"/>
-            </a:pPr>
-            <a:r>
-              <a:rPr lang="en-CA" sz="1800" b="1" dirty="0">
-                <a:latin typeface="Century Schoolbook" panose="02040604050505020304" pitchFamily="18" charset="0"/>
-                <a:cs typeface="Calibri" panose="020F0502020204030204" pitchFamily="34" charset="0"/>
-              </a:rPr>
-              <a:t>Additional questions </a:t>
-            </a:r>
-            <a:r>
-              <a:rPr lang="en-CA" sz="1800" b="1" i="0" dirty="0">
-                <a:solidFill>
-                  <a:srgbClr val="4D5156"/>
-                </a:solidFill>
-                <a:effectLst/>
-                <a:latin typeface="Century Schoolbook" panose="02040604050505020304" pitchFamily="18" charset="0"/>
-              </a:rPr>
-              <a:t>| </a:t>
-            </a:r>
-            <a:r>
-              <a:rPr lang="en-CA" sz="1800" b="1" dirty="0">
-                <a:latin typeface="Century Schoolbook" panose="02040604050505020304" pitchFamily="18" charset="0"/>
-                <a:cs typeface="Calibri" panose="020F0502020204030204" pitchFamily="34" charset="0"/>
-              </a:rPr>
-              <a:t>What would we research next?</a:t>
-            </a:r>
-          </a:p>
-          <a:p>
-            <a:pPr marL="742950" lvl="1" indent="-285750" algn="l">
-              <a:lnSpc>
-                <a:spcPct val="120000"/>
-              </a:lnSpc>
-              <a:buFont typeface="Wingdings" panose="05000000000000000000" pitchFamily="2" charset="2"/>
-              <a:buChar char="§"/>
-            </a:pPr>
-            <a:r>
-              <a:rPr lang="en-CA" sz="1800" dirty="0">
-                <a:effectLst/>
-                <a:latin typeface="Century Schoolbook" panose="02040604050505020304" pitchFamily="18" charset="0"/>
-                <a:ea typeface="Calibri" panose="020F0502020204030204" pitchFamily="34" charset="0"/>
-                <a:cs typeface="Calibri" panose="020F0502020204030204" pitchFamily="34" charset="0"/>
-              </a:rPr>
-              <a:t>………</a:t>
-            </a:r>
-          </a:p>
-          <a:p>
-            <a:pPr marL="742950" lvl="1" indent="-285750" algn="l">
-              <a:lnSpc>
-                <a:spcPct val="120000"/>
-              </a:lnSpc>
-              <a:buFont typeface="Wingdings" panose="05000000000000000000" pitchFamily="2" charset="2"/>
-              <a:buChar char="§"/>
-            </a:pPr>
-            <a:r>
-              <a:rPr lang="en-CA" sz="1800" dirty="0">
-                <a:effectLst/>
-                <a:latin typeface="Century Schoolbook" panose="02040604050505020304" pitchFamily="18" charset="0"/>
-                <a:ea typeface="Calibri" panose="020F0502020204030204" pitchFamily="34" charset="0"/>
-                <a:cs typeface="Calibri" panose="020F0502020204030204" pitchFamily="34" charset="0"/>
-              </a:rPr>
-              <a:t>……….</a:t>
-            </a:r>
-            <a:endParaRPr lang="en-CA" sz="1600" dirty="0">
-              <a:effectLst/>
-              <a:latin typeface="Century Schoolbook" panose="02040604050505020304" pitchFamily="18" charset="0"/>
-              <a:ea typeface="Calibri" panose="020F0502020204030204" pitchFamily="34" charset="0"/>
-              <a:cs typeface="Times New Roman" panose="02020603050405020304" pitchFamily="18" charset="0"/>
-            </a:endParaRPr>
-          </a:p>
-          <a:p>
-            <a:pPr marL="285750" lvl="0" indent="-285750" algn="l">
-              <a:buFont typeface="Wingdings" panose="05000000000000000000" pitchFamily="2" charset="2"/>
-              <a:buChar char="ü"/>
-            </a:pPr>
-            <a:endParaRPr lang="en-CA" sz="1800" dirty="0">
-              <a:latin typeface="Century Schoolbook" panose="02040604050505020304" pitchFamily="18" charset="0"/>
-              <a:cs typeface="Calibri" panose="020F0502020204030204" pitchFamily="34" charset="0"/>
-            </a:endParaRPr>
-          </a:p>
-        </p:txBody>
-      </p:sp>
-      <p:pic>
-        <p:nvPicPr>
-          <p:cNvPr id="8" name="Picture 7" descr="A picture containing diagram&#10;&#10;Description automatically generated">
-            <a:extLst>
-              <a:ext uri="{FF2B5EF4-FFF2-40B4-BE49-F238E27FC236}">
-                <a16:creationId xmlns:a16="http://schemas.microsoft.com/office/drawing/2014/main" id="{7314AAE1-4A8B-4769-9B85-F4F77C3FA243}"/>
-              </a:ext>
-            </a:extLst>
-          </p:cNvPr>
-          <p:cNvPicPr>
-            <a:picLocks noChangeAspect="1"/>
-          </p:cNvPicPr>
-          <p:nvPr/>
-        </p:nvPicPr>
-        <p:blipFill rotWithShape="1">
-          <a:blip r:embed="rId2">
-            <a:extLst>
-              <a:ext uri="{BEBA8EAE-BF5A-486C-A8C5-ECC9F3942E4B}">
-                <a14:imgProps xmlns:a14="http://schemas.microsoft.com/office/drawing/2010/main">
-                  <a14:imgLayer r:embed="rId3">
-                    <a14:imgEffect>
-                      <a14:colorTemperature colorTemp="4700"/>
-                    </a14:imgEffect>
-                  </a14:imgLayer>
-                </a14:imgProps>
-              </a:ext>
-              <a:ext uri="{28A0092B-C50C-407E-A947-70E740481C1C}">
-                <a14:useLocalDpi xmlns:a14="http://schemas.microsoft.com/office/drawing/2010/main" val="0"/>
-              </a:ext>
-            </a:extLst>
-          </a:blip>
-          <a:srcRect l="4257" t="23094" r="65929" b="35362"/>
-          <a:stretch/>
-        </p:blipFill>
-        <p:spPr>
-          <a:xfrm>
-            <a:off x="10176498" y="0"/>
-            <a:ext cx="2015502" cy="1604836"/>
-          </a:xfrm>
-          <a:prstGeom prst="rect">
-            <a:avLst/>
-          </a:prstGeom>
-        </p:spPr>
-      </p:pic>
-      <p:sp>
-        <p:nvSpPr>
-          <p:cNvPr id="10" name="Rectangle 9">
-            <a:extLst>
-              <a:ext uri="{FF2B5EF4-FFF2-40B4-BE49-F238E27FC236}">
-                <a16:creationId xmlns:a16="http://schemas.microsoft.com/office/drawing/2014/main" id="{EADA0E04-8858-4EB2-A55F-CD4DAD514B83}"/>
+          <p:cNvPr id="2" name="Rectangle 1">
+            <a:extLst>
+              <a:ext uri="{FF2B5EF4-FFF2-40B4-BE49-F238E27FC236}">
+                <a16:creationId xmlns:a16="http://schemas.microsoft.com/office/drawing/2014/main" id="{EEE071ED-06F3-4D4B-A393-6B931DD1EBE1}"/>
               </a:ext>
             </a:extLst>
           </p:cNvPr>
@@ -6288,10 +5571,385 @@
           </a:p>
         </p:txBody>
       </p:sp>
+      <p:sp>
+        <p:nvSpPr>
+          <p:cNvPr id="4" name="Title 1">
+            <a:extLst>
+              <a:ext uri="{FF2B5EF4-FFF2-40B4-BE49-F238E27FC236}">
+                <a16:creationId xmlns:a16="http://schemas.microsoft.com/office/drawing/2014/main" id="{50DF5C7B-714C-44DC-B49A-F16BE5E80C8B}"/>
+              </a:ext>
+            </a:extLst>
+          </p:cNvPr>
+          <p:cNvSpPr txBox="1">
+            <a:spLocks/>
+          </p:cNvSpPr>
+          <p:nvPr/>
+        </p:nvSpPr>
+        <p:spPr>
+          <a:xfrm>
+            <a:off x="630264" y="468786"/>
+            <a:ext cx="10891447" cy="667263"/>
+          </a:xfrm>
+          <a:prstGeom prst="rect">
+            <a:avLst/>
+          </a:prstGeom>
+        </p:spPr>
+        <p:txBody>
+          <a:bodyPr vert="horz" lIns="91440" tIns="45720" rIns="91440" bIns="45720" rtlCol="0" anchor="b">
+            <a:normAutofit fontScale="70000" lnSpcReduction="20000"/>
+          </a:bodyPr>
+          <a:lstStyle>
+            <a:lvl1pPr algn="ctr" defTabSz="914400" rtl="0" eaLnBrk="1" latinLnBrk="0" hangingPunct="1">
+              <a:lnSpc>
+                <a:spcPct val="90000"/>
+              </a:lnSpc>
+              <a:spcBef>
+                <a:spcPct val="0"/>
+              </a:spcBef>
+              <a:buNone/>
+              <a:defRPr sz="6000" kern="1200">
+                <a:solidFill>
+                  <a:schemeClr val="tx1"/>
+                </a:solidFill>
+                <a:latin typeface="+mj-lt"/>
+                <a:ea typeface="+mj-ea"/>
+                <a:cs typeface="+mj-cs"/>
+              </a:defRPr>
+            </a:lvl1pPr>
+          </a:lstStyle>
+          <a:p>
+            <a:pPr algn="l">
+              <a:spcBef>
+                <a:spcPts val="1200"/>
+              </a:spcBef>
+            </a:pPr>
+            <a:r>
+              <a:rPr lang="en-US" sz="3400" dirty="0">
+                <a:solidFill>
+                  <a:schemeClr val="accent2">
+                    <a:lumMod val="75000"/>
+                  </a:schemeClr>
+                </a:solidFill>
+                <a:latin typeface="Century Schoolbook" panose="02040604050505020304" pitchFamily="18" charset="0"/>
+              </a:rPr>
+              <a:t>Findings: The behavior of 2020 real estate indicators in Ontario cannot be clearly explained by </a:t>
+            </a:r>
+            <a:r>
+              <a:rPr lang="en-US" sz="3400" b="1" u="sng" dirty="0">
+                <a:solidFill>
+                  <a:schemeClr val="accent2">
+                    <a:lumMod val="75000"/>
+                  </a:schemeClr>
+                </a:solidFill>
+                <a:latin typeface="Century Schoolbook" panose="02040604050505020304" pitchFamily="18" charset="0"/>
+              </a:rPr>
+              <a:t>only</a:t>
+            </a:r>
+            <a:r>
+              <a:rPr lang="en-US" sz="3400" dirty="0">
+                <a:solidFill>
+                  <a:schemeClr val="accent2">
+                    <a:lumMod val="75000"/>
+                  </a:schemeClr>
+                </a:solidFill>
+                <a:latin typeface="Century Schoolbook" panose="02040604050505020304" pitchFamily="18" charset="0"/>
+              </a:rPr>
+              <a:t> looking at the progression of Covid-19</a:t>
+            </a:r>
+          </a:p>
+        </p:txBody>
+      </p:sp>
+      <p:cxnSp>
+        <p:nvCxnSpPr>
+          <p:cNvPr id="7" name="Straight Connector 6">
+            <a:extLst>
+              <a:ext uri="{FF2B5EF4-FFF2-40B4-BE49-F238E27FC236}">
+                <a16:creationId xmlns:a16="http://schemas.microsoft.com/office/drawing/2014/main" id="{A4C14B66-1E57-4EB1-92A2-8390733AD1D5}"/>
+              </a:ext>
+            </a:extLst>
+          </p:cNvPr>
+          <p:cNvCxnSpPr/>
+          <p:nvPr/>
+        </p:nvCxnSpPr>
+        <p:spPr>
+          <a:xfrm>
+            <a:off x="209320" y="1136049"/>
+            <a:ext cx="11501610" cy="0"/>
+          </a:xfrm>
+          <a:prstGeom prst="line">
+            <a:avLst/>
+          </a:prstGeom>
+        </p:spPr>
+        <p:style>
+          <a:lnRef idx="1">
+            <a:schemeClr val="accent2"/>
+          </a:lnRef>
+          <a:fillRef idx="0">
+            <a:schemeClr val="accent2"/>
+          </a:fillRef>
+          <a:effectRef idx="0">
+            <a:schemeClr val="accent2"/>
+          </a:effectRef>
+          <a:fontRef idx="minor">
+            <a:schemeClr val="tx1"/>
+          </a:fontRef>
+        </p:style>
+      </p:cxnSp>
+      <p:sp>
+        <p:nvSpPr>
+          <p:cNvPr id="16" name="TextBox 15">
+            <a:extLst>
+              <a:ext uri="{FF2B5EF4-FFF2-40B4-BE49-F238E27FC236}">
+                <a16:creationId xmlns:a16="http://schemas.microsoft.com/office/drawing/2014/main" id="{C5BEB27D-A953-4C02-8799-80E5C8FC4332}"/>
+              </a:ext>
+            </a:extLst>
+          </p:cNvPr>
+          <p:cNvSpPr txBox="1"/>
+          <p:nvPr/>
+        </p:nvSpPr>
+        <p:spPr>
+          <a:xfrm>
+            <a:off x="699795" y="1305341"/>
+            <a:ext cx="10933381" cy="1477328"/>
+          </a:xfrm>
+          <a:prstGeom prst="rect">
+            <a:avLst/>
+          </a:prstGeom>
+          <a:noFill/>
+        </p:spPr>
+        <p:txBody>
+          <a:bodyPr wrap="square">
+            <a:spAutoFit/>
+          </a:bodyPr>
+          <a:lstStyle/>
+          <a:p>
+            <a:r>
+              <a:rPr lang="en-CA" b="1" u="sng" dirty="0">
+                <a:solidFill>
+                  <a:srgbClr val="FF0000"/>
+                </a:solidFill>
+                <a:latin typeface="Century Schoolbook" panose="02040604050505020304" pitchFamily="18" charset="0"/>
+                <a:cs typeface="Calibri" panose="020F0502020204030204" pitchFamily="34" charset="0"/>
+              </a:rPr>
+              <a:t>1. Number of houses sold:</a:t>
+            </a:r>
+          </a:p>
+          <a:p>
+            <a:pPr marL="285750" indent="-285750">
+              <a:buFont typeface="Wingdings" panose="05000000000000000000" pitchFamily="2" charset="2"/>
+              <a:buChar char="§"/>
+            </a:pPr>
+            <a:r>
+              <a:rPr lang="en-CA" i="1" dirty="0">
+                <a:latin typeface="Century Schoolbook" panose="02040604050505020304" pitchFamily="18" charset="0"/>
+                <a:cs typeface="Calibri" panose="020F0502020204030204" pitchFamily="34" charset="0"/>
+              </a:rPr>
+              <a:t>Visual inspection</a:t>
+            </a:r>
+            <a:r>
+              <a:rPr lang="en-CA" dirty="0">
+                <a:latin typeface="Century Schoolbook" panose="02040604050505020304" pitchFamily="18" charset="0"/>
+                <a:cs typeface="Calibri" panose="020F0502020204030204" pitchFamily="34" charset="0"/>
+              </a:rPr>
+              <a:t>: The monthly number of houses sold in Ontario in 2019 and 2020 are very similar.</a:t>
+            </a:r>
+          </a:p>
+          <a:p>
+            <a:pPr marL="285750" indent="-285750">
+              <a:buFont typeface="Wingdings" panose="05000000000000000000" pitchFamily="2" charset="2"/>
+              <a:buChar char="§"/>
+            </a:pPr>
+            <a:r>
+              <a:rPr lang="en-CA" i="1" dirty="0">
+                <a:latin typeface="Century Schoolbook" panose="02040604050505020304" pitchFamily="18" charset="0"/>
+                <a:cs typeface="Calibri" panose="020F0502020204030204" pitchFamily="34" charset="0"/>
+              </a:rPr>
+              <a:t>Regression analysis:</a:t>
+            </a:r>
+            <a:r>
+              <a:rPr lang="en-CA" dirty="0">
+                <a:latin typeface="Century Schoolbook" panose="02040604050505020304" pitchFamily="18" charset="0"/>
+                <a:cs typeface="Calibri" panose="020F0502020204030204" pitchFamily="34" charset="0"/>
+              </a:rPr>
+              <a:t> With a correlation coefficient of 0.34, there is a weak correlation between the monthly changes in Covid-19 cases and the monthly number of houses sold.</a:t>
+            </a:r>
+          </a:p>
+        </p:txBody>
+      </p:sp>
+      <p:sp>
+        <p:nvSpPr>
+          <p:cNvPr id="19" name="TextBox 18">
+            <a:extLst>
+              <a:ext uri="{FF2B5EF4-FFF2-40B4-BE49-F238E27FC236}">
+                <a16:creationId xmlns:a16="http://schemas.microsoft.com/office/drawing/2014/main" id="{38DAA0B5-D1A5-4E64-B0EB-DA6F16D1A33B}"/>
+              </a:ext>
+            </a:extLst>
+          </p:cNvPr>
+          <p:cNvSpPr txBox="1"/>
+          <p:nvPr/>
+        </p:nvSpPr>
+        <p:spPr>
+          <a:xfrm>
+            <a:off x="699794" y="2985622"/>
+            <a:ext cx="10933381" cy="1477328"/>
+          </a:xfrm>
+          <a:prstGeom prst="rect">
+            <a:avLst/>
+          </a:prstGeom>
+          <a:noFill/>
+        </p:spPr>
+        <p:txBody>
+          <a:bodyPr wrap="square">
+            <a:spAutoFit/>
+          </a:bodyPr>
+          <a:lstStyle/>
+          <a:p>
+            <a:r>
+              <a:rPr lang="en-CA" b="1" u="sng" dirty="0">
+                <a:solidFill>
+                  <a:srgbClr val="FF0000"/>
+                </a:solidFill>
+                <a:latin typeface="Century Schoolbook" panose="02040604050505020304" pitchFamily="18" charset="0"/>
+                <a:cs typeface="Calibri" panose="020F0502020204030204" pitchFamily="34" charset="0"/>
+              </a:rPr>
+              <a:t>2. Average price of houses: </a:t>
+            </a:r>
+          </a:p>
+          <a:p>
+            <a:pPr marL="285750" indent="-285750">
+              <a:buFont typeface="Wingdings" panose="05000000000000000000" pitchFamily="2" charset="2"/>
+              <a:buChar char="§"/>
+            </a:pPr>
+            <a:r>
+              <a:rPr lang="en-CA" i="1" dirty="0">
+                <a:latin typeface="Century Schoolbook" panose="02040604050505020304" pitchFamily="18" charset="0"/>
+                <a:cs typeface="Calibri" panose="020F0502020204030204" pitchFamily="34" charset="0"/>
+              </a:rPr>
+              <a:t>Visual inspection:</a:t>
+            </a:r>
+            <a:r>
+              <a:rPr lang="en-CA" dirty="0">
+                <a:latin typeface="Century Schoolbook" panose="02040604050505020304" pitchFamily="18" charset="0"/>
+                <a:cs typeface="Calibri" panose="020F0502020204030204" pitchFamily="34" charset="0"/>
+              </a:rPr>
+              <a:t> There are fluctuations in the average price of houses. The lowest point of this value in 2020 was in July. There is no clear trend visible. </a:t>
+            </a:r>
+          </a:p>
+          <a:p>
+            <a:pPr marL="285750" indent="-285750">
+              <a:buFont typeface="Wingdings" panose="05000000000000000000" pitchFamily="2" charset="2"/>
+              <a:buChar char="§"/>
+            </a:pPr>
+            <a:r>
+              <a:rPr lang="en-CA" i="1" dirty="0">
+                <a:latin typeface="Century Schoolbook" panose="02040604050505020304" pitchFamily="18" charset="0"/>
+                <a:cs typeface="Calibri" panose="020F0502020204030204" pitchFamily="34" charset="0"/>
+              </a:rPr>
+              <a:t>Regression analysis:</a:t>
+            </a:r>
+            <a:r>
+              <a:rPr lang="en-CA" dirty="0">
+                <a:latin typeface="Century Schoolbook" panose="02040604050505020304" pitchFamily="18" charset="0"/>
+                <a:cs typeface="Calibri" panose="020F0502020204030204" pitchFamily="34" charset="0"/>
+              </a:rPr>
+              <a:t> With a correlation coefficient of 0.1, there is a weak correlation between the monthly changes in Covid-19 cases and the monthly average price of house in Ontario.</a:t>
+            </a:r>
+            <a:endParaRPr lang="en-CA" i="1" dirty="0">
+              <a:latin typeface="Century Schoolbook" panose="02040604050505020304" pitchFamily="18" charset="0"/>
+              <a:cs typeface="Calibri" panose="020F0502020204030204" pitchFamily="34" charset="0"/>
+            </a:endParaRPr>
+          </a:p>
+        </p:txBody>
+      </p:sp>
+      <p:sp>
+        <p:nvSpPr>
+          <p:cNvPr id="20" name="TextBox 19">
+            <a:extLst>
+              <a:ext uri="{FF2B5EF4-FFF2-40B4-BE49-F238E27FC236}">
+                <a16:creationId xmlns:a16="http://schemas.microsoft.com/office/drawing/2014/main" id="{309E644A-E1C2-4D88-B952-101C6FA36F47}"/>
+              </a:ext>
+            </a:extLst>
+          </p:cNvPr>
+          <p:cNvSpPr txBox="1"/>
+          <p:nvPr/>
+        </p:nvSpPr>
+        <p:spPr>
+          <a:xfrm>
+            <a:off x="699794" y="4665902"/>
+            <a:ext cx="10933381" cy="1477328"/>
+          </a:xfrm>
+          <a:prstGeom prst="rect">
+            <a:avLst/>
+          </a:prstGeom>
+          <a:noFill/>
+        </p:spPr>
+        <p:txBody>
+          <a:bodyPr wrap="square">
+            <a:spAutoFit/>
+          </a:bodyPr>
+          <a:lstStyle/>
+          <a:p>
+            <a:r>
+              <a:rPr lang="en-CA" b="1" u="sng" dirty="0">
+                <a:solidFill>
+                  <a:srgbClr val="00B050"/>
+                </a:solidFill>
+                <a:latin typeface="Century Schoolbook" panose="02040604050505020304" pitchFamily="18" charset="0"/>
+                <a:cs typeface="Calibri" panose="020F0502020204030204" pitchFamily="34" charset="0"/>
+              </a:rPr>
+              <a:t>3. Mortgage rate: </a:t>
+            </a:r>
+          </a:p>
+          <a:p>
+            <a:pPr marL="285750" indent="-285750">
+              <a:buFont typeface="Wingdings" panose="05000000000000000000" pitchFamily="2" charset="2"/>
+              <a:buChar char="§"/>
+            </a:pPr>
+            <a:r>
+              <a:rPr lang="en-CA" i="1" dirty="0">
+                <a:latin typeface="Century Schoolbook" panose="02040604050505020304" pitchFamily="18" charset="0"/>
+                <a:cs typeface="Calibri" panose="020F0502020204030204" pitchFamily="34" charset="0"/>
+              </a:rPr>
+              <a:t>Visual inspection:</a:t>
+            </a:r>
+            <a:r>
+              <a:rPr lang="en-CA" dirty="0">
+                <a:latin typeface="Century Schoolbook" panose="02040604050505020304" pitchFamily="18" charset="0"/>
+                <a:cs typeface="Calibri" panose="020F0502020204030204" pitchFamily="34" charset="0"/>
+              </a:rPr>
+              <a:t> The mortgage rate is lower in 2020 than in 2019. This may be a response from banks to the impact of Covid-19.</a:t>
+            </a:r>
+          </a:p>
+          <a:p>
+            <a:pPr marL="285750" indent="-285750">
+              <a:buFont typeface="Wingdings" panose="05000000000000000000" pitchFamily="2" charset="2"/>
+              <a:buChar char="§"/>
+            </a:pPr>
+            <a:r>
+              <a:rPr lang="en-CA" i="1" dirty="0">
+                <a:latin typeface="Century Schoolbook" panose="02040604050505020304" pitchFamily="18" charset="0"/>
+                <a:cs typeface="Calibri" panose="020F0502020204030204" pitchFamily="34" charset="0"/>
+              </a:rPr>
+              <a:t>Regression analysis:</a:t>
+            </a:r>
+            <a:r>
+              <a:rPr lang="en-CA" dirty="0">
+                <a:latin typeface="Century Schoolbook" panose="02040604050505020304" pitchFamily="18" charset="0"/>
+                <a:cs typeface="Calibri" panose="020F0502020204030204" pitchFamily="34" charset="0"/>
+              </a:rPr>
+              <a:t> With a correlation coefficient of -.92, there is a strong correlation between the cumulative increase of Covid-19 cases and the downward trend of the mortgage rate</a:t>
+            </a:r>
+            <a:endParaRPr lang="en-CA" i="1" dirty="0">
+              <a:latin typeface="Century Schoolbook" panose="02040604050505020304" pitchFamily="18" charset="0"/>
+              <a:cs typeface="Calibri" panose="020F0502020204030204" pitchFamily="34" charset="0"/>
+            </a:endParaRPr>
+          </a:p>
+        </p:txBody>
+      </p:sp>
     </p:spTree>
     <p:extLst>
       <p:ext uri="{BB962C8B-B14F-4D97-AF65-F5344CB8AC3E}">
-        <p14:creationId xmlns:p14="http://schemas.microsoft.com/office/powerpoint/2010/main" val="2160863434"/>
+        <p14:creationId xmlns:p14="http://schemas.microsoft.com/office/powerpoint/2010/main" val="2215545134"/>
       </p:ext>
     </p:extLst>
   </p:cSld>
@@ -6310,6 +5968,176 @@
       </p:transition>
     </mc:Fallback>
   </mc:AlternateContent>
+  <p:timing>
+    <p:tnLst>
+      <p:par>
+        <p:cTn id="1" dur="indefinite" restart="never" nodeType="tmRoot">
+          <p:childTnLst>
+            <p:seq concurrent="1" nextAc="seek">
+              <p:cTn id="2" dur="indefinite" nodeType="mainSeq">
+                <p:childTnLst>
+                  <p:par>
+                    <p:cTn id="3" fill="hold">
+                      <p:stCondLst>
+                        <p:cond delay="indefinite"/>
+                      </p:stCondLst>
+                      <p:childTnLst>
+                        <p:par>
+                          <p:cTn id="4" fill="hold">
+                            <p:stCondLst>
+                              <p:cond delay="0"/>
+                            </p:stCondLst>
+                            <p:childTnLst>
+                              <p:par>
+                                <p:cTn id="5" presetID="1" presetClass="entr" presetSubtype="0" fill="hold" grpId="0" nodeType="clickEffect">
+                                  <p:stCondLst>
+                                    <p:cond delay="0"/>
+                                  </p:stCondLst>
+                                  <p:childTnLst>
+                                    <p:set>
+                                      <p:cBhvr>
+                                        <p:cTn id="6" dur="1" fill="hold">
+                                          <p:stCondLst>
+                                            <p:cond delay="0"/>
+                                          </p:stCondLst>
+                                        </p:cTn>
+                                        <p:tgtEl>
+                                          <p:spTgt spid="16"/>
+                                        </p:tgtEl>
+                                        <p:attrNameLst>
+                                          <p:attrName>style.visibility</p:attrName>
+                                        </p:attrNameLst>
+                                      </p:cBhvr>
+                                      <p:to>
+                                        <p:strVal val="visible"/>
+                                      </p:to>
+                                    </p:set>
+                                  </p:childTnLst>
+                                </p:cTn>
+                              </p:par>
+                            </p:childTnLst>
+                          </p:cTn>
+                        </p:par>
+                      </p:childTnLst>
+                    </p:cTn>
+                  </p:par>
+                  <p:par>
+                    <p:cTn id="7" fill="hold">
+                      <p:stCondLst>
+                        <p:cond delay="indefinite"/>
+                      </p:stCondLst>
+                      <p:childTnLst>
+                        <p:par>
+                          <p:cTn id="8" fill="hold">
+                            <p:stCondLst>
+                              <p:cond delay="0"/>
+                            </p:stCondLst>
+                            <p:childTnLst>
+                              <p:par>
+                                <p:cTn id="9" presetID="1" presetClass="entr" presetSubtype="0" fill="hold" grpId="0" nodeType="clickEffect">
+                                  <p:stCondLst>
+                                    <p:cond delay="0"/>
+                                  </p:stCondLst>
+                                  <p:childTnLst>
+                                    <p:set>
+                                      <p:cBhvr>
+                                        <p:cTn id="10" dur="1" fill="hold">
+                                          <p:stCondLst>
+                                            <p:cond delay="0"/>
+                                          </p:stCondLst>
+                                        </p:cTn>
+                                        <p:tgtEl>
+                                          <p:spTgt spid="19"/>
+                                        </p:tgtEl>
+                                        <p:attrNameLst>
+                                          <p:attrName>style.visibility</p:attrName>
+                                        </p:attrNameLst>
+                                      </p:cBhvr>
+                                      <p:to>
+                                        <p:strVal val="visible"/>
+                                      </p:to>
+                                    </p:set>
+                                  </p:childTnLst>
+                                </p:cTn>
+                              </p:par>
+                            </p:childTnLst>
+                          </p:cTn>
+                        </p:par>
+                      </p:childTnLst>
+                    </p:cTn>
+                  </p:par>
+                  <p:par>
+                    <p:cTn id="11" fill="hold">
+                      <p:stCondLst>
+                        <p:cond delay="indefinite"/>
+                      </p:stCondLst>
+                      <p:childTnLst>
+                        <p:par>
+                          <p:cTn id="12" fill="hold">
+                            <p:stCondLst>
+                              <p:cond delay="0"/>
+                            </p:stCondLst>
+                            <p:childTnLst>
+                              <p:par>
+                                <p:cTn id="13" presetID="1" presetClass="entr" presetSubtype="0" fill="hold" grpId="0" nodeType="clickEffect">
+                                  <p:stCondLst>
+                                    <p:cond delay="0"/>
+                                  </p:stCondLst>
+                                  <p:childTnLst>
+                                    <p:set>
+                                      <p:cBhvr>
+                                        <p:cTn id="14" dur="1" fill="hold">
+                                          <p:stCondLst>
+                                            <p:cond delay="0"/>
+                                          </p:stCondLst>
+                                        </p:cTn>
+                                        <p:tgtEl>
+                                          <p:spTgt spid="20"/>
+                                        </p:tgtEl>
+                                        <p:attrNameLst>
+                                          <p:attrName>style.visibility</p:attrName>
+                                        </p:attrNameLst>
+                                      </p:cBhvr>
+                                      <p:to>
+                                        <p:strVal val="visible"/>
+                                      </p:to>
+                                    </p:set>
+                                  </p:childTnLst>
+                                </p:cTn>
+                              </p:par>
+                            </p:childTnLst>
+                          </p:cTn>
+                        </p:par>
+                      </p:childTnLst>
+                    </p:cTn>
+                  </p:par>
+                </p:childTnLst>
+              </p:cTn>
+              <p:prevCondLst>
+                <p:cond evt="onPrev" delay="0">
+                  <p:tgtEl>
+                    <p:sldTgt/>
+                  </p:tgtEl>
+                </p:cond>
+              </p:prevCondLst>
+              <p:nextCondLst>
+                <p:cond evt="onNext" delay="0">
+                  <p:tgtEl>
+                    <p:sldTgt/>
+                  </p:tgtEl>
+                </p:cond>
+              </p:nextCondLst>
+            </p:seq>
+          </p:childTnLst>
+        </p:cTn>
+      </p:par>
+    </p:tnLst>
+    <p:bldLst>
+      <p:bldP spid="16" grpId="0"/>
+      <p:bldP spid="19" grpId="0"/>
+      <p:bldP spid="20" grpId="0"/>
+    </p:bldLst>
+  </p:timing>
 </p:sld>
 </file>
 
@@ -6332,10 +6160,10 @@
       </p:grpSpPr>
       <p:sp>
         <p:nvSpPr>
-          <p:cNvPr id="6" name="Subtitle 2">
-            <a:extLst>
-              <a:ext uri="{FF2B5EF4-FFF2-40B4-BE49-F238E27FC236}">
-                <a16:creationId xmlns:a16="http://schemas.microsoft.com/office/drawing/2014/main" id="{AB8C65B5-8163-4E17-BC2A-195AC06AD212}"/>
+          <p:cNvPr id="4" name="Title 1">
+            <a:extLst>
+              <a:ext uri="{FF2B5EF4-FFF2-40B4-BE49-F238E27FC236}">
+                <a16:creationId xmlns:a16="http://schemas.microsoft.com/office/drawing/2014/main" id="{50DF5C7B-714C-44DC-B49A-F16BE5E80C8B}"/>
               </a:ext>
             </a:extLst>
           </p:cNvPr>
@@ -6346,16 +6174,85 @@
         </p:nvSpPr>
         <p:spPr>
           <a:xfrm>
-            <a:off x="0" y="72039"/>
-            <a:ext cx="5438874" cy="1193447"/>
+            <a:off x="424920" y="330535"/>
+            <a:ext cx="5535205" cy="935510"/>
           </a:xfrm>
           <a:prstGeom prst="rect">
             <a:avLst/>
           </a:prstGeom>
         </p:spPr>
         <p:txBody>
+          <a:bodyPr vert="horz" lIns="91440" tIns="45720" rIns="91440" bIns="45720" rtlCol="0" anchor="b">
+            <a:normAutofit/>
+          </a:bodyPr>
+          <a:lstStyle>
+            <a:lvl1pPr algn="ctr" defTabSz="914400" rtl="0" eaLnBrk="1" latinLnBrk="0" hangingPunct="1">
+              <a:lnSpc>
+                <a:spcPct val="90000"/>
+              </a:lnSpc>
+              <a:spcBef>
+                <a:spcPct val="0"/>
+              </a:spcBef>
+              <a:buNone/>
+              <a:defRPr sz="6000" kern="1200">
+                <a:solidFill>
+                  <a:schemeClr val="tx1"/>
+                </a:solidFill>
+                <a:latin typeface="+mj-lt"/>
+                <a:ea typeface="+mj-ea"/>
+                <a:cs typeface="+mj-cs"/>
+              </a:defRPr>
+            </a:lvl1pPr>
+          </a:lstStyle>
+          <a:p>
+            <a:pPr algn="l">
+              <a:spcBef>
+                <a:spcPts val="600"/>
+              </a:spcBef>
+              <a:spcAft>
+                <a:spcPts val="600"/>
+              </a:spcAft>
+            </a:pPr>
+            <a:r>
+              <a:rPr lang="en-US" sz="3400" dirty="0">
+                <a:solidFill>
+                  <a:schemeClr val="accent5">
+                    <a:lumMod val="75000"/>
+                  </a:schemeClr>
+                </a:solidFill>
+                <a:latin typeface="Century Schoolbook" panose="02040604050505020304" pitchFamily="18" charset="0"/>
+              </a:rPr>
+              <a:t>Post Mortem</a:t>
+            </a:r>
+          </a:p>
+        </p:txBody>
+      </p:sp>
+      <p:sp>
+        <p:nvSpPr>
+          <p:cNvPr id="6" name="Subtitle 2">
+            <a:extLst>
+              <a:ext uri="{FF2B5EF4-FFF2-40B4-BE49-F238E27FC236}">
+                <a16:creationId xmlns:a16="http://schemas.microsoft.com/office/drawing/2014/main" id="{AB8C65B5-8163-4E17-BC2A-195AC06AD212}"/>
+              </a:ext>
+            </a:extLst>
+          </p:cNvPr>
+          <p:cNvSpPr txBox="1">
+            <a:spLocks/>
+          </p:cNvSpPr>
+          <p:nvPr/>
+        </p:nvSpPr>
+        <p:spPr>
+          <a:xfrm>
+            <a:off x="796673" y="1604837"/>
+            <a:ext cx="8942238" cy="4271642"/>
+          </a:xfrm>
+          <a:prstGeom prst="rect">
+            <a:avLst/>
+          </a:prstGeom>
+        </p:spPr>
+        <p:txBody>
           <a:bodyPr vert="horz" lIns="91440" tIns="45720" rIns="91440" bIns="45720" rtlCol="0">
-            <a:normAutofit fontScale="92500"/>
+            <a:normAutofit/>
           </a:bodyPr>
           <a:lstStyle>
             <a:lvl1pPr marL="0" indent="0" algn="ctr" defTabSz="914400" rtl="0" eaLnBrk="1" latinLnBrk="0" hangingPunct="1">
@@ -6522,6 +6419,22 @@
             </a:lvl9pPr>
           </a:lstStyle>
           <a:p>
+            <a:pPr marL="285750" indent="-285750" algn="l">
+              <a:lnSpc>
+                <a:spcPct val="120000"/>
+              </a:lnSpc>
+              <a:buFont typeface="Wingdings" panose="05000000000000000000" pitchFamily="2" charset="2"/>
+              <a:buChar char="ü"/>
+            </a:pPr>
+            <a:r>
+              <a:rPr lang="en-CA" sz="1800" b="1" dirty="0">
+                <a:latin typeface="Century Schoolbook" panose="02040604050505020304" pitchFamily="18" charset="0"/>
+                <a:cs typeface="Calibri" panose="020F0502020204030204" pitchFamily="34" charset="0"/>
+              </a:rPr>
+              <a:t>Difficulties that arose, and how we dealt with them: </a:t>
+            </a:r>
+          </a:p>
+          <a:p>
             <a:pPr marL="742950" lvl="1" indent="-285750" algn="l">
               <a:lnSpc>
                 <a:spcPct val="120000"/>
@@ -6529,54 +6442,182 @@
               <a:buFont typeface="Wingdings" panose="05000000000000000000" pitchFamily="2" charset="2"/>
               <a:buChar char="§"/>
             </a:pPr>
-            <a:endParaRPr lang="en-CA" sz="1800" b="1" dirty="0">
-              <a:solidFill>
-                <a:schemeClr val="accent2">
-                  <a:lumMod val="75000"/>
-                </a:schemeClr>
-              </a:solidFill>
-              <a:latin typeface="Century Schoolbook" panose="02040604050505020304" pitchFamily="18" charset="0"/>
-              <a:ea typeface="Calibri" panose="020F0502020204030204" pitchFamily="34" charset="0"/>
-              <a:cs typeface="Calibri" panose="020F0502020204030204" pitchFamily="34" charset="0"/>
-            </a:endParaRPr>
-          </a:p>
-          <a:p>
-            <a:pPr lvl="1" algn="l">
+            <a:r>
+              <a:rPr lang="en-CA" sz="1600" dirty="0">
+                <a:effectLst/>
+                <a:latin typeface="Century Schoolbook" panose="02040604050505020304" pitchFamily="18" charset="0"/>
+                <a:ea typeface="Calibri" panose="020F0502020204030204" pitchFamily="34" charset="0"/>
+                <a:cs typeface="Calibri" panose="020F0502020204030204" pitchFamily="34" charset="0"/>
+              </a:rPr>
+              <a:t>………</a:t>
+            </a:r>
+          </a:p>
+          <a:p>
+            <a:pPr marL="742950" lvl="1" indent="-285750" algn="l">
               <a:lnSpc>
                 <a:spcPct val="120000"/>
               </a:lnSpc>
+              <a:buFont typeface="Wingdings" panose="05000000000000000000" pitchFamily="2" charset="2"/>
+              <a:buChar char="§"/>
             </a:pPr>
             <a:r>
-              <a:rPr lang="en-CA" sz="3400" b="1" dirty="0">
-                <a:solidFill>
-                  <a:schemeClr val="accent2">
-                    <a:lumMod val="75000"/>
-                  </a:schemeClr>
-                </a:solidFill>
+              <a:rPr lang="en-CA" sz="1600" dirty="0">
+                <a:effectLst/>
                 <a:latin typeface="Century Schoolbook" panose="02040604050505020304" pitchFamily="18" charset="0"/>
-                <a:ea typeface="+mj-ea"/>
-                <a:cs typeface="+mj-cs"/>
+                <a:ea typeface="Calibri" panose="020F0502020204030204" pitchFamily="34" charset="0"/>
+                <a:cs typeface="Calibri" panose="020F0502020204030204" pitchFamily="34" charset="0"/>
               </a:rPr>
-              <a:t>Q&amp;A with the audience</a:t>
-            </a:r>
+              <a:t>……….</a:t>
+            </a:r>
+            <a:endParaRPr lang="en-CA" sz="1400" dirty="0">
+              <a:effectLst/>
+              <a:latin typeface="Century Schoolbook" panose="02040604050505020304" pitchFamily="18" charset="0"/>
+              <a:ea typeface="Calibri" panose="020F0502020204030204" pitchFamily="34" charset="0"/>
+              <a:cs typeface="Times New Roman" panose="02020603050405020304" pitchFamily="18" charset="0"/>
+            </a:endParaRPr>
+          </a:p>
+          <a:p>
+            <a:pPr lvl="0" algn="l"/>
+            <a:endParaRPr lang="en-CA" sz="1800" dirty="0">
+              <a:latin typeface="Century Schoolbook" panose="02040604050505020304" pitchFamily="18" charset="0"/>
+              <a:cs typeface="Calibri" panose="020F0502020204030204" pitchFamily="34" charset="0"/>
+            </a:endParaRPr>
+          </a:p>
+          <a:p>
+            <a:pPr lvl="0" algn="l"/>
+            <a:endParaRPr lang="en-CA" sz="1800" dirty="0">
+              <a:latin typeface="Century Schoolbook" panose="02040604050505020304" pitchFamily="18" charset="0"/>
+              <a:cs typeface="Calibri" panose="020F0502020204030204" pitchFamily="34" charset="0"/>
+            </a:endParaRPr>
           </a:p>
           <a:p>
             <a:pPr marL="285750" lvl="0" indent="-285750" algn="l">
               <a:buFont typeface="Wingdings" panose="05000000000000000000" pitchFamily="2" charset="2"/>
               <a:buChar char="ü"/>
             </a:pPr>
-            <a:endParaRPr lang="en-CA" sz="1800" b="1" dirty="0">
-              <a:solidFill>
-                <a:schemeClr val="accent2">
-                  <a:lumMod val="75000"/>
-                </a:schemeClr>
-              </a:solidFill>
+            <a:r>
+              <a:rPr lang="en-CA" sz="1800" b="1" dirty="0">
+                <a:latin typeface="Century Schoolbook" panose="02040604050505020304" pitchFamily="18" charset="0"/>
+                <a:cs typeface="Calibri" panose="020F0502020204030204" pitchFamily="34" charset="0"/>
+              </a:rPr>
+              <a:t>Additional questions </a:t>
+            </a:r>
+            <a:r>
+              <a:rPr lang="en-CA" sz="1800" b="1" i="0" dirty="0">
+                <a:solidFill>
+                  <a:srgbClr val="4D5156"/>
+                </a:solidFill>
+                <a:effectLst/>
+                <a:latin typeface="Century Schoolbook" panose="02040604050505020304" pitchFamily="18" charset="0"/>
+              </a:rPr>
+              <a:t>| </a:t>
+            </a:r>
+            <a:r>
+              <a:rPr lang="en-CA" sz="1800" b="1" dirty="0">
+                <a:latin typeface="Century Schoolbook" panose="02040604050505020304" pitchFamily="18" charset="0"/>
+                <a:cs typeface="Calibri" panose="020F0502020204030204" pitchFamily="34" charset="0"/>
+              </a:rPr>
+              <a:t>What would we research next?</a:t>
+            </a:r>
+          </a:p>
+          <a:p>
+            <a:pPr marL="742950" lvl="1" indent="-285750" algn="l">
+              <a:lnSpc>
+                <a:spcPct val="120000"/>
+              </a:lnSpc>
+              <a:buFont typeface="Wingdings" panose="05000000000000000000" pitchFamily="2" charset="2"/>
+              <a:buChar char="§"/>
+            </a:pPr>
+            <a:r>
+              <a:rPr lang="en-CA" sz="1800" dirty="0">
+                <a:effectLst/>
+                <a:latin typeface="Century Schoolbook" panose="02040604050505020304" pitchFamily="18" charset="0"/>
+                <a:ea typeface="Calibri" panose="020F0502020204030204" pitchFamily="34" charset="0"/>
+                <a:cs typeface="Calibri" panose="020F0502020204030204" pitchFamily="34" charset="0"/>
+              </a:rPr>
+              <a:t>………</a:t>
+            </a:r>
+          </a:p>
+          <a:p>
+            <a:pPr marL="742950" lvl="1" indent="-285750" algn="l">
+              <a:lnSpc>
+                <a:spcPct val="120000"/>
+              </a:lnSpc>
+              <a:buFont typeface="Wingdings" panose="05000000000000000000" pitchFamily="2" charset="2"/>
+              <a:buChar char="§"/>
+            </a:pPr>
+            <a:r>
+              <a:rPr lang="en-CA" sz="1800" dirty="0">
+                <a:effectLst/>
+                <a:latin typeface="Century Schoolbook" panose="02040604050505020304" pitchFamily="18" charset="0"/>
+                <a:ea typeface="Calibri" panose="020F0502020204030204" pitchFamily="34" charset="0"/>
+                <a:cs typeface="Calibri" panose="020F0502020204030204" pitchFamily="34" charset="0"/>
+              </a:rPr>
+              <a:t>……….</a:t>
+            </a:r>
+            <a:endParaRPr lang="en-CA" sz="1600" dirty="0">
+              <a:effectLst/>
+              <a:latin typeface="Century Schoolbook" panose="02040604050505020304" pitchFamily="18" charset="0"/>
+              <a:ea typeface="Calibri" panose="020F0502020204030204" pitchFamily="34" charset="0"/>
+              <a:cs typeface="Times New Roman" panose="02020603050405020304" pitchFamily="18" charset="0"/>
+            </a:endParaRPr>
+          </a:p>
+          <a:p>
+            <a:pPr marL="285750" lvl="0" indent="-285750" algn="l">
+              <a:buFont typeface="Wingdings" panose="05000000000000000000" pitchFamily="2" charset="2"/>
+              <a:buChar char="ü"/>
+            </a:pPr>
+            <a:endParaRPr lang="en-CA" sz="1800" dirty="0">
               <a:latin typeface="Century Schoolbook" panose="02040604050505020304" pitchFamily="18" charset="0"/>
               <a:cs typeface="Calibri" panose="020F0502020204030204" pitchFamily="34" charset="0"/>
             </a:endParaRPr>
           </a:p>
         </p:txBody>
       </p:sp>
+      <p:pic>
+        <p:nvPicPr>
+          <p:cNvPr id="8" name="Picture 7" descr="A picture containing diagram&#10;&#10;Description automatically generated">
+            <a:extLst>
+              <a:ext uri="{FF2B5EF4-FFF2-40B4-BE49-F238E27FC236}">
+                <a16:creationId xmlns:a16="http://schemas.microsoft.com/office/drawing/2014/main" id="{7314AAE1-4A8B-4769-9B85-F4F77C3FA243}"/>
+              </a:ext>
+            </a:extLst>
+          </p:cNvPr>
+          <p:cNvPicPr>
+            <a:picLocks noChangeAspect="1"/>
+          </p:cNvPicPr>
+          <p:nvPr/>
+        </p:nvPicPr>
+        <p:blipFill rotWithShape="1">
+          <a:blip r:embed="rId2">
+            <a:extLst>
+              <a:ext uri="{BEBA8EAE-BF5A-486C-A8C5-ECC9F3942E4B}">
+                <a14:imgProps xmlns:a14="http://schemas.microsoft.com/office/drawing/2010/main">
+                  <a14:imgLayer r:embed="rId3">
+                    <a14:imgEffect>
+                      <a14:colorTemperature colorTemp="4700"/>
+                    </a14:imgEffect>
+                  </a14:imgLayer>
+                </a14:imgProps>
+              </a:ext>
+              <a:ext uri="{28A0092B-C50C-407E-A947-70E740481C1C}">
+                <a14:useLocalDpi xmlns:a14="http://schemas.microsoft.com/office/drawing/2010/main" val="0"/>
+              </a:ext>
+            </a:extLst>
+          </a:blip>
+          <a:srcRect l="4257" t="23094" r="65929" b="35362"/>
+          <a:stretch/>
+        </p:blipFill>
+        <p:spPr>
+          <a:xfrm>
+            <a:off x="10176498" y="0"/>
+            <a:ext cx="2015502" cy="1604836"/>
+          </a:xfrm>
+          <a:prstGeom prst="rect">
+            <a:avLst/>
+          </a:prstGeom>
+        </p:spPr>
+      </p:pic>
       <p:sp>
         <p:nvSpPr>
           <p:cNvPr id="10" name="Rectangle 9">
@@ -6650,49 +6691,10 @@
           </a:p>
         </p:txBody>
       </p:sp>
-      <p:pic>
-        <p:nvPicPr>
-          <p:cNvPr id="7" name="Picture 6" descr="A close up of a logo&#10;&#10;Description automatically generated">
-            <a:extLst>
-              <a:ext uri="{FF2B5EF4-FFF2-40B4-BE49-F238E27FC236}">
-                <a16:creationId xmlns:a16="http://schemas.microsoft.com/office/drawing/2014/main" id="{FD833693-95BB-4365-BD8B-C06743E826FA}"/>
-              </a:ext>
-            </a:extLst>
-          </p:cNvPr>
-          <p:cNvPicPr>
-            <a:picLocks noChangeAspect="1"/>
-          </p:cNvPicPr>
-          <p:nvPr/>
-        </p:nvPicPr>
-        <p:blipFill>
-          <a:blip r:embed="rId2">
-            <a:extLst>
-              <a:ext uri="{28A0092B-C50C-407E-A947-70E740481C1C}">
-                <a14:useLocalDpi xmlns:a14="http://schemas.microsoft.com/office/drawing/2010/main" val="0"/>
-              </a:ext>
-              <a:ext uri="{837473B0-CC2E-450A-ABE3-18F120FF3D39}">
-                <a1611:picAttrSrcUrl xmlns:a1611="http://schemas.microsoft.com/office/drawing/2016/11/main" r:id="rId3"/>
-              </a:ext>
-            </a:extLst>
-          </a:blip>
-          <a:stretch>
-            <a:fillRect/>
-          </a:stretch>
-        </p:blipFill>
-        <p:spPr>
-          <a:xfrm>
-            <a:off x="2792775" y="1188394"/>
-            <a:ext cx="6606449" cy="4954837"/>
-          </a:xfrm>
-          <a:prstGeom prst="rect">
-            <a:avLst/>
-          </a:prstGeom>
-        </p:spPr>
-      </p:pic>
     </p:spTree>
     <p:extLst>
       <p:ext uri="{BB962C8B-B14F-4D97-AF65-F5344CB8AC3E}">
-        <p14:creationId xmlns:p14="http://schemas.microsoft.com/office/powerpoint/2010/main" val="3972983593"/>
+        <p14:creationId xmlns:p14="http://schemas.microsoft.com/office/powerpoint/2010/main" val="2160863434"/>
       </p:ext>
     </p:extLst>
   </p:cSld>
@@ -7470,7 +7472,7 @@
         <p:spPr>
           <a:xfrm>
             <a:off x="796673" y="1604837"/>
-            <a:ext cx="8942238" cy="4271642"/>
+            <a:ext cx="8942238" cy="1824163"/>
           </a:xfrm>
           <a:prstGeom prst="rect">
             <a:avLst/>
@@ -7702,126 +7704,6 @@
               </a:rPr>
               <a:t>We believe that indicators related to the real estate market will have a lower performance in 2020 than in 2019. (e.g. less houses sold in 2020 than in 2019)</a:t>
             </a:r>
-            <a:endParaRPr lang="en-CA" dirty="0">
-              <a:latin typeface="Century Schoolbook" panose="02040604050505020304" pitchFamily="18" charset="0"/>
-              <a:cs typeface="Calibri" panose="020F0502020204030204" pitchFamily="34" charset="0"/>
-            </a:endParaRPr>
-          </a:p>
-          <a:p>
-            <a:pPr lvl="1" algn="l">
-              <a:lnSpc>
-                <a:spcPct val="120000"/>
-              </a:lnSpc>
-            </a:pPr>
-            <a:endParaRPr lang="en-CA" sz="1400" dirty="0">
-              <a:effectLst/>
-              <a:latin typeface="Century Schoolbook" panose="02040604050505020304" pitchFamily="18" charset="0"/>
-              <a:ea typeface="Calibri" panose="020F0502020204030204" pitchFamily="34" charset="0"/>
-              <a:cs typeface="Times New Roman" panose="02020603050405020304" pitchFamily="18" charset="0"/>
-            </a:endParaRPr>
-          </a:p>
-          <a:p>
-            <a:pPr marL="285750" lvl="0" indent="-285750" algn="l">
-              <a:buFont typeface="Wingdings" panose="05000000000000000000" pitchFamily="2" charset="2"/>
-              <a:buChar char="ü"/>
-            </a:pPr>
-            <a:r>
-              <a:rPr lang="en-CA" sz="1800" b="1" dirty="0">
-                <a:latin typeface="Century Schoolbook" panose="02040604050505020304" pitchFamily="18" charset="0"/>
-                <a:cs typeface="Calibri" panose="020F0502020204030204" pitchFamily="34" charset="0"/>
-              </a:rPr>
-              <a:t>Questions</a:t>
-            </a:r>
-          </a:p>
-          <a:p>
-            <a:pPr marL="742950" lvl="1" indent="-285750" algn="l">
-              <a:lnSpc>
-                <a:spcPct val="100000"/>
-              </a:lnSpc>
-              <a:buFont typeface="Wingdings" panose="05000000000000000000" pitchFamily="2" charset="2"/>
-              <a:buChar char="§"/>
-            </a:pPr>
-            <a:r>
-              <a:rPr lang="en-CA" sz="1600" dirty="0">
-                <a:latin typeface="Century Schoolbook" panose="02040604050505020304" pitchFamily="18" charset="0"/>
-                <a:cs typeface="Calibri" panose="020F0502020204030204" pitchFamily="34" charset="0"/>
-              </a:rPr>
-              <a:t> What are the number of Covid-19 cases reported in Ontario?</a:t>
-            </a:r>
-            <a:endParaRPr lang="en-US" sz="1600" dirty="0">
-              <a:latin typeface="Century Schoolbook" panose="02040604050505020304" pitchFamily="18" charset="0"/>
-              <a:cs typeface="Calibri" panose="020F0502020204030204" pitchFamily="34" charset="0"/>
-            </a:endParaRPr>
-          </a:p>
-          <a:p>
-            <a:pPr marL="742950" lvl="1" indent="-285750" algn="l">
-              <a:lnSpc>
-                <a:spcPct val="100000"/>
-              </a:lnSpc>
-              <a:buFont typeface="Wingdings" panose="05000000000000000000" pitchFamily="2" charset="2"/>
-              <a:buChar char="§"/>
-            </a:pPr>
-            <a:r>
-              <a:rPr lang="en-CA" sz="1600" dirty="0">
-                <a:latin typeface="Century Schoolbook" panose="02040604050505020304" pitchFamily="18" charset="0"/>
-                <a:cs typeface="Calibri" panose="020F0502020204030204" pitchFamily="34" charset="0"/>
-              </a:rPr>
-              <a:t> What is the impact of Covid-19 on the real estate market?</a:t>
-            </a:r>
-          </a:p>
-          <a:p>
-            <a:pPr marL="914400" lvl="1" indent="-457200" algn="l">
-              <a:lnSpc>
-                <a:spcPct val="100000"/>
-              </a:lnSpc>
-              <a:buFont typeface="Wingdings" panose="05000000000000000000" pitchFamily="2" charset="2"/>
-              <a:buChar char="§"/>
-            </a:pPr>
-            <a:r>
-              <a:rPr lang="en-CA" sz="1600" dirty="0">
-                <a:latin typeface="Century Schoolbook" panose="02040604050505020304" pitchFamily="18" charset="0"/>
-                <a:cs typeface="Calibri" panose="020F0502020204030204" pitchFamily="34" charset="0"/>
-              </a:rPr>
-              <a:t>Does it impact the interest rates?</a:t>
-            </a:r>
-          </a:p>
-          <a:p>
-            <a:pPr marL="914400" lvl="1" indent="-457200" algn="l">
-              <a:lnSpc>
-                <a:spcPct val="100000"/>
-              </a:lnSpc>
-              <a:buFont typeface="Wingdings" panose="05000000000000000000" pitchFamily="2" charset="2"/>
-              <a:buChar char="§"/>
-            </a:pPr>
-            <a:r>
-              <a:rPr lang="en-CA" sz="1600" dirty="0">
-                <a:latin typeface="Century Schoolbook" panose="02040604050505020304" pitchFamily="18" charset="0"/>
-                <a:cs typeface="Calibri" panose="020F0502020204030204" pitchFamily="34" charset="0"/>
-              </a:rPr>
-              <a:t>Is there any correlation between Covid-19 and the number of houses sold?</a:t>
-            </a:r>
-          </a:p>
-          <a:p>
-            <a:pPr marL="914400" lvl="1" indent="-457200" algn="l">
-              <a:lnSpc>
-                <a:spcPct val="100000"/>
-              </a:lnSpc>
-              <a:buFont typeface="Wingdings" panose="05000000000000000000" pitchFamily="2" charset="2"/>
-              <a:buChar char="§"/>
-            </a:pPr>
-            <a:r>
-              <a:rPr lang="en-CA" sz="1600" dirty="0">
-                <a:latin typeface="Century Schoolbook" panose="02040604050505020304" pitchFamily="18" charset="0"/>
-                <a:cs typeface="Calibri" panose="020F0502020204030204" pitchFamily="34" charset="0"/>
-              </a:rPr>
-              <a:t>What about price fluctuation?</a:t>
-            </a:r>
-          </a:p>
-          <a:p>
-            <a:pPr marL="285750" lvl="0" indent="-285750" algn="l">
-              <a:buFont typeface="Wingdings" panose="05000000000000000000" pitchFamily="2" charset="2"/>
-              <a:buChar char="ü"/>
-            </a:pPr>
             <a:endParaRPr lang="en-CA" sz="1800" dirty="0">
               <a:latin typeface="Century Schoolbook" panose="02040604050505020304" pitchFamily="18" charset="0"/>
               <a:cs typeface="Calibri" panose="020F0502020204030204" pitchFamily="34" charset="0"/>
@@ -7957,6 +7839,430 @@
           </a:p>
         </p:txBody>
       </p:sp>
+      <p:sp>
+        <p:nvSpPr>
+          <p:cNvPr id="7" name="Subtitle 2">
+            <a:extLst>
+              <a:ext uri="{FF2B5EF4-FFF2-40B4-BE49-F238E27FC236}">
+                <a16:creationId xmlns:a16="http://schemas.microsoft.com/office/drawing/2014/main" id="{6C5E5272-D217-437F-A37B-6A533D3BF72B}"/>
+              </a:ext>
+            </a:extLst>
+          </p:cNvPr>
+          <p:cNvSpPr txBox="1">
+            <a:spLocks/>
+          </p:cNvSpPr>
+          <p:nvPr/>
+        </p:nvSpPr>
+        <p:spPr>
+          <a:xfrm>
+            <a:off x="896821" y="3429000"/>
+            <a:ext cx="8942238" cy="4271642"/>
+          </a:xfrm>
+          <a:prstGeom prst="rect">
+            <a:avLst/>
+          </a:prstGeom>
+        </p:spPr>
+        <p:txBody>
+          <a:bodyPr vert="horz" lIns="91440" tIns="45720" rIns="91440" bIns="45720" rtlCol="0">
+            <a:normAutofit/>
+          </a:bodyPr>
+          <a:lstStyle>
+            <a:lvl1pPr marL="0" indent="0" algn="ctr" defTabSz="914400" rtl="0" eaLnBrk="1" latinLnBrk="0" hangingPunct="1">
+              <a:lnSpc>
+                <a:spcPct val="90000"/>
+              </a:lnSpc>
+              <a:spcBef>
+                <a:spcPts val="1000"/>
+              </a:spcBef>
+              <a:buFont typeface="Arial" panose="020B0604020202020204" pitchFamily="34" charset="0"/>
+              <a:buNone/>
+              <a:defRPr sz="2400" kern="1200">
+                <a:solidFill>
+                  <a:schemeClr val="tx1"/>
+                </a:solidFill>
+                <a:latin typeface="+mn-lt"/>
+                <a:ea typeface="+mn-ea"/>
+                <a:cs typeface="+mn-cs"/>
+              </a:defRPr>
+            </a:lvl1pPr>
+            <a:lvl2pPr marL="457200" indent="0" algn="ctr" defTabSz="914400" rtl="0" eaLnBrk="1" latinLnBrk="0" hangingPunct="1">
+              <a:lnSpc>
+                <a:spcPct val="90000"/>
+              </a:lnSpc>
+              <a:spcBef>
+                <a:spcPts val="500"/>
+              </a:spcBef>
+              <a:buFont typeface="Arial" panose="020B0604020202020204" pitchFamily="34" charset="0"/>
+              <a:buNone/>
+              <a:defRPr sz="2000" kern="1200">
+                <a:solidFill>
+                  <a:schemeClr val="tx1"/>
+                </a:solidFill>
+                <a:latin typeface="+mn-lt"/>
+                <a:ea typeface="+mn-ea"/>
+                <a:cs typeface="+mn-cs"/>
+              </a:defRPr>
+            </a:lvl2pPr>
+            <a:lvl3pPr marL="914400" indent="0" algn="ctr" defTabSz="914400" rtl="0" eaLnBrk="1" latinLnBrk="0" hangingPunct="1">
+              <a:lnSpc>
+                <a:spcPct val="90000"/>
+              </a:lnSpc>
+              <a:spcBef>
+                <a:spcPts val="500"/>
+              </a:spcBef>
+              <a:buFont typeface="Arial" panose="020B0604020202020204" pitchFamily="34" charset="0"/>
+              <a:buNone/>
+              <a:defRPr sz="1800" kern="1200">
+                <a:solidFill>
+                  <a:schemeClr val="tx1"/>
+                </a:solidFill>
+                <a:latin typeface="+mn-lt"/>
+                <a:ea typeface="+mn-ea"/>
+                <a:cs typeface="+mn-cs"/>
+              </a:defRPr>
+            </a:lvl3pPr>
+            <a:lvl4pPr marL="1371600" indent="0" algn="ctr" defTabSz="914400" rtl="0" eaLnBrk="1" latinLnBrk="0" hangingPunct="1">
+              <a:lnSpc>
+                <a:spcPct val="90000"/>
+              </a:lnSpc>
+              <a:spcBef>
+                <a:spcPts val="500"/>
+              </a:spcBef>
+              <a:buFont typeface="Arial" panose="020B0604020202020204" pitchFamily="34" charset="0"/>
+              <a:buNone/>
+              <a:defRPr sz="1600" kern="1200">
+                <a:solidFill>
+                  <a:schemeClr val="tx1"/>
+                </a:solidFill>
+                <a:latin typeface="+mn-lt"/>
+                <a:ea typeface="+mn-ea"/>
+                <a:cs typeface="+mn-cs"/>
+              </a:defRPr>
+            </a:lvl4pPr>
+            <a:lvl5pPr marL="1828800" indent="0" algn="ctr" defTabSz="914400" rtl="0" eaLnBrk="1" latinLnBrk="0" hangingPunct="1">
+              <a:lnSpc>
+                <a:spcPct val="90000"/>
+              </a:lnSpc>
+              <a:spcBef>
+                <a:spcPts val="500"/>
+              </a:spcBef>
+              <a:buFont typeface="Arial" panose="020B0604020202020204" pitchFamily="34" charset="0"/>
+              <a:buNone/>
+              <a:defRPr sz="1600" kern="1200">
+                <a:solidFill>
+                  <a:schemeClr val="tx1"/>
+                </a:solidFill>
+                <a:latin typeface="+mn-lt"/>
+                <a:ea typeface="+mn-ea"/>
+                <a:cs typeface="+mn-cs"/>
+              </a:defRPr>
+            </a:lvl5pPr>
+            <a:lvl6pPr marL="2286000" indent="0" algn="ctr" defTabSz="914400" rtl="0" eaLnBrk="1" latinLnBrk="0" hangingPunct="1">
+              <a:lnSpc>
+                <a:spcPct val="90000"/>
+              </a:lnSpc>
+              <a:spcBef>
+                <a:spcPts val="500"/>
+              </a:spcBef>
+              <a:buFont typeface="Arial" panose="020B0604020202020204" pitchFamily="34" charset="0"/>
+              <a:buNone/>
+              <a:defRPr sz="1600" kern="1200">
+                <a:solidFill>
+                  <a:schemeClr val="tx1"/>
+                </a:solidFill>
+                <a:latin typeface="+mn-lt"/>
+                <a:ea typeface="+mn-ea"/>
+                <a:cs typeface="+mn-cs"/>
+              </a:defRPr>
+            </a:lvl6pPr>
+            <a:lvl7pPr marL="2743200" indent="0" algn="ctr" defTabSz="914400" rtl="0" eaLnBrk="1" latinLnBrk="0" hangingPunct="1">
+              <a:lnSpc>
+                <a:spcPct val="90000"/>
+              </a:lnSpc>
+              <a:spcBef>
+                <a:spcPts val="500"/>
+              </a:spcBef>
+              <a:buFont typeface="Arial" panose="020B0604020202020204" pitchFamily="34" charset="0"/>
+              <a:buNone/>
+              <a:defRPr sz="1600" kern="1200">
+                <a:solidFill>
+                  <a:schemeClr val="tx1"/>
+                </a:solidFill>
+                <a:latin typeface="+mn-lt"/>
+                <a:ea typeface="+mn-ea"/>
+                <a:cs typeface="+mn-cs"/>
+              </a:defRPr>
+            </a:lvl7pPr>
+            <a:lvl8pPr marL="3200400" indent="0" algn="ctr" defTabSz="914400" rtl="0" eaLnBrk="1" latinLnBrk="0" hangingPunct="1">
+              <a:lnSpc>
+                <a:spcPct val="90000"/>
+              </a:lnSpc>
+              <a:spcBef>
+                <a:spcPts val="500"/>
+              </a:spcBef>
+              <a:buFont typeface="Arial" panose="020B0604020202020204" pitchFamily="34" charset="0"/>
+              <a:buNone/>
+              <a:defRPr sz="1600" kern="1200">
+                <a:solidFill>
+                  <a:schemeClr val="tx1"/>
+                </a:solidFill>
+                <a:latin typeface="+mn-lt"/>
+                <a:ea typeface="+mn-ea"/>
+                <a:cs typeface="+mn-cs"/>
+              </a:defRPr>
+            </a:lvl8pPr>
+            <a:lvl9pPr marL="3657600" indent="0" algn="ctr" defTabSz="914400" rtl="0" eaLnBrk="1" latinLnBrk="0" hangingPunct="1">
+              <a:lnSpc>
+                <a:spcPct val="90000"/>
+              </a:lnSpc>
+              <a:spcBef>
+                <a:spcPts val="500"/>
+              </a:spcBef>
+              <a:buFont typeface="Arial" panose="020B0604020202020204" pitchFamily="34" charset="0"/>
+              <a:buNone/>
+              <a:defRPr sz="1600" kern="1200">
+                <a:solidFill>
+                  <a:schemeClr val="tx1"/>
+                </a:solidFill>
+                <a:latin typeface="+mn-lt"/>
+                <a:ea typeface="+mn-ea"/>
+                <a:cs typeface="+mn-cs"/>
+              </a:defRPr>
+            </a:lvl9pPr>
+          </a:lstStyle>
+          <a:p>
+            <a:pPr marL="285750" lvl="0" indent="-285750" algn="l">
+              <a:buFont typeface="Wingdings" panose="05000000000000000000" pitchFamily="2" charset="2"/>
+              <a:buChar char="ü"/>
+            </a:pPr>
+            <a:r>
+              <a:rPr lang="en-CA" sz="1800" b="1" dirty="0">
+                <a:latin typeface="Century Schoolbook" panose="02040604050505020304" pitchFamily="18" charset="0"/>
+                <a:cs typeface="Calibri" panose="020F0502020204030204" pitchFamily="34" charset="0"/>
+              </a:rPr>
+              <a:t>Questions</a:t>
+            </a:r>
+          </a:p>
+          <a:p>
+            <a:pPr marL="742950" lvl="1" indent="-285750" algn="l">
+              <a:lnSpc>
+                <a:spcPct val="100000"/>
+              </a:lnSpc>
+              <a:buFont typeface="Wingdings" panose="05000000000000000000" pitchFamily="2" charset="2"/>
+              <a:buChar char="§"/>
+            </a:pPr>
+            <a:r>
+              <a:rPr lang="en-CA" sz="1600" dirty="0">
+                <a:latin typeface="Century Schoolbook" panose="02040604050505020304" pitchFamily="18" charset="0"/>
+                <a:cs typeface="Calibri" panose="020F0502020204030204" pitchFamily="34" charset="0"/>
+              </a:rPr>
+              <a:t> What are the number of Covid-19 cases reported in Ontario? How has this number changed throughout 2020?</a:t>
+            </a:r>
+            <a:endParaRPr lang="en-US" sz="1600" dirty="0">
+              <a:latin typeface="Century Schoolbook" panose="02040604050505020304" pitchFamily="18" charset="0"/>
+              <a:cs typeface="Calibri" panose="020F0502020204030204" pitchFamily="34" charset="0"/>
+            </a:endParaRPr>
+          </a:p>
+          <a:p>
+            <a:pPr marL="742950" lvl="1" indent="-285750" algn="l">
+              <a:lnSpc>
+                <a:spcPct val="100000"/>
+              </a:lnSpc>
+              <a:buFont typeface="Wingdings" panose="05000000000000000000" pitchFamily="2" charset="2"/>
+              <a:buChar char="§"/>
+            </a:pPr>
+            <a:r>
+              <a:rPr lang="en-CA" sz="1600" dirty="0">
+                <a:latin typeface="Century Schoolbook" panose="02040604050505020304" pitchFamily="18" charset="0"/>
+                <a:cs typeface="Calibri" panose="020F0502020204030204" pitchFamily="34" charset="0"/>
+              </a:rPr>
+              <a:t> What is the impact of Covid-19 on the real estate market?</a:t>
+            </a:r>
+          </a:p>
+          <a:p>
+            <a:pPr marL="1200150" lvl="2" indent="-285750" algn="l">
+              <a:lnSpc>
+                <a:spcPct val="100000"/>
+              </a:lnSpc>
+              <a:buFont typeface="Wingdings" panose="05000000000000000000" pitchFamily="2" charset="2"/>
+              <a:buChar char="§"/>
+            </a:pPr>
+            <a:r>
+              <a:rPr lang="en-CA" sz="1500" dirty="0">
+                <a:latin typeface="Century Schoolbook" panose="02040604050505020304" pitchFamily="18" charset="0"/>
+                <a:cs typeface="Calibri" panose="020F0502020204030204" pitchFamily="34" charset="0"/>
+              </a:rPr>
+              <a:t>Does it impact the interest rates?</a:t>
+            </a:r>
+          </a:p>
+          <a:p>
+            <a:pPr marL="1200150" lvl="2" indent="-285750" algn="l">
+              <a:lnSpc>
+                <a:spcPct val="100000"/>
+              </a:lnSpc>
+              <a:buFont typeface="Wingdings" panose="05000000000000000000" pitchFamily="2" charset="2"/>
+              <a:buChar char="§"/>
+            </a:pPr>
+            <a:r>
+              <a:rPr lang="en-CA" sz="1500" dirty="0">
+                <a:latin typeface="Century Schoolbook" panose="02040604050505020304" pitchFamily="18" charset="0"/>
+                <a:cs typeface="Calibri" panose="020F0502020204030204" pitchFamily="34" charset="0"/>
+              </a:rPr>
+              <a:t>Is there any correlation between Covid-19 and the number of houses sold?</a:t>
+            </a:r>
+          </a:p>
+          <a:p>
+            <a:pPr marL="1200150" lvl="2" indent="-285750" algn="l">
+              <a:lnSpc>
+                <a:spcPct val="100000"/>
+              </a:lnSpc>
+              <a:buFont typeface="Wingdings" panose="05000000000000000000" pitchFamily="2" charset="2"/>
+              <a:buChar char="§"/>
+            </a:pPr>
+            <a:r>
+              <a:rPr lang="en-CA" sz="1500" dirty="0">
+                <a:latin typeface="Century Schoolbook" panose="02040604050505020304" pitchFamily="18" charset="0"/>
+                <a:cs typeface="Calibri" panose="020F0502020204030204" pitchFamily="34" charset="0"/>
+              </a:rPr>
+              <a:t>What about price fluctuation?</a:t>
+            </a:r>
+          </a:p>
+          <a:p>
+            <a:pPr marL="285750" lvl="0" indent="-285750" algn="l">
+              <a:buFont typeface="Wingdings" panose="05000000000000000000" pitchFamily="2" charset="2"/>
+              <a:buChar char="ü"/>
+            </a:pPr>
+            <a:endParaRPr lang="en-CA" sz="1800" dirty="0">
+              <a:latin typeface="Century Schoolbook" panose="02040604050505020304" pitchFamily="18" charset="0"/>
+              <a:cs typeface="Calibri" panose="020F0502020204030204" pitchFamily="34" charset="0"/>
+            </a:endParaRPr>
+          </a:p>
+          <a:p>
+            <a:pPr marL="285750" lvl="0" indent="-285750" algn="l">
+              <a:buFont typeface="Wingdings" panose="05000000000000000000" pitchFamily="2" charset="2"/>
+              <a:buChar char="ü"/>
+            </a:pPr>
+            <a:endParaRPr lang="en-CA" sz="1800" dirty="0">
+              <a:latin typeface="Century Schoolbook" panose="02040604050505020304" pitchFamily="18" charset="0"/>
+              <a:cs typeface="Calibri" panose="020F0502020204030204" pitchFamily="34" charset="0"/>
+            </a:endParaRPr>
+          </a:p>
+          <a:p>
+            <a:pPr marL="285750" lvl="0" indent="-285750" algn="l">
+              <a:buFont typeface="Wingdings" panose="05000000000000000000" pitchFamily="2" charset="2"/>
+              <a:buChar char="ü"/>
+            </a:pPr>
+            <a:endParaRPr lang="en-CA" sz="1800" dirty="0">
+              <a:latin typeface="Century Schoolbook" panose="02040604050505020304" pitchFamily="18" charset="0"/>
+              <a:cs typeface="Calibri" panose="020F0502020204030204" pitchFamily="34" charset="0"/>
+            </a:endParaRPr>
+          </a:p>
+        </p:txBody>
+      </p:sp>
+      <p:sp>
+        <p:nvSpPr>
+          <p:cNvPr id="2" name="Oval 1">
+            <a:extLst>
+              <a:ext uri="{FF2B5EF4-FFF2-40B4-BE49-F238E27FC236}">
+                <a16:creationId xmlns:a16="http://schemas.microsoft.com/office/drawing/2014/main" id="{29013852-BD29-4BF8-B7A2-3F2E8638F8A0}"/>
+              </a:ext>
+            </a:extLst>
+          </p:cNvPr>
+          <p:cNvSpPr/>
+          <p:nvPr/>
+        </p:nvSpPr>
+        <p:spPr>
+          <a:xfrm>
+            <a:off x="3979817" y="1947580"/>
+            <a:ext cx="870857" cy="482111"/>
+          </a:xfrm>
+          <a:prstGeom prst="ellipse">
+            <a:avLst/>
+          </a:prstGeom>
+          <a:noFill/>
+          <a:ln w="28575">
+            <a:solidFill>
+              <a:srgbClr val="FF0000"/>
+            </a:solidFill>
+          </a:ln>
+        </p:spPr>
+        <p:style>
+          <a:lnRef idx="2">
+            <a:schemeClr val="accent1">
+              <a:shade val="50000"/>
+            </a:schemeClr>
+          </a:lnRef>
+          <a:fillRef idx="1">
+            <a:schemeClr val="accent1"/>
+          </a:fillRef>
+          <a:effectRef idx="0">
+            <a:schemeClr val="accent1"/>
+          </a:effectRef>
+          <a:fontRef idx="minor">
+            <a:schemeClr val="lt1"/>
+          </a:fontRef>
+        </p:style>
+        <p:txBody>
+          <a:bodyPr rtlCol="0" anchor="ctr"/>
+          <a:lstStyle/>
+          <a:p>
+            <a:pPr algn="ctr"/>
+            <a:endParaRPr lang="en-CA"/>
+          </a:p>
+        </p:txBody>
+      </p:sp>
+      <p:sp>
+        <p:nvSpPr>
+          <p:cNvPr id="11" name="Oval 10">
+            <a:extLst>
+              <a:ext uri="{FF2B5EF4-FFF2-40B4-BE49-F238E27FC236}">
+                <a16:creationId xmlns:a16="http://schemas.microsoft.com/office/drawing/2014/main" id="{5B7B7A30-F190-478D-9280-F322569953E3}"/>
+              </a:ext>
+            </a:extLst>
+          </p:cNvPr>
+          <p:cNvSpPr/>
+          <p:nvPr/>
+        </p:nvSpPr>
+        <p:spPr>
+          <a:xfrm>
+            <a:off x="5498570" y="1979304"/>
+            <a:ext cx="1773087" cy="450387"/>
+          </a:xfrm>
+          <a:prstGeom prst="ellipse">
+            <a:avLst/>
+          </a:prstGeom>
+          <a:noFill/>
+          <a:ln w="28575">
+            <a:solidFill>
+              <a:srgbClr val="FF0000"/>
+            </a:solidFill>
+          </a:ln>
+        </p:spPr>
+        <p:style>
+          <a:lnRef idx="2">
+            <a:schemeClr val="accent1">
+              <a:shade val="50000"/>
+            </a:schemeClr>
+          </a:lnRef>
+          <a:fillRef idx="1">
+            <a:schemeClr val="accent1"/>
+          </a:fillRef>
+          <a:effectRef idx="0">
+            <a:schemeClr val="accent1"/>
+          </a:effectRef>
+          <a:fontRef idx="minor">
+            <a:schemeClr val="lt1"/>
+          </a:fontRef>
+        </p:style>
+        <p:txBody>
+          <a:bodyPr rtlCol="0" anchor="ctr"/>
+          <a:lstStyle/>
+          <a:p>
+            <a:pPr algn="ctr"/>
+            <a:endParaRPr lang="en-CA"/>
+          </a:p>
+        </p:txBody>
+      </p:sp>
     </p:spTree>
     <p:extLst>
       <p:ext uri="{BB962C8B-B14F-4D97-AF65-F5344CB8AC3E}">
@@ -7979,6 +8285,158 @@
       </p:transition>
     </mc:Fallback>
   </mc:AlternateContent>
+  <p:timing>
+    <p:tnLst>
+      <p:par>
+        <p:cTn id="1" dur="indefinite" restart="never" nodeType="tmRoot">
+          <p:childTnLst>
+            <p:seq concurrent="1" nextAc="seek">
+              <p:cTn id="2" dur="indefinite" nodeType="mainSeq">
+                <p:childTnLst>
+                  <p:par>
+                    <p:cTn id="3" fill="hold">
+                      <p:stCondLst>
+                        <p:cond delay="indefinite"/>
+                      </p:stCondLst>
+                      <p:childTnLst>
+                        <p:par>
+                          <p:cTn id="4" fill="hold">
+                            <p:stCondLst>
+                              <p:cond delay="0"/>
+                            </p:stCondLst>
+                            <p:childTnLst>
+                              <p:par>
+                                <p:cTn id="5" presetID="1" presetClass="entr" presetSubtype="0" fill="hold" grpId="0" nodeType="clickEffect">
+                                  <p:stCondLst>
+                                    <p:cond delay="0"/>
+                                  </p:stCondLst>
+                                  <p:childTnLst>
+                                    <p:set>
+                                      <p:cBhvr>
+                                        <p:cTn id="6" dur="1" fill="hold">
+                                          <p:stCondLst>
+                                            <p:cond delay="0"/>
+                                          </p:stCondLst>
+                                        </p:cTn>
+                                        <p:tgtEl>
+                                          <p:spTgt spid="2"/>
+                                        </p:tgtEl>
+                                        <p:attrNameLst>
+                                          <p:attrName>style.visibility</p:attrName>
+                                        </p:attrNameLst>
+                                      </p:cBhvr>
+                                      <p:to>
+                                        <p:strVal val="visible"/>
+                                      </p:to>
+                                    </p:set>
+                                  </p:childTnLst>
+                                </p:cTn>
+                              </p:par>
+                              <p:par>
+                                <p:cTn id="7" presetID="1" presetClass="entr" presetSubtype="0" fill="hold" grpId="0" nodeType="withEffect">
+                                  <p:stCondLst>
+                                    <p:cond delay="0"/>
+                                  </p:stCondLst>
+                                  <p:childTnLst>
+                                    <p:set>
+                                      <p:cBhvr>
+                                        <p:cTn id="8" dur="1" fill="hold">
+                                          <p:stCondLst>
+                                            <p:cond delay="0"/>
+                                          </p:stCondLst>
+                                        </p:cTn>
+                                        <p:tgtEl>
+                                          <p:spTgt spid="11"/>
+                                        </p:tgtEl>
+                                        <p:attrNameLst>
+                                          <p:attrName>style.visibility</p:attrName>
+                                        </p:attrNameLst>
+                                      </p:cBhvr>
+                                      <p:to>
+                                        <p:strVal val="visible"/>
+                                      </p:to>
+                                    </p:set>
+                                  </p:childTnLst>
+                                </p:cTn>
+                              </p:par>
+                            </p:childTnLst>
+                          </p:cTn>
+                        </p:par>
+                      </p:childTnLst>
+                    </p:cTn>
+                  </p:par>
+                  <p:par>
+                    <p:cTn id="9" fill="hold">
+                      <p:stCondLst>
+                        <p:cond delay="indefinite"/>
+                      </p:stCondLst>
+                      <p:childTnLst>
+                        <p:par>
+                          <p:cTn id="10" fill="hold">
+                            <p:stCondLst>
+                              <p:cond delay="0"/>
+                            </p:stCondLst>
+                            <p:childTnLst>
+                              <p:par>
+                                <p:cTn id="11" presetID="1" presetClass="entr" presetSubtype="0" fill="hold" grpId="0" nodeType="clickEffect">
+                                  <p:stCondLst>
+                                    <p:cond delay="0"/>
+                                  </p:stCondLst>
+                                  <p:childTnLst>
+                                    <p:set>
+                                      <p:cBhvr>
+                                        <p:cTn id="12" dur="1" fill="hold">
+                                          <p:stCondLst>
+                                            <p:cond delay="0"/>
+                                          </p:stCondLst>
+                                        </p:cTn>
+                                        <p:tgtEl>
+                                          <p:spTgt spid="7"/>
+                                        </p:tgtEl>
+                                        <p:attrNameLst>
+                                          <p:attrName>style.visibility</p:attrName>
+                                        </p:attrNameLst>
+                                      </p:cBhvr>
+                                      <p:to>
+                                        <p:strVal val="visible"/>
+                                      </p:to>
+                                    </p:set>
+                                  </p:childTnLst>
+                                </p:cTn>
+                              </p:par>
+                            </p:childTnLst>
+                          </p:cTn>
+                        </p:par>
+                      </p:childTnLst>
+                    </p:cTn>
+                  </p:par>
+                </p:childTnLst>
+              </p:cTn>
+              <p:prevCondLst>
+                <p:cond evt="onPrev" delay="0">
+                  <p:tgtEl>
+                    <p:sldTgt/>
+                  </p:tgtEl>
+                </p:cond>
+              </p:prevCondLst>
+              <p:nextCondLst>
+                <p:cond evt="onNext" delay="0">
+                  <p:tgtEl>
+                    <p:sldTgt/>
+                  </p:tgtEl>
+                </p:cond>
+              </p:nextCondLst>
+            </p:seq>
+          </p:childTnLst>
+        </p:cTn>
+      </p:par>
+    </p:tnLst>
+    <p:bldLst>
+      <p:bldP spid="7" grpId="0"/>
+      <p:bldP spid="2" grpId="0" animBg="1"/>
+      <p:bldP spid="11" grpId="0" animBg="1"/>
+    </p:bldLst>
+  </p:timing>
 </p:sld>
 </file>
 
@@ -9399,8 +9857,8 @@
         </p:nvSpPr>
         <p:spPr>
           <a:xfrm>
-            <a:off x="6816142" y="1767095"/>
-            <a:ext cx="3284396" cy="400110"/>
+            <a:off x="6493924" y="1206109"/>
+            <a:ext cx="4992679" cy="707886"/>
           </a:xfrm>
           <a:prstGeom prst="rect">
             <a:avLst/>
@@ -9413,16 +9871,13 @@
           </a:bodyPr>
           <a:lstStyle/>
           <a:p>
-            <a:pPr marL="800100" indent="-342900" rtl="0">
-              <a:buFont typeface="Wingdings" panose="05000000000000000000" pitchFamily="2" charset="2"/>
-              <a:buChar char="ü"/>
-            </a:pPr>
+            <a:pPr marL="457200" algn="ctr" rtl="0"/>
             <a:r>
               <a:rPr lang="en-CA" sz="2000" b="1" dirty="0">
                 <a:latin typeface="Century Schoolbook" panose="02040604050505020304" pitchFamily="18" charset="0"/>
                 <a:cs typeface="Calibri" panose="020F0502020204030204" pitchFamily="34" charset="0"/>
               </a:rPr>
-              <a:t>Now</a:t>
+              <a:t>After: Number of Covid-19 cases in Ontario per month</a:t>
             </a:r>
           </a:p>
         </p:txBody>
@@ -9449,8 +9904,8 @@
         </p:blipFill>
         <p:spPr>
           <a:xfrm>
-            <a:off x="525233" y="2399342"/>
-            <a:ext cx="6272174" cy="2760040"/>
+            <a:off x="696886" y="2057020"/>
+            <a:ext cx="5570767" cy="2451389"/>
           </a:xfrm>
           <a:prstGeom prst="rect">
             <a:avLst/>
@@ -9471,8 +9926,8 @@
         </p:nvSpPr>
         <p:spPr>
           <a:xfrm>
-            <a:off x="449266" y="1851018"/>
-            <a:ext cx="3284396" cy="400110"/>
+            <a:off x="449265" y="1208300"/>
+            <a:ext cx="5361941" cy="707886"/>
           </a:xfrm>
           <a:prstGeom prst="rect">
             <a:avLst/>
@@ -9485,16 +9940,13 @@
           </a:bodyPr>
           <a:lstStyle/>
           <a:p>
-            <a:pPr marL="800100" indent="-342900" rtl="0">
-              <a:buFont typeface="Wingdings" panose="05000000000000000000" pitchFamily="2" charset="2"/>
-              <a:buChar char="ü"/>
-            </a:pPr>
+            <a:pPr marL="457200" algn="ctr" rtl="0"/>
             <a:r>
               <a:rPr lang="en-CA" sz="2000" b="1" dirty="0">
                 <a:latin typeface="Century Schoolbook" panose="02040604050505020304" pitchFamily="18" charset="0"/>
                 <a:cs typeface="Calibri" panose="020F0502020204030204" pitchFamily="34" charset="0"/>
               </a:rPr>
-              <a:t>Before</a:t>
+              <a:t>Before: Covid-19 cases in Ontario table</a:t>
             </a:r>
           </a:p>
         </p:txBody>
@@ -9557,7 +10009,7 @@
         </p:blipFill>
         <p:spPr>
           <a:xfrm>
-            <a:off x="7089002" y="2251128"/>
+            <a:off x="7218973" y="2057020"/>
             <a:ext cx="4163006" cy="3724795"/>
           </a:xfrm>
           <a:prstGeom prst="rect">
@@ -9565,6 +10017,42 @@
           </a:prstGeom>
         </p:spPr>
       </p:pic>
+      <p:cxnSp>
+        <p:nvCxnSpPr>
+          <p:cNvPr id="9" name="Straight Connector 8">
+            <a:extLst>
+              <a:ext uri="{FF2B5EF4-FFF2-40B4-BE49-F238E27FC236}">
+                <a16:creationId xmlns:a16="http://schemas.microsoft.com/office/drawing/2014/main" id="{D1677493-132B-4D6A-89AF-6EFAC9BEA799}"/>
+              </a:ext>
+            </a:extLst>
+          </p:cNvPr>
+          <p:cNvCxnSpPr/>
+          <p:nvPr/>
+        </p:nvCxnSpPr>
+        <p:spPr>
+          <a:xfrm>
+            <a:off x="6380788" y="1208300"/>
+            <a:ext cx="0" cy="4791906"/>
+          </a:xfrm>
+          <a:prstGeom prst="line">
+            <a:avLst/>
+          </a:prstGeom>
+        </p:spPr>
+        <p:style>
+          <a:lnRef idx="1">
+            <a:schemeClr val="accent1"/>
+          </a:lnRef>
+          <a:fillRef idx="0">
+            <a:schemeClr val="accent1"/>
+          </a:fillRef>
+          <a:effectRef idx="0">
+            <a:schemeClr val="accent1"/>
+          </a:effectRef>
+          <a:fontRef idx="minor">
+            <a:schemeClr val="tx1"/>
+          </a:fontRef>
+        </p:style>
+      </p:cxnSp>
     </p:spTree>
     <p:extLst>
       <p:ext uri="{BB962C8B-B14F-4D97-AF65-F5344CB8AC3E}">
@@ -9697,7 +10185,7 @@
         <p:spPr>
           <a:xfrm>
             <a:off x="630264" y="468786"/>
-            <a:ext cx="8132631" cy="667263"/>
+            <a:ext cx="10891447" cy="667263"/>
           </a:xfrm>
           <a:prstGeom prst="rect">
             <a:avLst/>
@@ -9705,7 +10193,7 @@
         </p:spPr>
         <p:txBody>
           <a:bodyPr vert="horz" lIns="91440" tIns="45720" rIns="91440" bIns="45720" rtlCol="0" anchor="b">
-            <a:normAutofit/>
+            <a:normAutofit fontScale="77500" lnSpcReduction="20000"/>
           </a:bodyPr>
           <a:lstStyle>
             <a:lvl1pPr algn="ctr" defTabSz="914400" rtl="0" eaLnBrk="1" latinLnBrk="0" hangingPunct="1">
@@ -9741,8 +10229,28 @@
                 </a:solidFill>
                 <a:latin typeface="Century Schoolbook" panose="02040604050505020304" pitchFamily="18" charset="0"/>
               </a:rPr>
-              <a:t>Exploration</a:t>
-            </a:r>
+              <a:t>Analysis – Part 1</a:t>
+            </a:r>
+            <a:r>
+              <a:rPr lang="en-US" sz="3400" dirty="0">
+                <a:solidFill>
+                  <a:schemeClr val="accent2">
+                    <a:lumMod val="75000"/>
+                  </a:schemeClr>
+                </a:solidFill>
+                <a:latin typeface="Century Schoolbook" panose="02040604050505020304" pitchFamily="18" charset="0"/>
+                <a:sym typeface="Wingdings" panose="05000000000000000000" pitchFamily="2" charset="2"/>
+              </a:rPr>
+              <a:t> We plot the information we retrieved from our datasets</a:t>
+            </a:r>
+            <a:endParaRPr lang="en-US" sz="3400" dirty="0">
+              <a:solidFill>
+                <a:schemeClr val="accent2">
+                  <a:lumMod val="75000"/>
+                </a:schemeClr>
+              </a:solidFill>
+              <a:latin typeface="Century Schoolbook" panose="02040604050505020304" pitchFamily="18" charset="0"/>
+            </a:endParaRPr>
           </a:p>
         </p:txBody>
       </p:sp>
@@ -9782,12 +10290,42 @@
           </a:fontRef>
         </p:style>
       </p:cxnSp>
-      <p:sp>
-        <p:nvSpPr>
-          <p:cNvPr id="10" name="TextBox 9">
-            <a:extLst>
-              <a:ext uri="{FF2B5EF4-FFF2-40B4-BE49-F238E27FC236}">
-                <a16:creationId xmlns:a16="http://schemas.microsoft.com/office/drawing/2014/main" id="{ED8E508F-1AF4-48FC-A64B-B2FCF59808E2}"/>
+      <p:pic>
+        <p:nvPicPr>
+          <p:cNvPr id="5" name="Picture 4">
+            <a:extLst>
+              <a:ext uri="{FF2B5EF4-FFF2-40B4-BE49-F238E27FC236}">
+                <a16:creationId xmlns:a16="http://schemas.microsoft.com/office/drawing/2014/main" id="{6767FC8F-900A-4F7D-8C92-E2C5C2D874DC}"/>
+              </a:ext>
+            </a:extLst>
+          </p:cNvPr>
+          <p:cNvPicPr>
+            <a:picLocks noChangeAspect="1"/>
+          </p:cNvPicPr>
+          <p:nvPr/>
+        </p:nvPicPr>
+        <p:blipFill>
+          <a:blip r:embed="rId2"/>
+          <a:stretch>
+            <a:fillRect/>
+          </a:stretch>
+        </p:blipFill>
+        <p:spPr>
+          <a:xfrm>
+            <a:off x="966381" y="1649882"/>
+            <a:ext cx="4284883" cy="2931271"/>
+          </a:xfrm>
+          <a:prstGeom prst="rect">
+            <a:avLst/>
+          </a:prstGeom>
+        </p:spPr>
+      </p:pic>
+      <p:sp>
+        <p:nvSpPr>
+          <p:cNvPr id="6" name="TextBox 5">
+            <a:extLst>
+              <a:ext uri="{FF2B5EF4-FFF2-40B4-BE49-F238E27FC236}">
+                <a16:creationId xmlns:a16="http://schemas.microsoft.com/office/drawing/2014/main" id="{619B7272-A087-44F1-8DFE-935C43CB21DE}"/>
               </a:ext>
             </a:extLst>
           </p:cNvPr>
@@ -9796,8 +10334,8 @@
         </p:nvSpPr>
         <p:spPr>
           <a:xfrm>
-            <a:off x="630264" y="1888444"/>
-            <a:ext cx="10488058" cy="1231106"/>
+            <a:off x="1501257" y="1136049"/>
+            <a:ext cx="3680339" cy="369332"/>
           </a:xfrm>
           <a:prstGeom prst="rect">
             <a:avLst/>
@@ -9805,66 +10343,24 @@
           <a:noFill/>
         </p:spPr>
         <p:txBody>
-          <a:bodyPr wrap="square">
+          <a:bodyPr wrap="square" rtlCol="0">
             <a:spAutoFit/>
           </a:bodyPr>
           <a:lstStyle/>
           <a:p>
-            <a:pPr marL="457200" rtl="0"/>
-            <a:r>
-              <a:rPr lang="en-CA" sz="1800" b="1" i="0" u="none" strike="noStrike" dirty="0">
-                <a:solidFill>
-                  <a:srgbClr val="000000"/>
-                </a:solidFill>
-                <a:effectLst/>
-                <a:latin typeface="Calibri" panose="020F0502020204030204" pitchFamily="34" charset="0"/>
-              </a:rPr>
-              <a:t> </a:t>
-            </a:r>
-            <a:r>
-              <a:rPr lang="en-CA" sz="2000" b="1" i="0" u="none" strike="noStrike" dirty="0">
-                <a:solidFill>
-                  <a:srgbClr val="000000"/>
-                </a:solidFill>
-                <a:effectLst/>
-                <a:latin typeface="Century Schoolbook" panose="02040604050505020304" pitchFamily="18" charset="0"/>
-              </a:rPr>
-              <a:t>Insights &gt; </a:t>
-            </a:r>
-            <a:r>
-              <a:rPr lang="en-CA" sz="2000" b="1" i="0" u="none" strike="noStrike" dirty="0">
-                <a:solidFill>
-                  <a:srgbClr val="000000"/>
-                </a:solidFill>
-                <a:effectLst/>
-                <a:latin typeface="Century Schoolbook" panose="02040604050505020304" pitchFamily="18" charset="0"/>
-                <a:cs typeface="Calibri" panose="020F0502020204030204" pitchFamily="34" charset="0"/>
-              </a:rPr>
-              <a:t>F</a:t>
-            </a:r>
-            <a:r>
-              <a:rPr lang="en-CA" dirty="0">
-                <a:latin typeface="Century Schoolbook" panose="02040604050505020304" pitchFamily="18" charset="0"/>
-                <a:cs typeface="Calibri" panose="020F0502020204030204" pitchFamily="34" charset="0"/>
-              </a:rPr>
-              <a:t>rom a visual inspection, we noticed that the number of buildings being 			constructed in Ontario in 2019 and 2020 were very similar. Hence, Covid-19 			did not seem to have a direct impact on this</a:t>
-            </a:r>
-          </a:p>
-          <a:p>
-            <a:pPr marL="457200" rtl="0"/>
-            <a:endParaRPr lang="en-CA" dirty="0">
-              <a:latin typeface="Century Schoolbook" panose="02040604050505020304" pitchFamily="18" charset="0"/>
-              <a:cs typeface="Calibri" panose="020F0502020204030204" pitchFamily="34" charset="0"/>
-            </a:endParaRPr>
-          </a:p>
-        </p:txBody>
-      </p:sp>
-      <p:sp>
-        <p:nvSpPr>
-          <p:cNvPr id="12" name="TextBox 11">
-            <a:extLst>
-              <a:ext uri="{FF2B5EF4-FFF2-40B4-BE49-F238E27FC236}">
-                <a16:creationId xmlns:a16="http://schemas.microsoft.com/office/drawing/2014/main" id="{6B5E9134-B65C-47A6-A205-3AF18758E22D}"/>
+            <a:r>
+              <a:rPr lang="en-CA" b="1" u="sng" dirty="0"/>
+              <a:t>Number of Covid-19 cases in Ontario</a:t>
+            </a:r>
+          </a:p>
+        </p:txBody>
+      </p:sp>
+      <p:sp>
+        <p:nvSpPr>
+          <p:cNvPr id="13" name="TextBox 12">
+            <a:extLst>
+              <a:ext uri="{FF2B5EF4-FFF2-40B4-BE49-F238E27FC236}">
+                <a16:creationId xmlns:a16="http://schemas.microsoft.com/office/drawing/2014/main" id="{03BC9E14-3541-418A-94C7-2325F6F4D113}"/>
               </a:ext>
             </a:extLst>
           </p:cNvPr>
@@ -9873,8 +10369,8 @@
         </p:nvSpPr>
         <p:spPr>
           <a:xfrm>
-            <a:off x="514587" y="1358002"/>
-            <a:ext cx="6817138" cy="369332"/>
+            <a:off x="1309533" y="4561787"/>
+            <a:ext cx="4284883" cy="646331"/>
           </a:xfrm>
           <a:prstGeom prst="rect">
             <a:avLst/>
@@ -9882,31 +10378,61 @@
           <a:noFill/>
         </p:spPr>
         <p:txBody>
-          <a:bodyPr wrap="square">
+          <a:bodyPr wrap="square" rtlCol="0">
             <a:spAutoFit/>
           </a:bodyPr>
           <a:lstStyle/>
           <a:p>
-            <a:r>
-              <a:rPr lang="en-CA" dirty="0">
-                <a:solidFill>
-                  <a:schemeClr val="bg2">
-                    <a:lumMod val="50000"/>
-                  </a:schemeClr>
-                </a:solidFill>
-                <a:latin typeface="Century Schoolbook" panose="02040604050505020304" pitchFamily="18" charset="0"/>
-              </a:rPr>
-              <a:t>Insights while exploring the data that you didn't anticipate: </a:t>
-            </a:r>
-          </a:p>
-        </p:txBody>
-      </p:sp>
-      <p:sp>
-        <p:nvSpPr>
-          <p:cNvPr id="14" name="TextBox 13">
-            <a:extLst>
-              <a:ext uri="{FF2B5EF4-FFF2-40B4-BE49-F238E27FC236}">
-                <a16:creationId xmlns:a16="http://schemas.microsoft.com/office/drawing/2014/main" id="{50B4CB4D-B695-495E-B072-7DF37C14B4D6}"/>
+            <a:pPr algn="ctr"/>
+            <a:r>
+              <a:rPr lang="en-CA" i="1" dirty="0"/>
+              <a:t>Observation: We can clearly notice the two Covid-19 ‘waves’ in April and October</a:t>
+            </a:r>
+          </a:p>
+        </p:txBody>
+      </p:sp>
+      <p:cxnSp>
+        <p:nvCxnSpPr>
+          <p:cNvPr id="9" name="Straight Connector 8">
+            <a:extLst>
+              <a:ext uri="{FF2B5EF4-FFF2-40B4-BE49-F238E27FC236}">
+                <a16:creationId xmlns:a16="http://schemas.microsoft.com/office/drawing/2014/main" id="{F6D94383-D7F2-4A45-9152-2D57356462F8}"/>
+              </a:ext>
+            </a:extLst>
+          </p:cNvPr>
+          <p:cNvCxnSpPr/>
+          <p:nvPr/>
+        </p:nvCxnSpPr>
+        <p:spPr>
+          <a:xfrm>
+            <a:off x="6119530" y="1208300"/>
+            <a:ext cx="0" cy="4791906"/>
+          </a:xfrm>
+          <a:prstGeom prst="line">
+            <a:avLst/>
+          </a:prstGeom>
+        </p:spPr>
+        <p:style>
+          <a:lnRef idx="1">
+            <a:schemeClr val="accent1"/>
+          </a:lnRef>
+          <a:fillRef idx="0">
+            <a:schemeClr val="accent1"/>
+          </a:fillRef>
+          <a:effectRef idx="0">
+            <a:schemeClr val="accent1"/>
+          </a:effectRef>
+          <a:fontRef idx="minor">
+            <a:schemeClr val="tx1"/>
+          </a:fontRef>
+        </p:style>
+      </p:cxnSp>
+      <p:sp>
+        <p:nvSpPr>
+          <p:cNvPr id="15" name="TextBox 14">
+            <a:extLst>
+              <a:ext uri="{FF2B5EF4-FFF2-40B4-BE49-F238E27FC236}">
+                <a16:creationId xmlns:a16="http://schemas.microsoft.com/office/drawing/2014/main" id="{2FA5C1D9-F1E4-4A7D-BD62-290D8020611D}"/>
               </a:ext>
             </a:extLst>
           </p:cNvPr>
@@ -9915,8 +10441,8 @@
         </p:nvSpPr>
         <p:spPr>
           <a:xfrm>
-            <a:off x="630264" y="4260252"/>
-            <a:ext cx="8028994" cy="369332"/>
+            <a:off x="6987797" y="1129406"/>
+            <a:ext cx="4653461" cy="369332"/>
           </a:xfrm>
           <a:prstGeom prst="rect">
             <a:avLst/>
@@ -9924,54 +10450,24 @@
           <a:noFill/>
         </p:spPr>
         <p:txBody>
-          <a:bodyPr wrap="square">
+          <a:bodyPr wrap="square" rtlCol="0">
             <a:spAutoFit/>
           </a:bodyPr>
           <a:lstStyle/>
           <a:p>
             <a:r>
-              <a:rPr lang="en-CA" dirty="0">
-                <a:solidFill>
-                  <a:schemeClr val="bg2">
-                    <a:lumMod val="50000"/>
-                  </a:schemeClr>
-                </a:solidFill>
-                <a:latin typeface="Century Schoolbook" panose="02040604050505020304" pitchFamily="18" charset="0"/>
-              </a:rPr>
-              <a:t>Problems that arose after exploring data </a:t>
-            </a:r>
-            <a:r>
-              <a:rPr lang="en-CA" b="0" i="0" dirty="0">
-                <a:solidFill>
-                  <a:schemeClr val="bg2">
-                    <a:lumMod val="50000"/>
-                  </a:schemeClr>
-                </a:solidFill>
-                <a:effectLst/>
-                <a:latin typeface="arial" panose="020B0604020202020204" pitchFamily="34" charset="0"/>
-              </a:rPr>
-              <a:t>|  </a:t>
-            </a:r>
-            <a:r>
-              <a:rPr lang="en-CA" dirty="0">
-                <a:solidFill>
-                  <a:schemeClr val="bg2">
-                    <a:lumMod val="50000"/>
-                  </a:schemeClr>
-                </a:solidFill>
-                <a:latin typeface="Century Schoolbook" panose="02040604050505020304" pitchFamily="18" charset="0"/>
-              </a:rPr>
-              <a:t>How we solve them:</a:t>
-            </a:r>
-          </a:p>
-        </p:txBody>
-      </p:sp>
-      <p:sp>
-        <p:nvSpPr>
-          <p:cNvPr id="11" name="TextBox 10">
-            <a:extLst>
-              <a:ext uri="{FF2B5EF4-FFF2-40B4-BE49-F238E27FC236}">
-                <a16:creationId xmlns:a16="http://schemas.microsoft.com/office/drawing/2014/main" id="{1F63FD2A-EE28-4455-8759-FC3A58DA9882}"/>
+              <a:rPr lang="en-CA" b="1" u="sng" dirty="0"/>
+              <a:t>Number of units (i.e. houses) sold in Ontario</a:t>
+            </a:r>
+          </a:p>
+        </p:txBody>
+      </p:sp>
+      <p:sp>
+        <p:nvSpPr>
+          <p:cNvPr id="16" name="TextBox 15">
+            <a:extLst>
+              <a:ext uri="{FF2B5EF4-FFF2-40B4-BE49-F238E27FC236}">
+                <a16:creationId xmlns:a16="http://schemas.microsoft.com/office/drawing/2014/main" id="{6AE1D5BC-2046-4AE5-B0A1-3986771E656A}"/>
               </a:ext>
             </a:extLst>
           </p:cNvPr>
@@ -9980,8 +10476,8 @@
         </p:nvSpPr>
         <p:spPr>
           <a:xfrm>
-            <a:off x="851971" y="4751015"/>
-            <a:ext cx="10488058" cy="677108"/>
+            <a:off x="6987797" y="4561787"/>
+            <a:ext cx="4284883" cy="923330"/>
           </a:xfrm>
           <a:prstGeom prst="rect">
             <a:avLst/>
@@ -9989,50 +10485,53 @@
           <a:noFill/>
         </p:spPr>
         <p:txBody>
-          <a:bodyPr wrap="square">
+          <a:bodyPr wrap="square" rtlCol="0">
             <a:spAutoFit/>
           </a:bodyPr>
           <a:lstStyle/>
           <a:p>
-            <a:pPr marL="457200" rtl="0"/>
-            <a:r>
-              <a:rPr lang="en-CA" sz="1800" b="1" i="0" u="none" strike="noStrike" dirty="0">
-                <a:solidFill>
-                  <a:srgbClr val="000000"/>
-                </a:solidFill>
-                <a:effectLst/>
-                <a:latin typeface="Calibri" panose="020F0502020204030204" pitchFamily="34" charset="0"/>
-              </a:rPr>
-              <a:t> </a:t>
-            </a:r>
-            <a:r>
-              <a:rPr lang="en-CA" sz="2000" b="1" i="0" u="none" strike="noStrike" dirty="0">
-                <a:solidFill>
-                  <a:srgbClr val="000000"/>
-                </a:solidFill>
-                <a:effectLst/>
-                <a:latin typeface="Century Schoolbook" panose="02040604050505020304" pitchFamily="18" charset="0"/>
-              </a:rPr>
-              <a:t>Problems &gt;</a:t>
-            </a:r>
-            <a:endParaRPr lang="en-CA" dirty="0">
-              <a:latin typeface="Century Schoolbook" panose="02040604050505020304" pitchFamily="18" charset="0"/>
-              <a:cs typeface="Calibri" panose="020F0502020204030204" pitchFamily="34" charset="0"/>
-            </a:endParaRPr>
-          </a:p>
-          <a:p>
-            <a:pPr marL="457200" rtl="0"/>
-            <a:endParaRPr lang="en-CA" dirty="0">
-              <a:latin typeface="Century Schoolbook" panose="02040604050505020304" pitchFamily="18" charset="0"/>
-              <a:cs typeface="Calibri" panose="020F0502020204030204" pitchFamily="34" charset="0"/>
-            </a:endParaRPr>
-          </a:p>
-        </p:txBody>
-      </p:sp>
+            <a:pPr algn="ctr"/>
+            <a:r>
+              <a:rPr lang="en-CA" i="1" dirty="0"/>
+              <a:t>Observation: We notice that the number of houses sold has not significantly decreased throughout 2020</a:t>
+            </a:r>
+          </a:p>
+        </p:txBody>
+      </p:sp>
+      <p:pic>
+        <p:nvPicPr>
+          <p:cNvPr id="17" name="Picture 16">
+            <a:extLst>
+              <a:ext uri="{FF2B5EF4-FFF2-40B4-BE49-F238E27FC236}">
+                <a16:creationId xmlns:a16="http://schemas.microsoft.com/office/drawing/2014/main" id="{A0400E0F-C7F3-41A7-AFD8-6F76E06D8542}"/>
+              </a:ext>
+            </a:extLst>
+          </p:cNvPr>
+          <p:cNvPicPr>
+            <a:picLocks noChangeAspect="1"/>
+          </p:cNvPicPr>
+          <p:nvPr/>
+        </p:nvPicPr>
+        <p:blipFill>
+          <a:blip r:embed="rId3"/>
+          <a:stretch>
+            <a:fillRect/>
+          </a:stretch>
+        </p:blipFill>
+        <p:spPr>
+          <a:xfrm>
+            <a:off x="7110465" y="1649882"/>
+            <a:ext cx="4086225" cy="2695575"/>
+          </a:xfrm>
+          <a:prstGeom prst="rect">
+            <a:avLst/>
+          </a:prstGeom>
+        </p:spPr>
+      </p:pic>
     </p:spTree>
     <p:extLst>
       <p:ext uri="{BB962C8B-B14F-4D97-AF65-F5344CB8AC3E}">
-        <p14:creationId xmlns:p14="http://schemas.microsoft.com/office/powerpoint/2010/main" val="976448399"/>
+        <p14:creationId xmlns:p14="http://schemas.microsoft.com/office/powerpoint/2010/main" val="2253571312"/>
       </p:ext>
     </p:extLst>
   </p:cSld>
@@ -10051,6 +10550,139 @@
       </p:transition>
     </mc:Fallback>
   </mc:AlternateContent>
+  <p:timing>
+    <p:tnLst>
+      <p:par>
+        <p:cTn id="1" dur="indefinite" restart="never" nodeType="tmRoot">
+          <p:childTnLst>
+            <p:seq concurrent="1" nextAc="seek">
+              <p:cTn id="2" dur="indefinite" nodeType="mainSeq">
+                <p:childTnLst>
+                  <p:par>
+                    <p:cTn id="3" fill="hold">
+                      <p:stCondLst>
+                        <p:cond delay="indefinite"/>
+                      </p:stCondLst>
+                      <p:childTnLst>
+                        <p:par>
+                          <p:cTn id="4" fill="hold">
+                            <p:stCondLst>
+                              <p:cond delay="0"/>
+                            </p:stCondLst>
+                            <p:childTnLst>
+                              <p:par>
+                                <p:cTn id="5" presetID="1" presetClass="entr" presetSubtype="0" fill="hold" grpId="0" nodeType="clickEffect">
+                                  <p:stCondLst>
+                                    <p:cond delay="0"/>
+                                  </p:stCondLst>
+                                  <p:childTnLst>
+                                    <p:set>
+                                      <p:cBhvr>
+                                        <p:cTn id="6" dur="1" fill="hold">
+                                          <p:stCondLst>
+                                            <p:cond delay="0"/>
+                                          </p:stCondLst>
+                                        </p:cTn>
+                                        <p:tgtEl>
+                                          <p:spTgt spid="15"/>
+                                        </p:tgtEl>
+                                        <p:attrNameLst>
+                                          <p:attrName>style.visibility</p:attrName>
+                                        </p:attrNameLst>
+                                      </p:cBhvr>
+                                      <p:to>
+                                        <p:strVal val="visible"/>
+                                      </p:to>
+                                    </p:set>
+                                  </p:childTnLst>
+                                </p:cTn>
+                              </p:par>
+                              <p:par>
+                                <p:cTn id="7" presetID="1" presetClass="entr" presetSubtype="0" fill="hold" grpId="0" nodeType="withEffect">
+                                  <p:stCondLst>
+                                    <p:cond delay="0"/>
+                                  </p:stCondLst>
+                                  <p:childTnLst>
+                                    <p:set>
+                                      <p:cBhvr>
+                                        <p:cTn id="8" dur="1" fill="hold">
+                                          <p:stCondLst>
+                                            <p:cond delay="0"/>
+                                          </p:stCondLst>
+                                        </p:cTn>
+                                        <p:tgtEl>
+                                          <p:spTgt spid="16"/>
+                                        </p:tgtEl>
+                                        <p:attrNameLst>
+                                          <p:attrName>style.visibility</p:attrName>
+                                        </p:attrNameLst>
+                                      </p:cBhvr>
+                                      <p:to>
+                                        <p:strVal val="visible"/>
+                                      </p:to>
+                                    </p:set>
+                                  </p:childTnLst>
+                                </p:cTn>
+                              </p:par>
+                              <p:par>
+                                <p:cTn id="9" presetID="1" presetClass="entr" presetSubtype="0" fill="hold" nodeType="withEffect">
+                                  <p:stCondLst>
+                                    <p:cond delay="0"/>
+                                  </p:stCondLst>
+                                  <p:childTnLst>
+                                    <p:set>
+                                      <p:cBhvr>
+                                        <p:cTn id="10" dur="1" fill="hold">
+                                          <p:stCondLst>
+                                            <p:cond delay="0"/>
+                                          </p:stCondLst>
+                                        </p:cTn>
+                                        <p:tgtEl>
+                                          <p:spTgt spid="17"/>
+                                        </p:tgtEl>
+                                        <p:attrNameLst>
+                                          <p:attrName>style.visibility</p:attrName>
+                                        </p:attrNameLst>
+                                      </p:cBhvr>
+                                      <p:to>
+                                        <p:strVal val="visible"/>
+                                      </p:to>
+                                    </p:set>
+                                  </p:childTnLst>
+                                </p:cTn>
+                              </p:par>
+                            </p:childTnLst>
+                          </p:cTn>
+                        </p:par>
+                      </p:childTnLst>
+                    </p:cTn>
+                  </p:par>
+                </p:childTnLst>
+              </p:cTn>
+              <p:prevCondLst>
+                <p:cond evt="onPrev" delay="0">
+                  <p:tgtEl>
+                    <p:sldTgt/>
+                  </p:tgtEl>
+                </p:cond>
+              </p:prevCondLst>
+              <p:nextCondLst>
+                <p:cond evt="onNext" delay="0">
+                  <p:tgtEl>
+                    <p:sldTgt/>
+                  </p:tgtEl>
+                </p:cond>
+              </p:nextCondLst>
+            </p:seq>
+          </p:childTnLst>
+        </p:cTn>
+      </p:par>
+    </p:tnLst>
+    <p:bldLst>
+      <p:bldP spid="15" grpId="0"/>
+      <p:bldP spid="16" grpId="0"/>
+    </p:bldLst>
+  </p:timing>
 </p:sld>
 </file>
 
@@ -10161,7 +10793,7 @@
         <p:spPr>
           <a:xfrm>
             <a:off x="630264" y="468786"/>
-            <a:ext cx="8132631" cy="667263"/>
+            <a:ext cx="10891447" cy="667263"/>
           </a:xfrm>
           <a:prstGeom prst="rect">
             <a:avLst/>
@@ -10169,7 +10801,7 @@
         </p:spPr>
         <p:txBody>
           <a:bodyPr vert="horz" lIns="91440" tIns="45720" rIns="91440" bIns="45720" rtlCol="0" anchor="b">
-            <a:normAutofit/>
+            <a:normAutofit fontScale="77500" lnSpcReduction="20000"/>
           </a:bodyPr>
           <a:lstStyle>
             <a:lvl1pPr algn="ctr" defTabSz="914400" rtl="0" eaLnBrk="1" latinLnBrk="0" hangingPunct="1">
@@ -10205,8 +10837,28 @@
                 </a:solidFill>
                 <a:latin typeface="Century Schoolbook" panose="02040604050505020304" pitchFamily="18" charset="0"/>
               </a:rPr>
-              <a:t>Exploration</a:t>
-            </a:r>
+              <a:t>Analysis – Part 1</a:t>
+            </a:r>
+            <a:r>
+              <a:rPr lang="en-US" sz="3400" dirty="0">
+                <a:solidFill>
+                  <a:schemeClr val="accent2">
+                    <a:lumMod val="75000"/>
+                  </a:schemeClr>
+                </a:solidFill>
+                <a:latin typeface="Century Schoolbook" panose="02040604050505020304" pitchFamily="18" charset="0"/>
+                <a:sym typeface="Wingdings" panose="05000000000000000000" pitchFamily="2" charset="2"/>
+              </a:rPr>
+              <a:t> We plot the information we retrieved from our datasets</a:t>
+            </a:r>
+            <a:endParaRPr lang="en-US" sz="3400" dirty="0">
+              <a:solidFill>
+                <a:schemeClr val="accent2">
+                  <a:lumMod val="75000"/>
+                </a:schemeClr>
+              </a:solidFill>
+              <a:latin typeface="Century Schoolbook" panose="02040604050505020304" pitchFamily="18" charset="0"/>
+            </a:endParaRPr>
           </a:p>
         </p:txBody>
       </p:sp>
@@ -10251,7 +10903,7 @@
           <p:cNvPr id="13" name="TextBox 12">
             <a:extLst>
               <a:ext uri="{FF2B5EF4-FFF2-40B4-BE49-F238E27FC236}">
-                <a16:creationId xmlns:a16="http://schemas.microsoft.com/office/drawing/2014/main" id="{0AE89165-76A7-40BD-93AD-5C6E3B13B88B}"/>
+                <a16:creationId xmlns:a16="http://schemas.microsoft.com/office/drawing/2014/main" id="{03BC9E14-3541-418A-94C7-2325F6F4D113}"/>
               </a:ext>
             </a:extLst>
           </p:cNvPr>
@@ -10260,8 +10912,8 @@
         </p:nvSpPr>
         <p:spPr>
           <a:xfrm>
-            <a:off x="630264" y="1725973"/>
-            <a:ext cx="6312664" cy="400110"/>
+            <a:off x="1309533" y="4561787"/>
+            <a:ext cx="4284883" cy="1477328"/>
           </a:xfrm>
           <a:prstGeom prst="rect">
             <a:avLst/>
@@ -10269,26 +10921,132 @@
           <a:noFill/>
         </p:spPr>
         <p:txBody>
-          <a:bodyPr wrap="square">
+          <a:bodyPr wrap="square" rtlCol="0">
             <a:spAutoFit/>
           </a:bodyPr>
           <a:lstStyle/>
           <a:p>
-            <a:r>
-              <a:rPr lang="en-CA" sz="2000" dirty="0">
-                <a:latin typeface="Century Schoolbook" panose="02040604050505020304" pitchFamily="18" charset="0"/>
-              </a:rPr>
-              <a:t>Interesting figures developed during exploration:</a:t>
-            </a:r>
-          </a:p>
-        </p:txBody>
-      </p:sp>
-      <p:sp>
-        <p:nvSpPr>
-          <p:cNvPr id="15" name="TextBox 14">
-            <a:extLst>
-              <a:ext uri="{FF2B5EF4-FFF2-40B4-BE49-F238E27FC236}">
-                <a16:creationId xmlns:a16="http://schemas.microsoft.com/office/drawing/2014/main" id="{9D00CB6A-9BD1-4015-9156-C064F456FBED}"/>
+            <a:pPr algn="ctr"/>
+            <a:r>
+              <a:rPr lang="en-CA" i="1" dirty="0"/>
+              <a:t>Observation: There is a decrease in the average house price in July 2020. </a:t>
+            </a:r>
+          </a:p>
+          <a:p>
+            <a:pPr algn="ctr"/>
+            <a:endParaRPr lang="en-CA" i="1" dirty="0"/>
+          </a:p>
+          <a:p>
+            <a:pPr algn="ctr"/>
+            <a:r>
+              <a:rPr lang="en-CA" i="1" dirty="0"/>
+              <a:t>Question: Is it correlated with COVID-19 cases?  </a:t>
+            </a:r>
+          </a:p>
+        </p:txBody>
+      </p:sp>
+      <p:cxnSp>
+        <p:nvCxnSpPr>
+          <p:cNvPr id="9" name="Straight Connector 8">
+            <a:extLst>
+              <a:ext uri="{FF2B5EF4-FFF2-40B4-BE49-F238E27FC236}">
+                <a16:creationId xmlns:a16="http://schemas.microsoft.com/office/drawing/2014/main" id="{F6D94383-D7F2-4A45-9152-2D57356462F8}"/>
+              </a:ext>
+            </a:extLst>
+          </p:cNvPr>
+          <p:cNvCxnSpPr/>
+          <p:nvPr/>
+        </p:nvCxnSpPr>
+        <p:spPr>
+          <a:xfrm>
+            <a:off x="6119530" y="1208300"/>
+            <a:ext cx="0" cy="4791906"/>
+          </a:xfrm>
+          <a:prstGeom prst="line">
+            <a:avLst/>
+          </a:prstGeom>
+        </p:spPr>
+        <p:style>
+          <a:lnRef idx="1">
+            <a:schemeClr val="accent1"/>
+          </a:lnRef>
+          <a:fillRef idx="0">
+            <a:schemeClr val="accent1"/>
+          </a:fillRef>
+          <a:effectRef idx="0">
+            <a:schemeClr val="accent1"/>
+          </a:effectRef>
+          <a:fontRef idx="minor">
+            <a:schemeClr val="tx1"/>
+          </a:fontRef>
+        </p:style>
+      </p:cxnSp>
+      <p:pic>
+        <p:nvPicPr>
+          <p:cNvPr id="12" name="Picture 11">
+            <a:extLst>
+              <a:ext uri="{FF2B5EF4-FFF2-40B4-BE49-F238E27FC236}">
+                <a16:creationId xmlns:a16="http://schemas.microsoft.com/office/drawing/2014/main" id="{043DEC34-A447-4FFD-B988-A24C9943B3AF}"/>
+              </a:ext>
+            </a:extLst>
+          </p:cNvPr>
+          <p:cNvPicPr>
+            <a:picLocks noChangeAspect="1"/>
+          </p:cNvPicPr>
+          <p:nvPr/>
+        </p:nvPicPr>
+        <p:blipFill>
+          <a:blip r:embed="rId2"/>
+          <a:stretch>
+            <a:fillRect/>
+          </a:stretch>
+        </p:blipFill>
+        <p:spPr>
+          <a:xfrm>
+            <a:off x="995310" y="1568384"/>
+            <a:ext cx="4561978" cy="2930400"/>
+          </a:xfrm>
+          <a:prstGeom prst="rect">
+            <a:avLst/>
+          </a:prstGeom>
+        </p:spPr>
+      </p:pic>
+      <p:pic>
+        <p:nvPicPr>
+          <p:cNvPr id="3" name="Picture 2">
+            <a:extLst>
+              <a:ext uri="{FF2B5EF4-FFF2-40B4-BE49-F238E27FC236}">
+                <a16:creationId xmlns:a16="http://schemas.microsoft.com/office/drawing/2014/main" id="{7C4B86B0-DDC2-477D-AA0F-97788F7BA1F4}"/>
+              </a:ext>
+            </a:extLst>
+          </p:cNvPr>
+          <p:cNvPicPr>
+            <a:picLocks noChangeAspect="1"/>
+          </p:cNvPicPr>
+          <p:nvPr/>
+        </p:nvPicPr>
+        <p:blipFill>
+          <a:blip r:embed="rId3"/>
+          <a:stretch>
+            <a:fillRect/>
+          </a:stretch>
+        </p:blipFill>
+        <p:spPr>
+          <a:xfrm>
+            <a:off x="6827791" y="1503069"/>
+            <a:ext cx="4284867" cy="2836461"/>
+          </a:xfrm>
+          <a:prstGeom prst="rect">
+            <a:avLst/>
+          </a:prstGeom>
+        </p:spPr>
+      </p:pic>
+      <p:sp>
+        <p:nvSpPr>
+          <p:cNvPr id="10" name="TextBox 9">
+            <a:extLst>
+              <a:ext uri="{FF2B5EF4-FFF2-40B4-BE49-F238E27FC236}">
+                <a16:creationId xmlns:a16="http://schemas.microsoft.com/office/drawing/2014/main" id="{F17F553D-05B6-42B1-8FE4-9DAAB174BE5F}"/>
               </a:ext>
             </a:extLst>
           </p:cNvPr>
@@ -10297,8 +11055,8 @@
         </p:nvSpPr>
         <p:spPr>
           <a:xfrm>
-            <a:off x="6533003" y="1783307"/>
-            <a:ext cx="2818202" cy="369332"/>
+            <a:off x="6827791" y="4561787"/>
+            <a:ext cx="4284883" cy="646331"/>
           </a:xfrm>
           <a:prstGeom prst="rect">
             <a:avLst/>
@@ -10306,44 +11064,25 @@
           <a:noFill/>
         </p:spPr>
         <p:txBody>
-          <a:bodyPr wrap="square">
+          <a:bodyPr wrap="square" rtlCol="0">
             <a:spAutoFit/>
           </a:bodyPr>
           <a:lstStyle/>
           <a:p>
-            <a:r>
-              <a:rPr lang="en-CA" dirty="0">
-                <a:latin typeface="Century Schoolbook" panose="02040604050505020304" pitchFamily="18" charset="0"/>
-                <a:hlinkClick r:id="rId2"/>
-              </a:rPr>
-              <a:t>Final </a:t>
-            </a:r>
-            <a:r>
-              <a:rPr lang="en-CA" dirty="0" err="1">
-                <a:latin typeface="Century Schoolbook" panose="02040604050505020304" pitchFamily="18" charset="0"/>
-                <a:hlinkClick r:id="rId2"/>
-              </a:rPr>
-              <a:t>Jupyter</a:t>
-            </a:r>
-            <a:r>
-              <a:rPr lang="en-CA" dirty="0">
-                <a:latin typeface="Century Schoolbook" panose="02040604050505020304" pitchFamily="18" charset="0"/>
-                <a:hlinkClick r:id="rId2"/>
-              </a:rPr>
-              <a:t> Notebook</a:t>
-            </a:r>
-            <a:endParaRPr lang="en-CA" dirty="0">
-              <a:latin typeface="Century Schoolbook" panose="02040604050505020304" pitchFamily="18" charset="0"/>
-            </a:endParaRPr>
-          </a:p>
-        </p:txBody>
-      </p:sp>
-      <p:sp>
-        <p:nvSpPr>
-          <p:cNvPr id="8" name="TextBox 7">
-            <a:extLst>
-              <a:ext uri="{FF2B5EF4-FFF2-40B4-BE49-F238E27FC236}">
-                <a16:creationId xmlns:a16="http://schemas.microsoft.com/office/drawing/2014/main" id="{AE7A7980-DB70-4A81-9B72-5C8B97A14EFA}"/>
+            <a:pPr algn="ctr"/>
+            <a:r>
+              <a:rPr lang="en-CA" i="1" dirty="0"/>
+              <a:t>Observation: It is clear that the mortgage rate is lower in 2020 vs. 2019</a:t>
+            </a:r>
+          </a:p>
+        </p:txBody>
+      </p:sp>
+      <p:sp>
+        <p:nvSpPr>
+          <p:cNvPr id="11" name="TextBox 10">
+            <a:extLst>
+              <a:ext uri="{FF2B5EF4-FFF2-40B4-BE49-F238E27FC236}">
+                <a16:creationId xmlns:a16="http://schemas.microsoft.com/office/drawing/2014/main" id="{DF7BC8AA-7978-40E4-85B6-844DF037DC97}"/>
               </a:ext>
             </a:extLst>
           </p:cNvPr>
@@ -10352,8 +11091,8 @@
         </p:nvSpPr>
         <p:spPr>
           <a:xfrm>
-            <a:off x="630264" y="2523264"/>
-            <a:ext cx="10344839" cy="954107"/>
+            <a:off x="1945780" y="1136049"/>
+            <a:ext cx="3052082" cy="369332"/>
           </a:xfrm>
           <a:prstGeom prst="rect">
             <a:avLst/>
@@ -10361,182 +11100,57 @@
           <a:noFill/>
         </p:spPr>
         <p:txBody>
-          <a:bodyPr wrap="square">
+          <a:bodyPr wrap="square" rtlCol="0">
             <a:spAutoFit/>
           </a:bodyPr>
           <a:lstStyle/>
           <a:p>
-            <a:pPr marL="457200" rtl="0"/>
-            <a:br>
-              <a:rPr lang="en-CA" sz="1800" b="1" i="0" u="none" strike="noStrike" dirty="0">
-                <a:solidFill>
-                  <a:srgbClr val="000000"/>
-                </a:solidFill>
-                <a:effectLst/>
-                <a:latin typeface="Calibri" panose="020F0502020204030204" pitchFamily="34" charset="0"/>
-              </a:rPr>
-            </a:br>
-            <a:r>
-              <a:rPr lang="en-CA" sz="2000" b="1" dirty="0">
-                <a:solidFill>
-                  <a:srgbClr val="000000"/>
-                </a:solidFill>
-                <a:latin typeface="Century Schoolbook" panose="02040604050505020304" pitchFamily="18" charset="0"/>
-              </a:rPr>
-              <a:t>Figures </a:t>
-            </a:r>
-            <a:r>
-              <a:rPr lang="en-CA" sz="2000" b="1" i="0" u="none" strike="noStrike" dirty="0">
-                <a:solidFill>
-                  <a:srgbClr val="000000"/>
-                </a:solidFill>
-                <a:effectLst/>
-                <a:latin typeface="Century Schoolbook" panose="02040604050505020304" pitchFamily="18" charset="0"/>
-              </a:rPr>
-              <a:t>Summary </a:t>
-            </a:r>
-            <a:br>
-              <a:rPr lang="en-CA" dirty="0"/>
-            </a:br>
-            <a:endParaRPr lang="en-CA" dirty="0"/>
-          </a:p>
-        </p:txBody>
-      </p:sp>
-      <p:graphicFrame>
-        <p:nvGraphicFramePr>
-          <p:cNvPr id="17" name="Table 17">
-            <a:extLst>
-              <a:ext uri="{FF2B5EF4-FFF2-40B4-BE49-F238E27FC236}">
-                <a16:creationId xmlns:a16="http://schemas.microsoft.com/office/drawing/2014/main" id="{E2F87133-7B91-4EE4-9637-D45444B9651F}"/>
-              </a:ext>
-            </a:extLst>
-          </p:cNvPr>
-          <p:cNvGraphicFramePr>
-            <a:graphicFrameLocks noGrp="1"/>
-          </p:cNvGraphicFramePr>
-          <p:nvPr>
-            <p:extLst>
-              <p:ext uri="{D42A27DB-BD31-4B8C-83A1-F6EECF244321}">
-                <p14:modId xmlns:p14="http://schemas.microsoft.com/office/powerpoint/2010/main" val="3358125800"/>
-              </p:ext>
-            </p:extLst>
-          </p:nvPr>
-        </p:nvGraphicFramePr>
-        <p:xfrm>
-          <a:off x="1584314" y="3359513"/>
-          <a:ext cx="8128000" cy="1112520"/>
-        </p:xfrm>
-        <a:graphic>
-          <a:graphicData uri="http://schemas.openxmlformats.org/drawingml/2006/table">
-            <a:tbl>
-              <a:tblPr firstRow="1" bandRow="1">
-                <a:tableStyleId>{21E4AEA4-8DFA-4A89-87EB-49C32662AFE0}</a:tableStyleId>
-              </a:tblPr>
-              <a:tblGrid>
-                <a:gridCol w="4064000">
-                  <a:extLst>
-                    <a:ext uri="{9D8B030D-6E8A-4147-A177-3AD203B41FA5}">
-                      <a16:colId xmlns:a16="http://schemas.microsoft.com/office/drawing/2014/main" val="4250318149"/>
-                    </a:ext>
-                  </a:extLst>
-                </a:gridCol>
-                <a:gridCol w="4064000">
-                  <a:extLst>
-                    <a:ext uri="{9D8B030D-6E8A-4147-A177-3AD203B41FA5}">
-                      <a16:colId xmlns:a16="http://schemas.microsoft.com/office/drawing/2014/main" val="4157212451"/>
-                    </a:ext>
-                  </a:extLst>
-                </a:gridCol>
-              </a:tblGrid>
-              <a:tr h="370840">
-                <a:tc>
-                  <a:txBody>
-                    <a:bodyPr/>
-                    <a:lstStyle/>
-                    <a:p>
-                      <a:endParaRPr lang="en-CA" dirty="0"/>
-                    </a:p>
-                  </a:txBody>
-                  <a:tcPr/>
-                </a:tc>
-                <a:tc>
-                  <a:txBody>
-                    <a:bodyPr/>
-                    <a:lstStyle/>
-                    <a:p>
-                      <a:endParaRPr lang="en-CA"/>
-                    </a:p>
-                  </a:txBody>
-                  <a:tcPr/>
-                </a:tc>
-                <a:extLst>
-                  <a:ext uri="{0D108BD9-81ED-4DB2-BD59-A6C34878D82A}">
-                    <a16:rowId xmlns:a16="http://schemas.microsoft.com/office/drawing/2014/main" val="1468962831"/>
-                  </a:ext>
-                </a:extLst>
-              </a:tr>
-              <a:tr h="370840">
-                <a:tc>
-                  <a:txBody>
-                    <a:bodyPr/>
-                    <a:lstStyle/>
-                    <a:p>
-                      <a:endParaRPr lang="en-CA" dirty="0"/>
-                    </a:p>
-                  </a:txBody>
-                  <a:tcPr/>
-                </a:tc>
-                <a:tc>
-                  <a:txBody>
-                    <a:bodyPr/>
-                    <a:lstStyle/>
-                    <a:p>
-                      <a:endParaRPr lang="en-CA"/>
-                    </a:p>
-                  </a:txBody>
-                  <a:tcPr/>
-                </a:tc>
-                <a:extLst>
-                  <a:ext uri="{0D108BD9-81ED-4DB2-BD59-A6C34878D82A}">
-                    <a16:rowId xmlns:a16="http://schemas.microsoft.com/office/drawing/2014/main" val="3756493888"/>
-                  </a:ext>
-                </a:extLst>
-              </a:tr>
-              <a:tr h="370840">
-                <a:tc>
-                  <a:txBody>
-                    <a:bodyPr/>
-                    <a:lstStyle/>
-                    <a:p>
-                      <a:endParaRPr lang="en-CA"/>
-                    </a:p>
-                  </a:txBody>
-                  <a:tcPr/>
-                </a:tc>
-                <a:tc>
-                  <a:txBody>
-                    <a:bodyPr/>
-                    <a:lstStyle/>
-                    <a:p>
-                      <a:endParaRPr lang="en-CA" dirty="0"/>
-                    </a:p>
-                  </a:txBody>
-                  <a:tcPr/>
-                </a:tc>
-                <a:extLst>
-                  <a:ext uri="{0D108BD9-81ED-4DB2-BD59-A6C34878D82A}">
-                    <a16:rowId xmlns:a16="http://schemas.microsoft.com/office/drawing/2014/main" val="3596268837"/>
-                  </a:ext>
-                </a:extLst>
-              </a:tr>
-            </a:tbl>
-          </a:graphicData>
-        </a:graphic>
-      </p:graphicFrame>
+            <a:r>
+              <a:rPr lang="en-CA" b="1" u="sng" dirty="0"/>
+              <a:t>House prices in 2019 vs. 2020</a:t>
+            </a:r>
+          </a:p>
+        </p:txBody>
+      </p:sp>
+      <p:sp>
+        <p:nvSpPr>
+          <p:cNvPr id="14" name="TextBox 13">
+            <a:extLst>
+              <a:ext uri="{FF2B5EF4-FFF2-40B4-BE49-F238E27FC236}">
+                <a16:creationId xmlns:a16="http://schemas.microsoft.com/office/drawing/2014/main" id="{0B8E38B4-E876-4083-8022-1140FB848208}"/>
+              </a:ext>
+            </a:extLst>
+          </p:cNvPr>
+          <p:cNvSpPr txBox="1"/>
+          <p:nvPr/>
+        </p:nvSpPr>
+        <p:spPr>
+          <a:xfrm>
+            <a:off x="7399085" y="1133736"/>
+            <a:ext cx="3142278" cy="369332"/>
+          </a:xfrm>
+          <a:prstGeom prst="rect">
+            <a:avLst/>
+          </a:prstGeom>
+          <a:noFill/>
+        </p:spPr>
+        <p:txBody>
+          <a:bodyPr wrap="square" rtlCol="0">
+            <a:spAutoFit/>
+          </a:bodyPr>
+          <a:lstStyle/>
+          <a:p>
+            <a:r>
+              <a:rPr lang="en-CA" b="1" u="sng" dirty="0"/>
+              <a:t>Mortgage rate in 2019 vs. 2020</a:t>
+            </a:r>
+          </a:p>
+        </p:txBody>
+      </p:sp>
     </p:spTree>
     <p:extLst>
       <p:ext uri="{BB962C8B-B14F-4D97-AF65-F5344CB8AC3E}">
-        <p14:creationId xmlns:p14="http://schemas.microsoft.com/office/powerpoint/2010/main" val="438456063"/>
+        <p14:creationId xmlns:p14="http://schemas.microsoft.com/office/powerpoint/2010/main" val="3100066133"/>
       </p:ext>
     </p:extLst>
   </p:cSld>
@@ -10577,112 +11191,10 @@
       </p:grpSpPr>
       <p:sp>
         <p:nvSpPr>
-          <p:cNvPr id="4" name="Title 1">
-            <a:extLst>
-              <a:ext uri="{FF2B5EF4-FFF2-40B4-BE49-F238E27FC236}">
-                <a16:creationId xmlns:a16="http://schemas.microsoft.com/office/drawing/2014/main" id="{50DF5C7B-714C-44DC-B49A-F16BE5E80C8B}"/>
-              </a:ext>
-            </a:extLst>
-          </p:cNvPr>
-          <p:cNvSpPr txBox="1">
-            <a:spLocks/>
-          </p:cNvSpPr>
-          <p:nvPr/>
-        </p:nvSpPr>
-        <p:spPr>
-          <a:xfrm>
-            <a:off x="424920" y="330535"/>
-            <a:ext cx="5535205" cy="935510"/>
-          </a:xfrm>
-          <a:prstGeom prst="rect">
-            <a:avLst/>
-          </a:prstGeom>
-        </p:spPr>
-        <p:txBody>
-          <a:bodyPr vert="horz" lIns="91440" tIns="45720" rIns="91440" bIns="45720" rtlCol="0" anchor="b">
-            <a:normAutofit/>
-          </a:bodyPr>
-          <a:lstStyle>
-            <a:lvl1pPr algn="ctr" defTabSz="914400" rtl="0" eaLnBrk="1" latinLnBrk="0" hangingPunct="1">
-              <a:lnSpc>
-                <a:spcPct val="90000"/>
-              </a:lnSpc>
-              <a:spcBef>
-                <a:spcPct val="0"/>
-              </a:spcBef>
-              <a:buNone/>
-              <a:defRPr sz="6000" kern="1200">
-                <a:solidFill>
-                  <a:schemeClr val="tx1"/>
-                </a:solidFill>
-                <a:latin typeface="+mj-lt"/>
-                <a:ea typeface="+mj-ea"/>
-                <a:cs typeface="+mj-cs"/>
-              </a:defRPr>
-            </a:lvl1pPr>
-          </a:lstStyle>
-          <a:p>
-            <a:pPr algn="l">
-              <a:spcBef>
-                <a:spcPts val="600"/>
-              </a:spcBef>
-              <a:spcAft>
-                <a:spcPts val="600"/>
-              </a:spcAft>
-            </a:pPr>
-            <a:r>
-              <a:rPr lang="en-US" sz="3400" dirty="0">
-                <a:solidFill>
-                  <a:schemeClr val="accent6"/>
-                </a:solidFill>
-                <a:latin typeface="Century Schoolbook" panose="02040604050505020304" pitchFamily="18" charset="0"/>
-              </a:rPr>
-              <a:t>Findings</a:t>
-            </a:r>
-          </a:p>
-        </p:txBody>
-      </p:sp>
-      <p:pic>
-        <p:nvPicPr>
-          <p:cNvPr id="8" name="Picture 7" descr="A picture containing diagram&#10;&#10;Description automatically generated">
-            <a:extLst>
-              <a:ext uri="{FF2B5EF4-FFF2-40B4-BE49-F238E27FC236}">
-                <a16:creationId xmlns:a16="http://schemas.microsoft.com/office/drawing/2014/main" id="{7314AAE1-4A8B-4769-9B85-F4F77C3FA243}"/>
-              </a:ext>
-            </a:extLst>
-          </p:cNvPr>
-          <p:cNvPicPr>
-            <a:picLocks noChangeAspect="1"/>
-          </p:cNvPicPr>
-          <p:nvPr/>
-        </p:nvPicPr>
-        <p:blipFill rotWithShape="1">
-          <a:blip r:embed="rId2">
-            <a:extLst>
-              <a:ext uri="{28A0092B-C50C-407E-A947-70E740481C1C}">
-                <a14:useLocalDpi xmlns:a14="http://schemas.microsoft.com/office/drawing/2010/main" val="0"/>
-              </a:ext>
-            </a:extLst>
-          </a:blip>
-          <a:srcRect l="4257" t="23094" r="65929" b="35362"/>
-          <a:stretch/>
-        </p:blipFill>
-        <p:spPr>
-          <a:xfrm>
-            <a:off x="10176498" y="0"/>
-            <a:ext cx="2015502" cy="1604836"/>
-          </a:xfrm>
-          <a:prstGeom prst="rect">
-            <a:avLst/>
-          </a:prstGeom>
-        </p:spPr>
-      </p:pic>
-      <p:sp>
-        <p:nvSpPr>
-          <p:cNvPr id="10" name="Rectangle 9">
-            <a:extLst>
-              <a:ext uri="{FF2B5EF4-FFF2-40B4-BE49-F238E27FC236}">
-                <a16:creationId xmlns:a16="http://schemas.microsoft.com/office/drawing/2014/main" id="{EADA0E04-8858-4EB2-A55F-CD4DAD514B83}"/>
+          <p:cNvPr id="2" name="Rectangle 1">
+            <a:extLst>
+              <a:ext uri="{FF2B5EF4-FFF2-40B4-BE49-F238E27FC236}">
+                <a16:creationId xmlns:a16="http://schemas.microsoft.com/office/drawing/2014/main" id="{EEE071ED-06F3-4D4B-A393-6B931DD1EBE1}"/>
               </a:ext>
             </a:extLst>
           </p:cNvPr>
@@ -10752,10 +11264,132 @@
       </p:sp>
       <p:sp>
         <p:nvSpPr>
-          <p:cNvPr id="7" name="TextBox 6">
-            <a:extLst>
-              <a:ext uri="{FF2B5EF4-FFF2-40B4-BE49-F238E27FC236}">
-                <a16:creationId xmlns:a16="http://schemas.microsoft.com/office/drawing/2014/main" id="{362594AB-54A2-4EAB-B654-C341286EBCB8}"/>
+          <p:cNvPr id="4" name="Title 1">
+            <a:extLst>
+              <a:ext uri="{FF2B5EF4-FFF2-40B4-BE49-F238E27FC236}">
+                <a16:creationId xmlns:a16="http://schemas.microsoft.com/office/drawing/2014/main" id="{50DF5C7B-714C-44DC-B49A-F16BE5E80C8B}"/>
+              </a:ext>
+            </a:extLst>
+          </p:cNvPr>
+          <p:cNvSpPr txBox="1">
+            <a:spLocks/>
+          </p:cNvSpPr>
+          <p:nvPr/>
+        </p:nvSpPr>
+        <p:spPr>
+          <a:xfrm>
+            <a:off x="630264" y="468786"/>
+            <a:ext cx="10891447" cy="667263"/>
+          </a:xfrm>
+          <a:prstGeom prst="rect">
+            <a:avLst/>
+          </a:prstGeom>
+        </p:spPr>
+        <p:txBody>
+          <a:bodyPr vert="horz" lIns="91440" tIns="45720" rIns="91440" bIns="45720" rtlCol="0" anchor="b">
+            <a:normAutofit fontScale="77500" lnSpcReduction="20000"/>
+          </a:bodyPr>
+          <a:lstStyle>
+            <a:lvl1pPr algn="ctr" defTabSz="914400" rtl="0" eaLnBrk="1" latinLnBrk="0" hangingPunct="1">
+              <a:lnSpc>
+                <a:spcPct val="90000"/>
+              </a:lnSpc>
+              <a:spcBef>
+                <a:spcPct val="0"/>
+              </a:spcBef>
+              <a:buNone/>
+              <a:defRPr sz="6000" kern="1200">
+                <a:solidFill>
+                  <a:schemeClr val="tx1"/>
+                </a:solidFill>
+                <a:latin typeface="+mj-lt"/>
+                <a:ea typeface="+mj-ea"/>
+                <a:cs typeface="+mj-cs"/>
+              </a:defRPr>
+            </a:lvl1pPr>
+          </a:lstStyle>
+          <a:p>
+            <a:pPr algn="l">
+              <a:spcBef>
+                <a:spcPts val="1200"/>
+              </a:spcBef>
+            </a:pPr>
+            <a:r>
+              <a:rPr lang="en-US" sz="3400" dirty="0">
+                <a:solidFill>
+                  <a:schemeClr val="accent2">
+                    <a:lumMod val="75000"/>
+                  </a:schemeClr>
+                </a:solidFill>
+                <a:latin typeface="Century Schoolbook" panose="02040604050505020304" pitchFamily="18" charset="0"/>
+              </a:rPr>
+              <a:t>Analysis – Part 1</a:t>
+            </a:r>
+            <a:r>
+              <a:rPr lang="en-US" sz="3400" dirty="0">
+                <a:solidFill>
+                  <a:schemeClr val="accent2">
+                    <a:lumMod val="75000"/>
+                  </a:schemeClr>
+                </a:solidFill>
+                <a:latin typeface="Century Schoolbook" panose="02040604050505020304" pitchFamily="18" charset="0"/>
+                <a:sym typeface="Wingdings" panose="05000000000000000000" pitchFamily="2" charset="2"/>
+              </a:rPr>
+              <a:t> We plot the information we retrieved from our datasets</a:t>
+            </a:r>
+            <a:endParaRPr lang="en-US" sz="3400" dirty="0">
+              <a:solidFill>
+                <a:schemeClr val="accent2">
+                  <a:lumMod val="75000"/>
+                </a:schemeClr>
+              </a:solidFill>
+              <a:latin typeface="Century Schoolbook" panose="02040604050505020304" pitchFamily="18" charset="0"/>
+            </a:endParaRPr>
+          </a:p>
+        </p:txBody>
+      </p:sp>
+      <p:cxnSp>
+        <p:nvCxnSpPr>
+          <p:cNvPr id="7" name="Straight Connector 6">
+            <a:extLst>
+              <a:ext uri="{FF2B5EF4-FFF2-40B4-BE49-F238E27FC236}">
+                <a16:creationId xmlns:a16="http://schemas.microsoft.com/office/drawing/2014/main" id="{A4C14B66-1E57-4EB1-92A2-8390733AD1D5}"/>
+              </a:ext>
+            </a:extLst>
+          </p:cNvPr>
+          <p:cNvCxnSpPr/>
+          <p:nvPr/>
+        </p:nvCxnSpPr>
+        <p:spPr>
+          <a:xfrm>
+            <a:off x="209320" y="1136049"/>
+            <a:ext cx="11501610" cy="0"/>
+          </a:xfrm>
+          <a:prstGeom prst="line">
+            <a:avLst/>
+          </a:prstGeom>
+        </p:spPr>
+        <p:style>
+          <a:lnRef idx="1">
+            <a:schemeClr val="accent2"/>
+          </a:lnRef>
+          <a:fillRef idx="0">
+            <a:schemeClr val="accent2"/>
+          </a:fillRef>
+          <a:effectRef idx="0">
+            <a:schemeClr val="accent2"/>
+          </a:effectRef>
+          <a:fontRef idx="minor">
+            <a:schemeClr val="tx1"/>
+          </a:fontRef>
+        </p:style>
+      </p:cxnSp>
+      <p:sp>
+        <p:nvSpPr>
+          <p:cNvPr id="13" name="TextBox 12">
+            <a:extLst>
+              <a:ext uri="{FF2B5EF4-FFF2-40B4-BE49-F238E27FC236}">
+                <a16:creationId xmlns:a16="http://schemas.microsoft.com/office/drawing/2014/main" id="{03BC9E14-3541-418A-94C7-2325F6F4D113}"/>
               </a:ext>
             </a:extLst>
           </p:cNvPr>
@@ -10764,8 +11398,8 @@
         </p:nvSpPr>
         <p:spPr>
           <a:xfrm>
-            <a:off x="1305338" y="1971378"/>
-            <a:ext cx="8156713" cy="2862322"/>
+            <a:off x="1309533" y="4561787"/>
+            <a:ext cx="4284883" cy="1477328"/>
           </a:xfrm>
           <a:prstGeom prst="rect">
             <a:avLst/>
@@ -10773,101 +11407,228 @@
           <a:noFill/>
         </p:spPr>
         <p:txBody>
-          <a:bodyPr wrap="square">
+          <a:bodyPr wrap="square" rtlCol="0">
             <a:spAutoFit/>
           </a:bodyPr>
           <a:lstStyle/>
           <a:p>
-            <a:pPr marL="285750" indent="-285750">
-              <a:buFont typeface="Wingdings" panose="05000000000000000000" pitchFamily="2" charset="2"/>
-              <a:buChar char="§"/>
-            </a:pPr>
-            <a:r>
-              <a:rPr lang="en-CA" dirty="0">
-                <a:latin typeface="Century Schoolbook" panose="02040604050505020304" pitchFamily="18" charset="0"/>
-                <a:cs typeface="Calibri" panose="020F0502020204030204" pitchFamily="34" charset="0"/>
-              </a:rPr>
-              <a:t>We can observe weak correlation between increasing number of cases and number of houses sold as well as average prices</a:t>
-            </a:r>
-          </a:p>
-          <a:p>
-            <a:pPr marL="285750" indent="-285750">
-              <a:buFont typeface="Wingdings" panose="05000000000000000000" pitchFamily="2" charset="2"/>
-              <a:buChar char="§"/>
-            </a:pPr>
-            <a:endParaRPr lang="en-CA" dirty="0">
-              <a:latin typeface="Century Schoolbook" panose="02040604050505020304" pitchFamily="18" charset="0"/>
-              <a:cs typeface="Calibri" panose="020F0502020204030204" pitchFamily="34" charset="0"/>
-            </a:endParaRPr>
-          </a:p>
-          <a:p>
-            <a:pPr marL="285750" indent="-285750">
-              <a:buFont typeface="Wingdings" panose="05000000000000000000" pitchFamily="2" charset="2"/>
-              <a:buChar char="§"/>
-            </a:pPr>
-            <a:endParaRPr lang="en-CA" dirty="0">
-              <a:latin typeface="Century Schoolbook" panose="02040604050505020304" pitchFamily="18" charset="0"/>
-              <a:cs typeface="Calibri" panose="020F0502020204030204" pitchFamily="34" charset="0"/>
-            </a:endParaRPr>
-          </a:p>
-          <a:p>
-            <a:pPr marL="285750" indent="-285750">
-              <a:buFont typeface="Wingdings" panose="05000000000000000000" pitchFamily="2" charset="2"/>
-              <a:buChar char="§"/>
-            </a:pPr>
-            <a:r>
-              <a:rPr lang="en-CA" dirty="0">
-                <a:latin typeface="Century Schoolbook" panose="02040604050505020304" pitchFamily="18" charset="0"/>
-                <a:cs typeface="Calibri" panose="020F0502020204030204" pitchFamily="34" charset="0"/>
-              </a:rPr>
-              <a:t>The correlation between estimated mortgage rate is strong which is a result of banking response for the current situation</a:t>
-            </a:r>
-          </a:p>
-          <a:p>
-            <a:pPr marL="285750" indent="-285750">
-              <a:buFont typeface="Wingdings" panose="05000000000000000000" pitchFamily="2" charset="2"/>
-              <a:buChar char="§"/>
-            </a:pPr>
-            <a:endParaRPr lang="en-CA" dirty="0">
-              <a:latin typeface="Century Schoolbook" panose="02040604050505020304" pitchFamily="18" charset="0"/>
-              <a:cs typeface="Calibri" panose="020F0502020204030204" pitchFamily="34" charset="0"/>
-            </a:endParaRPr>
-          </a:p>
-          <a:p>
-            <a:pPr marL="285750" indent="-285750">
-              <a:buFont typeface="Wingdings" panose="05000000000000000000" pitchFamily="2" charset="2"/>
-              <a:buChar char="§"/>
-            </a:pPr>
-            <a:endParaRPr lang="en-CA" dirty="0">
-              <a:latin typeface="Century Schoolbook" panose="02040604050505020304" pitchFamily="18" charset="0"/>
-              <a:cs typeface="Calibri" panose="020F0502020204030204" pitchFamily="34" charset="0"/>
-            </a:endParaRPr>
-          </a:p>
-          <a:p>
-            <a:pPr marL="285750" indent="-285750">
-              <a:buFont typeface="Wingdings" panose="05000000000000000000" pitchFamily="2" charset="2"/>
-              <a:buChar char="§"/>
-            </a:pPr>
-            <a:r>
-              <a:rPr lang="en-CA" dirty="0">
-                <a:latin typeface="Century Schoolbook" panose="02040604050505020304" pitchFamily="18" charset="0"/>
-                <a:cs typeface="Calibri" panose="020F0502020204030204" pitchFamily="34" charset="0"/>
-              </a:rPr>
-              <a:t>Number of sold houses in 2020 is on the similar level as in 2019 which indicates that Ontario real estate market is not affected by </a:t>
-            </a:r>
-            <a:r>
-              <a:rPr lang="en-CA" dirty="0" err="1">
-                <a:latin typeface="Century Schoolbook" panose="02040604050505020304" pitchFamily="18" charset="0"/>
-                <a:cs typeface="Calibri" panose="020F0502020204030204" pitchFamily="34" charset="0"/>
-              </a:rPr>
-              <a:t>Covid</a:t>
-            </a:r>
-            <a:r>
-              <a:rPr lang="en-CA" dirty="0">
-                <a:latin typeface="Century Schoolbook" panose="02040604050505020304" pitchFamily="18" charset="0"/>
-                <a:cs typeface="Calibri" panose="020F0502020204030204" pitchFamily="34" charset="0"/>
-              </a:rPr>
-              <a:t> 19</a:t>
+            <a:pPr algn="ctr"/>
+            <a:r>
+              <a:rPr lang="en-CA" i="1" dirty="0"/>
+              <a:t>Observation: There is a decrease in the average house price. </a:t>
+            </a:r>
+          </a:p>
+          <a:p>
+            <a:pPr algn="ctr"/>
+            <a:endParaRPr lang="en-CA" i="1" dirty="0"/>
+          </a:p>
+          <a:p>
+            <a:pPr algn="ctr"/>
+            <a:r>
+              <a:rPr lang="en-CA" i="1" dirty="0"/>
+              <a:t>Question: Is it correlated with COVID-19 cases?  </a:t>
+            </a:r>
+          </a:p>
+        </p:txBody>
+      </p:sp>
+      <p:cxnSp>
+        <p:nvCxnSpPr>
+          <p:cNvPr id="9" name="Straight Connector 8">
+            <a:extLst>
+              <a:ext uri="{FF2B5EF4-FFF2-40B4-BE49-F238E27FC236}">
+                <a16:creationId xmlns:a16="http://schemas.microsoft.com/office/drawing/2014/main" id="{F6D94383-D7F2-4A45-9152-2D57356462F8}"/>
+              </a:ext>
+            </a:extLst>
+          </p:cNvPr>
+          <p:cNvCxnSpPr/>
+          <p:nvPr/>
+        </p:nvCxnSpPr>
+        <p:spPr>
+          <a:xfrm>
+            <a:off x="6119530" y="1208300"/>
+            <a:ext cx="0" cy="4791906"/>
+          </a:xfrm>
+          <a:prstGeom prst="line">
+            <a:avLst/>
+          </a:prstGeom>
+        </p:spPr>
+        <p:style>
+          <a:lnRef idx="1">
+            <a:schemeClr val="accent1"/>
+          </a:lnRef>
+          <a:fillRef idx="0">
+            <a:schemeClr val="accent1"/>
+          </a:fillRef>
+          <a:effectRef idx="0">
+            <a:schemeClr val="accent1"/>
+          </a:effectRef>
+          <a:fontRef idx="minor">
+            <a:schemeClr val="tx1"/>
+          </a:fontRef>
+        </p:style>
+      </p:cxnSp>
+      <p:pic>
+        <p:nvPicPr>
+          <p:cNvPr id="12" name="Picture 11">
+            <a:extLst>
+              <a:ext uri="{FF2B5EF4-FFF2-40B4-BE49-F238E27FC236}">
+                <a16:creationId xmlns:a16="http://schemas.microsoft.com/office/drawing/2014/main" id="{043DEC34-A447-4FFD-B988-A24C9943B3AF}"/>
+              </a:ext>
+            </a:extLst>
+          </p:cNvPr>
+          <p:cNvPicPr>
+            <a:picLocks noChangeAspect="1"/>
+          </p:cNvPicPr>
+          <p:nvPr/>
+        </p:nvPicPr>
+        <p:blipFill>
+          <a:blip r:embed="rId2"/>
+          <a:stretch>
+            <a:fillRect/>
+          </a:stretch>
+        </p:blipFill>
+        <p:spPr>
+          <a:xfrm>
+            <a:off x="995310" y="1568384"/>
+            <a:ext cx="4561978" cy="2930400"/>
+          </a:xfrm>
+          <a:prstGeom prst="rect">
+            <a:avLst/>
+          </a:prstGeom>
+        </p:spPr>
+      </p:pic>
+      <p:pic>
+        <p:nvPicPr>
+          <p:cNvPr id="3" name="Picture 2">
+            <a:extLst>
+              <a:ext uri="{FF2B5EF4-FFF2-40B4-BE49-F238E27FC236}">
+                <a16:creationId xmlns:a16="http://schemas.microsoft.com/office/drawing/2014/main" id="{7C4B86B0-DDC2-477D-AA0F-97788F7BA1F4}"/>
+              </a:ext>
+            </a:extLst>
+          </p:cNvPr>
+          <p:cNvPicPr>
+            <a:picLocks noChangeAspect="1"/>
+          </p:cNvPicPr>
+          <p:nvPr/>
+        </p:nvPicPr>
+        <p:blipFill>
+          <a:blip r:embed="rId3"/>
+          <a:stretch>
+            <a:fillRect/>
+          </a:stretch>
+        </p:blipFill>
+        <p:spPr>
+          <a:xfrm>
+            <a:off x="6827791" y="1503069"/>
+            <a:ext cx="4284867" cy="2836461"/>
+          </a:xfrm>
+          <a:prstGeom prst="rect">
+            <a:avLst/>
+          </a:prstGeom>
+        </p:spPr>
+      </p:pic>
+      <p:sp>
+        <p:nvSpPr>
+          <p:cNvPr id="10" name="TextBox 9">
+            <a:extLst>
+              <a:ext uri="{FF2B5EF4-FFF2-40B4-BE49-F238E27FC236}">
+                <a16:creationId xmlns:a16="http://schemas.microsoft.com/office/drawing/2014/main" id="{F17F553D-05B6-42B1-8FE4-9DAAB174BE5F}"/>
+              </a:ext>
+            </a:extLst>
+          </p:cNvPr>
+          <p:cNvSpPr txBox="1"/>
+          <p:nvPr/>
+        </p:nvSpPr>
+        <p:spPr>
+          <a:xfrm>
+            <a:off x="6827791" y="4561787"/>
+            <a:ext cx="4284883" cy="646331"/>
+          </a:xfrm>
+          <a:prstGeom prst="rect">
+            <a:avLst/>
+          </a:prstGeom>
+          <a:noFill/>
+        </p:spPr>
+        <p:txBody>
+          <a:bodyPr wrap="square" rtlCol="0">
+            <a:spAutoFit/>
+          </a:bodyPr>
+          <a:lstStyle/>
+          <a:p>
+            <a:pPr algn="ctr"/>
+            <a:r>
+              <a:rPr lang="en-CA" i="1" dirty="0"/>
+              <a:t>Observation: It is clear that the mortgage rate is lower in 2020 vs. 2019</a:t>
+            </a:r>
+          </a:p>
+        </p:txBody>
+      </p:sp>
+      <p:sp>
+        <p:nvSpPr>
+          <p:cNvPr id="11" name="TextBox 10">
+            <a:extLst>
+              <a:ext uri="{FF2B5EF4-FFF2-40B4-BE49-F238E27FC236}">
+                <a16:creationId xmlns:a16="http://schemas.microsoft.com/office/drawing/2014/main" id="{DF7BC8AA-7978-40E4-85B6-844DF037DC97}"/>
+              </a:ext>
+            </a:extLst>
+          </p:cNvPr>
+          <p:cNvSpPr txBox="1"/>
+          <p:nvPr/>
+        </p:nvSpPr>
+        <p:spPr>
+          <a:xfrm>
+            <a:off x="1945780" y="1136049"/>
+            <a:ext cx="3052082" cy="369332"/>
+          </a:xfrm>
+          <a:prstGeom prst="rect">
+            <a:avLst/>
+          </a:prstGeom>
+          <a:noFill/>
+        </p:spPr>
+        <p:txBody>
+          <a:bodyPr wrap="square" rtlCol="0">
+            <a:spAutoFit/>
+          </a:bodyPr>
+          <a:lstStyle/>
+          <a:p>
+            <a:r>
+              <a:rPr lang="en-CA" b="1" u="sng" dirty="0"/>
+              <a:t>House prices in 2019 vs. 2020</a:t>
+            </a:r>
+          </a:p>
+        </p:txBody>
+      </p:sp>
+      <p:sp>
+        <p:nvSpPr>
+          <p:cNvPr id="14" name="TextBox 13">
+            <a:extLst>
+              <a:ext uri="{FF2B5EF4-FFF2-40B4-BE49-F238E27FC236}">
+                <a16:creationId xmlns:a16="http://schemas.microsoft.com/office/drawing/2014/main" id="{0B8E38B4-E876-4083-8022-1140FB848208}"/>
+              </a:ext>
+            </a:extLst>
+          </p:cNvPr>
+          <p:cNvSpPr txBox="1"/>
+          <p:nvPr/>
+        </p:nvSpPr>
+        <p:spPr>
+          <a:xfrm>
+            <a:off x="7399085" y="1133736"/>
+            <a:ext cx="3142278" cy="369332"/>
+          </a:xfrm>
+          <a:prstGeom prst="rect">
+            <a:avLst/>
+          </a:prstGeom>
+          <a:noFill/>
+        </p:spPr>
+        <p:txBody>
+          <a:bodyPr wrap="square" rtlCol="0">
+            <a:spAutoFit/>
+          </a:bodyPr>
+          <a:lstStyle/>
+          <a:p>
+            <a:r>
+              <a:rPr lang="en-CA" b="1" u="sng" dirty="0"/>
+              <a:t>Mortgage rate in 2019 vs. 2020</a:t>
             </a:r>
           </a:p>
         </p:txBody>
@@ -10875,20 +11636,20 @@
     </p:spTree>
     <p:extLst>
       <p:ext uri="{BB962C8B-B14F-4D97-AF65-F5344CB8AC3E}">
-        <p14:creationId xmlns:p14="http://schemas.microsoft.com/office/powerpoint/2010/main" val="1417207179"/>
+        <p14:creationId xmlns:p14="http://schemas.microsoft.com/office/powerpoint/2010/main" val="2914379698"/>
       </p:ext>
     </p:extLst>
   </p:cSld>
   <p:clrMapOvr>
     <a:masterClrMapping/>
   </p:clrMapOvr>
-  <mc:AlternateContent xmlns:mc="http://schemas.openxmlformats.org/markup-compatibility/2006">
-    <mc:Choice xmlns:p159="http://schemas.microsoft.com/office/powerpoint/2015/09/main" Requires="p159">
+  <mc:AlternateContent xmlns:mc="http://schemas.openxmlformats.org/markup-compatibility/2006" xmlns:p159="http://schemas.microsoft.com/office/powerpoint/2015/09/main">
+    <mc:Choice Requires="p159">
       <p:transition xmlns:p14="http://schemas.microsoft.com/office/powerpoint/2010/main" spd="slow" p14:dur="2000">
         <p159:morph option="byObject"/>
       </p:transition>
     </mc:Choice>
-    <mc:Fallback>
+    <mc:Fallback xmlns="">
       <p:transition spd="slow">
         <p:fade/>
       </p:transition>
@@ -10916,379 +11677,10 @@
       </p:grpSpPr>
       <p:sp>
         <p:nvSpPr>
-          <p:cNvPr id="4" name="Title 1">
-            <a:extLst>
-              <a:ext uri="{FF2B5EF4-FFF2-40B4-BE49-F238E27FC236}">
-                <a16:creationId xmlns:a16="http://schemas.microsoft.com/office/drawing/2014/main" id="{50DF5C7B-714C-44DC-B49A-F16BE5E80C8B}"/>
-              </a:ext>
-            </a:extLst>
-          </p:cNvPr>
-          <p:cNvSpPr txBox="1">
-            <a:spLocks/>
-          </p:cNvSpPr>
-          <p:nvPr/>
-        </p:nvSpPr>
-        <p:spPr>
-          <a:xfrm>
-            <a:off x="424920" y="330535"/>
-            <a:ext cx="5535205" cy="935510"/>
-          </a:xfrm>
-          <a:prstGeom prst="rect">
-            <a:avLst/>
-          </a:prstGeom>
-        </p:spPr>
-        <p:txBody>
-          <a:bodyPr vert="horz" lIns="91440" tIns="45720" rIns="91440" bIns="45720" rtlCol="0" anchor="b">
-            <a:normAutofit/>
-          </a:bodyPr>
-          <a:lstStyle>
-            <a:lvl1pPr algn="ctr" defTabSz="914400" rtl="0" eaLnBrk="1" latinLnBrk="0" hangingPunct="1">
-              <a:lnSpc>
-                <a:spcPct val="90000"/>
-              </a:lnSpc>
-              <a:spcBef>
-                <a:spcPct val="0"/>
-              </a:spcBef>
-              <a:buNone/>
-              <a:defRPr sz="6000" kern="1200">
-                <a:solidFill>
-                  <a:schemeClr val="tx1"/>
-                </a:solidFill>
-                <a:latin typeface="+mj-lt"/>
-                <a:ea typeface="+mj-ea"/>
-                <a:cs typeface="+mj-cs"/>
-              </a:defRPr>
-            </a:lvl1pPr>
-          </a:lstStyle>
-          <a:p>
-            <a:pPr algn="l">
-              <a:spcBef>
-                <a:spcPts val="600"/>
-              </a:spcBef>
-              <a:spcAft>
-                <a:spcPts val="600"/>
-              </a:spcAft>
-            </a:pPr>
-            <a:r>
-              <a:rPr lang="en-US" sz="3400" dirty="0">
-                <a:solidFill>
-                  <a:srgbClr val="00B050"/>
-                </a:solidFill>
-                <a:latin typeface="Century Schoolbook" panose="02040604050505020304" pitchFamily="18" charset="0"/>
-              </a:rPr>
-              <a:t>Data Analysis</a:t>
-            </a:r>
-          </a:p>
-        </p:txBody>
-      </p:sp>
-      <p:sp>
-        <p:nvSpPr>
-          <p:cNvPr id="6" name="Subtitle 2">
-            <a:extLst>
-              <a:ext uri="{FF2B5EF4-FFF2-40B4-BE49-F238E27FC236}">
-                <a16:creationId xmlns:a16="http://schemas.microsoft.com/office/drawing/2014/main" id="{AB8C65B5-8163-4E17-BC2A-195AC06AD212}"/>
-              </a:ext>
-            </a:extLst>
-          </p:cNvPr>
-          <p:cNvSpPr txBox="1">
-            <a:spLocks/>
-          </p:cNvSpPr>
-          <p:nvPr/>
-        </p:nvSpPr>
-        <p:spPr>
-          <a:xfrm>
-            <a:off x="796673" y="1604837"/>
-            <a:ext cx="8942238" cy="4271642"/>
-          </a:xfrm>
-          <a:prstGeom prst="rect">
-            <a:avLst/>
-          </a:prstGeom>
-        </p:spPr>
-        <p:txBody>
-          <a:bodyPr vert="horz" lIns="91440" tIns="45720" rIns="91440" bIns="45720" rtlCol="0">
-            <a:normAutofit/>
-          </a:bodyPr>
-          <a:lstStyle>
-            <a:lvl1pPr marL="0" indent="0" algn="ctr" defTabSz="914400" rtl="0" eaLnBrk="1" latinLnBrk="0" hangingPunct="1">
-              <a:lnSpc>
-                <a:spcPct val="90000"/>
-              </a:lnSpc>
-              <a:spcBef>
-                <a:spcPts val="1000"/>
-              </a:spcBef>
-              <a:buFont typeface="Arial" panose="020B0604020202020204" pitchFamily="34" charset="0"/>
-              <a:buNone/>
-              <a:defRPr sz="2400" kern="1200">
-                <a:solidFill>
-                  <a:schemeClr val="tx1"/>
-                </a:solidFill>
-                <a:latin typeface="+mn-lt"/>
-                <a:ea typeface="+mn-ea"/>
-                <a:cs typeface="+mn-cs"/>
-              </a:defRPr>
-            </a:lvl1pPr>
-            <a:lvl2pPr marL="457200" indent="0" algn="ctr" defTabSz="914400" rtl="0" eaLnBrk="1" latinLnBrk="0" hangingPunct="1">
-              <a:lnSpc>
-                <a:spcPct val="90000"/>
-              </a:lnSpc>
-              <a:spcBef>
-                <a:spcPts val="500"/>
-              </a:spcBef>
-              <a:buFont typeface="Arial" panose="020B0604020202020204" pitchFamily="34" charset="0"/>
-              <a:buNone/>
-              <a:defRPr sz="2000" kern="1200">
-                <a:solidFill>
-                  <a:schemeClr val="tx1"/>
-                </a:solidFill>
-                <a:latin typeface="+mn-lt"/>
-                <a:ea typeface="+mn-ea"/>
-                <a:cs typeface="+mn-cs"/>
-              </a:defRPr>
-            </a:lvl2pPr>
-            <a:lvl3pPr marL="914400" indent="0" algn="ctr" defTabSz="914400" rtl="0" eaLnBrk="1" latinLnBrk="0" hangingPunct="1">
-              <a:lnSpc>
-                <a:spcPct val="90000"/>
-              </a:lnSpc>
-              <a:spcBef>
-                <a:spcPts val="500"/>
-              </a:spcBef>
-              <a:buFont typeface="Arial" panose="020B0604020202020204" pitchFamily="34" charset="0"/>
-              <a:buNone/>
-              <a:defRPr sz="1800" kern="1200">
-                <a:solidFill>
-                  <a:schemeClr val="tx1"/>
-                </a:solidFill>
-                <a:latin typeface="+mn-lt"/>
-                <a:ea typeface="+mn-ea"/>
-                <a:cs typeface="+mn-cs"/>
-              </a:defRPr>
-            </a:lvl3pPr>
-            <a:lvl4pPr marL="1371600" indent="0" algn="ctr" defTabSz="914400" rtl="0" eaLnBrk="1" latinLnBrk="0" hangingPunct="1">
-              <a:lnSpc>
-                <a:spcPct val="90000"/>
-              </a:lnSpc>
-              <a:spcBef>
-                <a:spcPts val="500"/>
-              </a:spcBef>
-              <a:buFont typeface="Arial" panose="020B0604020202020204" pitchFamily="34" charset="0"/>
-              <a:buNone/>
-              <a:defRPr sz="1600" kern="1200">
-                <a:solidFill>
-                  <a:schemeClr val="tx1"/>
-                </a:solidFill>
-                <a:latin typeface="+mn-lt"/>
-                <a:ea typeface="+mn-ea"/>
-                <a:cs typeface="+mn-cs"/>
-              </a:defRPr>
-            </a:lvl4pPr>
-            <a:lvl5pPr marL="1828800" indent="0" algn="ctr" defTabSz="914400" rtl="0" eaLnBrk="1" latinLnBrk="0" hangingPunct="1">
-              <a:lnSpc>
-                <a:spcPct val="90000"/>
-              </a:lnSpc>
-              <a:spcBef>
-                <a:spcPts val="500"/>
-              </a:spcBef>
-              <a:buFont typeface="Arial" panose="020B0604020202020204" pitchFamily="34" charset="0"/>
-              <a:buNone/>
-              <a:defRPr sz="1600" kern="1200">
-                <a:solidFill>
-                  <a:schemeClr val="tx1"/>
-                </a:solidFill>
-                <a:latin typeface="+mn-lt"/>
-                <a:ea typeface="+mn-ea"/>
-                <a:cs typeface="+mn-cs"/>
-              </a:defRPr>
-            </a:lvl5pPr>
-            <a:lvl6pPr marL="2286000" indent="0" algn="ctr" defTabSz="914400" rtl="0" eaLnBrk="1" latinLnBrk="0" hangingPunct="1">
-              <a:lnSpc>
-                <a:spcPct val="90000"/>
-              </a:lnSpc>
-              <a:spcBef>
-                <a:spcPts val="500"/>
-              </a:spcBef>
-              <a:buFont typeface="Arial" panose="020B0604020202020204" pitchFamily="34" charset="0"/>
-              <a:buNone/>
-              <a:defRPr sz="1600" kern="1200">
-                <a:solidFill>
-                  <a:schemeClr val="tx1"/>
-                </a:solidFill>
-                <a:latin typeface="+mn-lt"/>
-                <a:ea typeface="+mn-ea"/>
-                <a:cs typeface="+mn-cs"/>
-              </a:defRPr>
-            </a:lvl6pPr>
-            <a:lvl7pPr marL="2743200" indent="0" algn="ctr" defTabSz="914400" rtl="0" eaLnBrk="1" latinLnBrk="0" hangingPunct="1">
-              <a:lnSpc>
-                <a:spcPct val="90000"/>
-              </a:lnSpc>
-              <a:spcBef>
-                <a:spcPts val="500"/>
-              </a:spcBef>
-              <a:buFont typeface="Arial" panose="020B0604020202020204" pitchFamily="34" charset="0"/>
-              <a:buNone/>
-              <a:defRPr sz="1600" kern="1200">
-                <a:solidFill>
-                  <a:schemeClr val="tx1"/>
-                </a:solidFill>
-                <a:latin typeface="+mn-lt"/>
-                <a:ea typeface="+mn-ea"/>
-                <a:cs typeface="+mn-cs"/>
-              </a:defRPr>
-            </a:lvl7pPr>
-            <a:lvl8pPr marL="3200400" indent="0" algn="ctr" defTabSz="914400" rtl="0" eaLnBrk="1" latinLnBrk="0" hangingPunct="1">
-              <a:lnSpc>
-                <a:spcPct val="90000"/>
-              </a:lnSpc>
-              <a:spcBef>
-                <a:spcPts val="500"/>
-              </a:spcBef>
-              <a:buFont typeface="Arial" panose="020B0604020202020204" pitchFamily="34" charset="0"/>
-              <a:buNone/>
-              <a:defRPr sz="1600" kern="1200">
-                <a:solidFill>
-                  <a:schemeClr val="tx1"/>
-                </a:solidFill>
-                <a:latin typeface="+mn-lt"/>
-                <a:ea typeface="+mn-ea"/>
-                <a:cs typeface="+mn-cs"/>
-              </a:defRPr>
-            </a:lvl8pPr>
-            <a:lvl9pPr marL="3657600" indent="0" algn="ctr" defTabSz="914400" rtl="0" eaLnBrk="1" latinLnBrk="0" hangingPunct="1">
-              <a:lnSpc>
-                <a:spcPct val="90000"/>
-              </a:lnSpc>
-              <a:spcBef>
-                <a:spcPts val="500"/>
-              </a:spcBef>
-              <a:buFont typeface="Arial" panose="020B0604020202020204" pitchFamily="34" charset="0"/>
-              <a:buNone/>
-              <a:defRPr sz="1600" kern="1200">
-                <a:solidFill>
-                  <a:schemeClr val="tx1"/>
-                </a:solidFill>
-                <a:latin typeface="+mn-lt"/>
-                <a:ea typeface="+mn-ea"/>
-                <a:cs typeface="+mn-cs"/>
-              </a:defRPr>
-            </a:lvl9pPr>
-          </a:lstStyle>
-          <a:p>
-            <a:pPr marL="285750" indent="-285750" algn="l">
-              <a:lnSpc>
-                <a:spcPct val="120000"/>
-              </a:lnSpc>
-              <a:buFont typeface="Wingdings" panose="05000000000000000000" pitchFamily="2" charset="2"/>
-              <a:buChar char="ü"/>
-            </a:pPr>
-            <a:r>
-              <a:rPr lang="en-CA" sz="1800" b="1" dirty="0">
-                <a:latin typeface="Century Schoolbook" panose="02040604050505020304" pitchFamily="18" charset="0"/>
-                <a:cs typeface="Calibri" panose="020F0502020204030204" pitchFamily="34" charset="0"/>
-              </a:rPr>
-              <a:t>Steps to analyze the data and answer proposal questions: </a:t>
-            </a:r>
-          </a:p>
-          <a:p>
-            <a:pPr marL="742950" lvl="1" indent="-285750" algn="l">
-              <a:lnSpc>
-                <a:spcPct val="120000"/>
-              </a:lnSpc>
-              <a:buFont typeface="Wingdings" panose="05000000000000000000" pitchFamily="2" charset="2"/>
-              <a:buChar char="§"/>
-            </a:pPr>
-            <a:r>
-              <a:rPr lang="en-CA" sz="1600" dirty="0">
-                <a:effectLst/>
-                <a:latin typeface="Century Schoolbook" panose="02040604050505020304" pitchFamily="18" charset="0"/>
-                <a:ea typeface="Calibri" panose="020F0502020204030204" pitchFamily="34" charset="0"/>
-                <a:cs typeface="Calibri" panose="020F0502020204030204" pitchFamily="34" charset="0"/>
-              </a:rPr>
-              <a:t>………</a:t>
-            </a:r>
-          </a:p>
-          <a:p>
-            <a:pPr marL="742950" lvl="1" indent="-285750" algn="l">
-              <a:lnSpc>
-                <a:spcPct val="120000"/>
-              </a:lnSpc>
-              <a:buFont typeface="Wingdings" panose="05000000000000000000" pitchFamily="2" charset="2"/>
-              <a:buChar char="§"/>
-            </a:pPr>
-            <a:r>
-              <a:rPr lang="en-CA" sz="1600" dirty="0">
-                <a:effectLst/>
-                <a:latin typeface="Century Schoolbook" panose="02040604050505020304" pitchFamily="18" charset="0"/>
-                <a:ea typeface="Calibri" panose="020F0502020204030204" pitchFamily="34" charset="0"/>
-                <a:cs typeface="Calibri" panose="020F0502020204030204" pitchFamily="34" charset="0"/>
-              </a:rPr>
-              <a:t>……….</a:t>
-            </a:r>
-            <a:endParaRPr lang="en-CA" sz="1400" dirty="0">
-              <a:effectLst/>
-              <a:latin typeface="Century Schoolbook" panose="02040604050505020304" pitchFamily="18" charset="0"/>
-              <a:ea typeface="Calibri" panose="020F0502020204030204" pitchFamily="34" charset="0"/>
-              <a:cs typeface="Times New Roman" panose="02020603050405020304" pitchFamily="18" charset="0"/>
-            </a:endParaRPr>
-          </a:p>
-          <a:p>
-            <a:pPr lvl="0" algn="l"/>
-            <a:endParaRPr lang="en-CA" sz="1800" dirty="0">
-              <a:latin typeface="Century Schoolbook" panose="02040604050505020304" pitchFamily="18" charset="0"/>
-              <a:cs typeface="Calibri" panose="020F0502020204030204" pitchFamily="34" charset="0"/>
-            </a:endParaRPr>
-          </a:p>
-          <a:p>
-            <a:pPr marL="285750" lvl="0" indent="-285750" algn="l">
-              <a:buFont typeface="Wingdings" panose="05000000000000000000" pitchFamily="2" charset="2"/>
-              <a:buChar char="ü"/>
-            </a:pPr>
-            <a:r>
-              <a:rPr lang="en-CA" sz="1800" b="1" dirty="0">
-                <a:latin typeface="Century Schoolbook" panose="02040604050505020304" pitchFamily="18" charset="0"/>
-                <a:cs typeface="Calibri" panose="020F0502020204030204" pitchFamily="34" charset="0"/>
-              </a:rPr>
-              <a:t>Interesting figures developed during analysis</a:t>
-            </a:r>
-            <a:r>
-              <a:rPr lang="en-CA" sz="1400" b="1" dirty="0">
-                <a:latin typeface="Century Schoolbook" panose="02040604050505020304" pitchFamily="18" charset="0"/>
-                <a:cs typeface="Calibri" panose="020F0502020204030204" pitchFamily="34" charset="0"/>
-              </a:rPr>
-              <a:t> :</a:t>
-            </a:r>
-            <a:endParaRPr lang="en-CA" sz="1800" dirty="0">
-              <a:latin typeface="Century Schoolbook" panose="02040604050505020304" pitchFamily="18" charset="0"/>
-              <a:cs typeface="Calibri" panose="020F0502020204030204" pitchFamily="34" charset="0"/>
-            </a:endParaRPr>
-          </a:p>
-          <a:p>
-            <a:pPr marL="285750" lvl="0" indent="-285750" algn="l">
-              <a:buFont typeface="Wingdings" panose="05000000000000000000" pitchFamily="2" charset="2"/>
-              <a:buChar char="ü"/>
-            </a:pPr>
-            <a:endParaRPr lang="en-CA" sz="1800" dirty="0">
-              <a:latin typeface="Century Schoolbook" panose="02040604050505020304" pitchFamily="18" charset="0"/>
-              <a:cs typeface="Calibri" panose="020F0502020204030204" pitchFamily="34" charset="0"/>
-            </a:endParaRPr>
-          </a:p>
-          <a:p>
-            <a:pPr marL="285750" lvl="0" indent="-285750" algn="l">
-              <a:buFont typeface="Wingdings" panose="05000000000000000000" pitchFamily="2" charset="2"/>
-              <a:buChar char="ü"/>
-            </a:pPr>
-            <a:endParaRPr lang="en-CA" sz="1800" dirty="0">
-              <a:latin typeface="Century Schoolbook" panose="02040604050505020304" pitchFamily="18" charset="0"/>
-              <a:cs typeface="Calibri" panose="020F0502020204030204" pitchFamily="34" charset="0"/>
-            </a:endParaRPr>
-          </a:p>
-        </p:txBody>
-      </p:sp>
-      <p:sp>
-        <p:nvSpPr>
-          <p:cNvPr id="10" name="Rectangle 9">
-            <a:extLst>
-              <a:ext uri="{FF2B5EF4-FFF2-40B4-BE49-F238E27FC236}">
-                <a16:creationId xmlns:a16="http://schemas.microsoft.com/office/drawing/2014/main" id="{EADA0E04-8858-4EB2-A55F-CD4DAD514B83}"/>
+          <p:cNvPr id="2" name="Rectangle 1">
+            <a:extLst>
+              <a:ext uri="{FF2B5EF4-FFF2-40B4-BE49-F238E27FC236}">
+                <a16:creationId xmlns:a16="http://schemas.microsoft.com/office/drawing/2014/main" id="{EEE071ED-06F3-4D4B-A393-6B931DD1EBE1}"/>
               </a:ext>
             </a:extLst>
           </p:cNvPr>
@@ -11358,10 +11750,132 @@
       </p:sp>
       <p:sp>
         <p:nvSpPr>
-          <p:cNvPr id="2" name="TextBox 1">
-            <a:extLst>
-              <a:ext uri="{FF2B5EF4-FFF2-40B4-BE49-F238E27FC236}">
-                <a16:creationId xmlns:a16="http://schemas.microsoft.com/office/drawing/2014/main" id="{DF1D0849-D307-4B83-B4EA-3C130221BA45}"/>
+          <p:cNvPr id="4" name="Title 1">
+            <a:extLst>
+              <a:ext uri="{FF2B5EF4-FFF2-40B4-BE49-F238E27FC236}">
+                <a16:creationId xmlns:a16="http://schemas.microsoft.com/office/drawing/2014/main" id="{50DF5C7B-714C-44DC-B49A-F16BE5E80C8B}"/>
+              </a:ext>
+            </a:extLst>
+          </p:cNvPr>
+          <p:cNvSpPr txBox="1">
+            <a:spLocks/>
+          </p:cNvSpPr>
+          <p:nvPr/>
+        </p:nvSpPr>
+        <p:spPr>
+          <a:xfrm>
+            <a:off x="630264" y="468786"/>
+            <a:ext cx="10891447" cy="667263"/>
+          </a:xfrm>
+          <a:prstGeom prst="rect">
+            <a:avLst/>
+          </a:prstGeom>
+        </p:spPr>
+        <p:txBody>
+          <a:bodyPr vert="horz" lIns="91440" tIns="45720" rIns="91440" bIns="45720" rtlCol="0" anchor="b">
+            <a:normAutofit fontScale="77500" lnSpcReduction="20000"/>
+          </a:bodyPr>
+          <a:lstStyle>
+            <a:lvl1pPr algn="ctr" defTabSz="914400" rtl="0" eaLnBrk="1" latinLnBrk="0" hangingPunct="1">
+              <a:lnSpc>
+                <a:spcPct val="90000"/>
+              </a:lnSpc>
+              <a:spcBef>
+                <a:spcPct val="0"/>
+              </a:spcBef>
+              <a:buNone/>
+              <a:defRPr sz="6000" kern="1200">
+                <a:solidFill>
+                  <a:schemeClr val="tx1"/>
+                </a:solidFill>
+                <a:latin typeface="+mj-lt"/>
+                <a:ea typeface="+mj-ea"/>
+                <a:cs typeface="+mj-cs"/>
+              </a:defRPr>
+            </a:lvl1pPr>
+          </a:lstStyle>
+          <a:p>
+            <a:pPr algn="l">
+              <a:spcBef>
+                <a:spcPts val="1200"/>
+              </a:spcBef>
+            </a:pPr>
+            <a:r>
+              <a:rPr lang="en-US" sz="3400" dirty="0">
+                <a:solidFill>
+                  <a:schemeClr val="accent2">
+                    <a:lumMod val="75000"/>
+                  </a:schemeClr>
+                </a:solidFill>
+                <a:latin typeface="Century Schoolbook" panose="02040604050505020304" pitchFamily="18" charset="0"/>
+              </a:rPr>
+              <a:t>Analysis – Part 2</a:t>
+            </a:r>
+            <a:r>
+              <a:rPr lang="en-US" sz="3400" dirty="0">
+                <a:solidFill>
+                  <a:schemeClr val="accent2">
+                    <a:lumMod val="75000"/>
+                  </a:schemeClr>
+                </a:solidFill>
+                <a:latin typeface="Century Schoolbook" panose="02040604050505020304" pitchFamily="18" charset="0"/>
+                <a:sym typeface="Wingdings" panose="05000000000000000000" pitchFamily="2" charset="2"/>
+              </a:rPr>
+              <a:t>We determine if there is a correlation between the number of reported Covid-19 cases and the real estate variables</a:t>
+            </a:r>
+            <a:endParaRPr lang="en-US" sz="3400" dirty="0">
+              <a:solidFill>
+                <a:schemeClr val="accent2">
+                  <a:lumMod val="75000"/>
+                </a:schemeClr>
+              </a:solidFill>
+              <a:latin typeface="Century Schoolbook" panose="02040604050505020304" pitchFamily="18" charset="0"/>
+            </a:endParaRPr>
+          </a:p>
+        </p:txBody>
+      </p:sp>
+      <p:cxnSp>
+        <p:nvCxnSpPr>
+          <p:cNvPr id="7" name="Straight Connector 6">
+            <a:extLst>
+              <a:ext uri="{FF2B5EF4-FFF2-40B4-BE49-F238E27FC236}">
+                <a16:creationId xmlns:a16="http://schemas.microsoft.com/office/drawing/2014/main" id="{A4C14B66-1E57-4EB1-92A2-8390733AD1D5}"/>
+              </a:ext>
+            </a:extLst>
+          </p:cNvPr>
+          <p:cNvCxnSpPr/>
+          <p:nvPr/>
+        </p:nvCxnSpPr>
+        <p:spPr>
+          <a:xfrm>
+            <a:off x="209320" y="1136049"/>
+            <a:ext cx="11501610" cy="0"/>
+          </a:xfrm>
+          <a:prstGeom prst="line">
+            <a:avLst/>
+          </a:prstGeom>
+        </p:spPr>
+        <p:style>
+          <a:lnRef idx="1">
+            <a:schemeClr val="accent2"/>
+          </a:lnRef>
+          <a:fillRef idx="0">
+            <a:schemeClr val="accent2"/>
+          </a:fillRef>
+          <a:effectRef idx="0">
+            <a:schemeClr val="accent2"/>
+          </a:effectRef>
+          <a:fontRef idx="minor">
+            <a:schemeClr val="tx1"/>
+          </a:fontRef>
+        </p:style>
+      </p:cxnSp>
+      <p:sp>
+        <p:nvSpPr>
+          <p:cNvPr id="13" name="TextBox 12">
+            <a:extLst>
+              <a:ext uri="{FF2B5EF4-FFF2-40B4-BE49-F238E27FC236}">
+                <a16:creationId xmlns:a16="http://schemas.microsoft.com/office/drawing/2014/main" id="{03BC9E14-3541-418A-94C7-2325F6F4D113}"/>
               </a:ext>
             </a:extLst>
           </p:cNvPr>
@@ -11370,8 +11884,8 @@
         </p:nvSpPr>
         <p:spPr>
           <a:xfrm>
-            <a:off x="6830459" y="3150640"/>
-            <a:ext cx="2818202" cy="369332"/>
+            <a:off x="610603" y="4800862"/>
+            <a:ext cx="5341321" cy="1554272"/>
           </a:xfrm>
           <a:prstGeom prst="rect">
             <a:avLst/>
@@ -11379,175 +11893,112 @@
           <a:noFill/>
         </p:spPr>
         <p:txBody>
-          <a:bodyPr wrap="square">
+          <a:bodyPr wrap="square" rtlCol="0">
             <a:spAutoFit/>
           </a:bodyPr>
           <a:lstStyle/>
           <a:p>
-            <a:r>
-              <a:rPr lang="en-CA" dirty="0">
-                <a:latin typeface="Century Schoolbook" panose="02040604050505020304" pitchFamily="18" charset="0"/>
-                <a:hlinkClick r:id="rId2"/>
-              </a:rPr>
-              <a:t>Final </a:t>
-            </a:r>
-            <a:r>
-              <a:rPr lang="en-CA" dirty="0" err="1">
-                <a:latin typeface="Century Schoolbook" panose="02040604050505020304" pitchFamily="18" charset="0"/>
-                <a:hlinkClick r:id="rId2"/>
-              </a:rPr>
-              <a:t>Jupyter</a:t>
-            </a:r>
-            <a:r>
-              <a:rPr lang="en-CA" dirty="0">
-                <a:latin typeface="Century Schoolbook" panose="02040604050505020304" pitchFamily="18" charset="0"/>
-                <a:hlinkClick r:id="rId2"/>
-              </a:rPr>
-              <a:t> Notebook</a:t>
-            </a:r>
-            <a:endParaRPr lang="en-CA" dirty="0">
-              <a:latin typeface="Century Schoolbook" panose="02040604050505020304" pitchFamily="18" charset="0"/>
-            </a:endParaRPr>
-          </a:p>
-        </p:txBody>
-      </p:sp>
-      <p:graphicFrame>
-        <p:nvGraphicFramePr>
-          <p:cNvPr id="3" name="Table 17">
-            <a:extLst>
-              <a:ext uri="{FF2B5EF4-FFF2-40B4-BE49-F238E27FC236}">
-                <a16:creationId xmlns:a16="http://schemas.microsoft.com/office/drawing/2014/main" id="{B1B6E89D-63C2-49BD-9490-5B5A89F9F714}"/>
-              </a:ext>
-            </a:extLst>
-          </p:cNvPr>
-          <p:cNvGraphicFramePr>
-            <a:graphicFrameLocks noGrp="1"/>
-          </p:cNvGraphicFramePr>
-          <p:nvPr>
-            <p:extLst>
-              <p:ext uri="{D42A27DB-BD31-4B8C-83A1-F6EECF244321}">
-                <p14:modId xmlns:p14="http://schemas.microsoft.com/office/powerpoint/2010/main" val="2184445278"/>
-              </p:ext>
-            </p:extLst>
-          </p:nvPr>
-        </p:nvGraphicFramePr>
-        <p:xfrm>
-          <a:off x="1705499" y="4177770"/>
-          <a:ext cx="8128000" cy="1112520"/>
-        </p:xfrm>
-        <a:graphic>
-          <a:graphicData uri="http://schemas.openxmlformats.org/drawingml/2006/table">
-            <a:tbl>
-              <a:tblPr firstRow="1" bandRow="1">
-                <a:tableStyleId>{93296810-A885-4BE3-A3E7-6D5BEEA58F35}</a:tableStyleId>
-              </a:tblPr>
-              <a:tblGrid>
-                <a:gridCol w="4064000">
-                  <a:extLst>
-                    <a:ext uri="{9D8B030D-6E8A-4147-A177-3AD203B41FA5}">
-                      <a16:colId xmlns:a16="http://schemas.microsoft.com/office/drawing/2014/main" val="4250318149"/>
-                    </a:ext>
-                  </a:extLst>
-                </a:gridCol>
-                <a:gridCol w="4064000">
-                  <a:extLst>
-                    <a:ext uri="{9D8B030D-6E8A-4147-A177-3AD203B41FA5}">
-                      <a16:colId xmlns:a16="http://schemas.microsoft.com/office/drawing/2014/main" val="4157212451"/>
-                    </a:ext>
-                  </a:extLst>
-                </a:gridCol>
-              </a:tblGrid>
-              <a:tr h="370840">
-                <a:tc>
-                  <a:txBody>
-                    <a:bodyPr/>
-                    <a:lstStyle/>
-                    <a:p>
-                      <a:endParaRPr lang="en-CA" dirty="0"/>
-                    </a:p>
-                  </a:txBody>
-                  <a:tcPr/>
-                </a:tc>
-                <a:tc>
-                  <a:txBody>
-                    <a:bodyPr/>
-                    <a:lstStyle/>
-                    <a:p>
-                      <a:endParaRPr lang="en-CA"/>
-                    </a:p>
-                  </a:txBody>
-                  <a:tcPr/>
-                </a:tc>
-                <a:extLst>
-                  <a:ext uri="{0D108BD9-81ED-4DB2-BD59-A6C34878D82A}">
-                    <a16:rowId xmlns:a16="http://schemas.microsoft.com/office/drawing/2014/main" val="1468962831"/>
-                  </a:ext>
-                </a:extLst>
-              </a:tr>
-              <a:tr h="370840">
-                <a:tc>
-                  <a:txBody>
-                    <a:bodyPr/>
-                    <a:lstStyle/>
-                    <a:p>
-                      <a:endParaRPr lang="en-CA" dirty="0"/>
-                    </a:p>
-                  </a:txBody>
-                  <a:tcPr/>
-                </a:tc>
-                <a:tc>
-                  <a:txBody>
-                    <a:bodyPr/>
-                    <a:lstStyle/>
-                    <a:p>
-                      <a:endParaRPr lang="en-CA"/>
-                    </a:p>
-                  </a:txBody>
-                  <a:tcPr/>
-                </a:tc>
-                <a:extLst>
-                  <a:ext uri="{0D108BD9-81ED-4DB2-BD59-A6C34878D82A}">
-                    <a16:rowId xmlns:a16="http://schemas.microsoft.com/office/drawing/2014/main" val="3756493888"/>
-                  </a:ext>
-                </a:extLst>
-              </a:tr>
-              <a:tr h="370840">
-                <a:tc>
-                  <a:txBody>
-                    <a:bodyPr/>
-                    <a:lstStyle/>
-                    <a:p>
-                      <a:endParaRPr lang="en-CA"/>
-                    </a:p>
-                  </a:txBody>
-                  <a:tcPr/>
-                </a:tc>
-                <a:tc>
-                  <a:txBody>
-                    <a:bodyPr/>
-                    <a:lstStyle/>
-                    <a:p>
-                      <a:endParaRPr lang="en-CA" dirty="0"/>
-                    </a:p>
-                  </a:txBody>
-                  <a:tcPr/>
-                </a:tc>
-                <a:extLst>
-                  <a:ext uri="{0D108BD9-81ED-4DB2-BD59-A6C34878D82A}">
-                    <a16:rowId xmlns:a16="http://schemas.microsoft.com/office/drawing/2014/main" val="3596268837"/>
-                  </a:ext>
-                </a:extLst>
-              </a:tr>
-            </a:tbl>
-          </a:graphicData>
-        </a:graphic>
-      </p:graphicFrame>
+            <a:pPr algn="ctr">
+              <a:spcAft>
+                <a:spcPts val="600"/>
+              </a:spcAft>
+            </a:pPr>
+            <a:r>
+              <a:rPr lang="en-CA" i="1" dirty="0"/>
+              <a:t>Correlation coefficient: 0.34</a:t>
+            </a:r>
+          </a:p>
+          <a:p>
+            <a:pPr algn="ctr"/>
+            <a:r>
+              <a:rPr lang="en-CA" i="1" dirty="0"/>
+              <a:t>There is a weak correlation between the number of Covid-19 cases reported each month and the monthly number of houses sold in Ontario throughout 2020</a:t>
+            </a:r>
+          </a:p>
+          <a:p>
+            <a:pPr algn="ctr"/>
+            <a:endParaRPr lang="en-CA" i="1" dirty="0"/>
+          </a:p>
+        </p:txBody>
+      </p:sp>
+      <p:cxnSp>
+        <p:nvCxnSpPr>
+          <p:cNvPr id="9" name="Straight Connector 8">
+            <a:extLst>
+              <a:ext uri="{FF2B5EF4-FFF2-40B4-BE49-F238E27FC236}">
+                <a16:creationId xmlns:a16="http://schemas.microsoft.com/office/drawing/2014/main" id="{F6D94383-D7F2-4A45-9152-2D57356462F8}"/>
+              </a:ext>
+            </a:extLst>
+          </p:cNvPr>
+          <p:cNvCxnSpPr/>
+          <p:nvPr/>
+        </p:nvCxnSpPr>
+        <p:spPr>
+          <a:xfrm>
+            <a:off x="6119530" y="1208300"/>
+            <a:ext cx="0" cy="4791906"/>
+          </a:xfrm>
+          <a:prstGeom prst="line">
+            <a:avLst/>
+          </a:prstGeom>
+        </p:spPr>
+        <p:style>
+          <a:lnRef idx="1">
+            <a:schemeClr val="accent1"/>
+          </a:lnRef>
+          <a:fillRef idx="0">
+            <a:schemeClr val="accent1"/>
+          </a:fillRef>
+          <a:effectRef idx="0">
+            <a:schemeClr val="accent1"/>
+          </a:effectRef>
+          <a:fontRef idx="minor">
+            <a:schemeClr val="tx1"/>
+          </a:fontRef>
+        </p:style>
+      </p:cxnSp>
+      <p:sp>
+        <p:nvSpPr>
+          <p:cNvPr id="14" name="TextBox 13">
+            <a:extLst>
+              <a:ext uri="{FF2B5EF4-FFF2-40B4-BE49-F238E27FC236}">
+                <a16:creationId xmlns:a16="http://schemas.microsoft.com/office/drawing/2014/main" id="{0B8E38B4-E876-4083-8022-1140FB848208}"/>
+              </a:ext>
+            </a:extLst>
+          </p:cNvPr>
+          <p:cNvSpPr txBox="1"/>
+          <p:nvPr/>
+        </p:nvSpPr>
+        <p:spPr>
+          <a:xfrm>
+            <a:off x="6220422" y="1133736"/>
+            <a:ext cx="5301286" cy="646331"/>
+          </a:xfrm>
+          <a:prstGeom prst="rect">
+            <a:avLst/>
+          </a:prstGeom>
+          <a:noFill/>
+        </p:spPr>
+        <p:txBody>
+          <a:bodyPr wrap="square" rtlCol="0">
+            <a:spAutoFit/>
+          </a:bodyPr>
+          <a:lstStyle/>
+          <a:p>
+            <a:pPr algn="ctr"/>
+            <a:r>
+              <a:rPr lang="en-CA" b="1" u="sng" dirty="0"/>
+              <a:t>Regression analysis of price of houses and Covid-19 cases </a:t>
+            </a:r>
+          </a:p>
+        </p:txBody>
+      </p:sp>
       <p:pic>
         <p:nvPicPr>
-          <p:cNvPr id="5" name="Picture 4" descr="A picture containing diagram&#10;&#10;Description automatically generated">
-            <a:extLst>
-              <a:ext uri="{FF2B5EF4-FFF2-40B4-BE49-F238E27FC236}">
-                <a16:creationId xmlns:a16="http://schemas.microsoft.com/office/drawing/2014/main" id="{B2EA1A92-949A-443A-ACC3-F51E52FD83F4}"/>
+          <p:cNvPr id="5" name="Picture 4">
+            <a:extLst>
+              <a:ext uri="{FF2B5EF4-FFF2-40B4-BE49-F238E27FC236}">
+                <a16:creationId xmlns:a16="http://schemas.microsoft.com/office/drawing/2014/main" id="{C85A9148-FAE8-464B-8F12-799254A5403D}"/>
               </a:ext>
             </a:extLst>
           </p:cNvPr>
@@ -11556,31 +12007,147 @@
           </p:cNvPicPr>
           <p:nvPr/>
         </p:nvPicPr>
-        <p:blipFill rotWithShape="1">
-          <a:blip r:embed="rId3">
-            <a:extLst>
-              <a:ext uri="{28A0092B-C50C-407E-A947-70E740481C1C}">
-                <a14:useLocalDpi xmlns:a14="http://schemas.microsoft.com/office/drawing/2010/main" val="0"/>
-              </a:ext>
-            </a:extLst>
-          </a:blip>
-          <a:srcRect l="4257" t="23094" r="65929" b="35362"/>
-          <a:stretch/>
+        <p:blipFill>
+          <a:blip r:embed="rId2"/>
+          <a:stretch>
+            <a:fillRect/>
+          </a:stretch>
         </p:blipFill>
         <p:spPr>
           <a:xfrm>
-            <a:off x="10176498" y="0"/>
-            <a:ext cx="2015502" cy="1604836"/>
+            <a:off x="1097767" y="1780067"/>
+            <a:ext cx="4366995" cy="3041791"/>
           </a:xfrm>
           <a:prstGeom prst="rect">
             <a:avLst/>
           </a:prstGeom>
         </p:spPr>
       </p:pic>
+      <p:pic>
+        <p:nvPicPr>
+          <p:cNvPr id="6" name="Picture 5">
+            <a:extLst>
+              <a:ext uri="{FF2B5EF4-FFF2-40B4-BE49-F238E27FC236}">
+                <a16:creationId xmlns:a16="http://schemas.microsoft.com/office/drawing/2014/main" id="{134B1AA3-D1F8-44AB-8AED-4147C93671F7}"/>
+              </a:ext>
+            </a:extLst>
+          </p:cNvPr>
+          <p:cNvPicPr>
+            <a:picLocks noChangeAspect="1"/>
+          </p:cNvPicPr>
+          <p:nvPr/>
+        </p:nvPicPr>
+        <p:blipFill>
+          <a:blip r:embed="rId3"/>
+          <a:stretch>
+            <a:fillRect/>
+          </a:stretch>
+        </p:blipFill>
+        <p:spPr>
+          <a:xfrm>
+            <a:off x="6711095" y="1780067"/>
+            <a:ext cx="4319939" cy="2984934"/>
+          </a:xfrm>
+          <a:prstGeom prst="rect">
+            <a:avLst/>
+          </a:prstGeom>
+        </p:spPr>
+      </p:pic>
+      <p:sp>
+        <p:nvSpPr>
+          <p:cNvPr id="15" name="TextBox 14">
+            <a:extLst>
+              <a:ext uri="{FF2B5EF4-FFF2-40B4-BE49-F238E27FC236}">
+                <a16:creationId xmlns:a16="http://schemas.microsoft.com/office/drawing/2014/main" id="{4167B0D9-2074-4DF4-BED9-3C1339F13347}"/>
+              </a:ext>
+            </a:extLst>
+          </p:cNvPr>
+          <p:cNvSpPr txBox="1"/>
+          <p:nvPr/>
+        </p:nvSpPr>
+        <p:spPr>
+          <a:xfrm>
+            <a:off x="6711095" y="4821858"/>
+            <a:ext cx="4956774" cy="1831271"/>
+          </a:xfrm>
+          <a:prstGeom prst="rect">
+            <a:avLst/>
+          </a:prstGeom>
+          <a:noFill/>
+        </p:spPr>
+        <p:txBody>
+          <a:bodyPr wrap="square" rtlCol="0">
+            <a:spAutoFit/>
+          </a:bodyPr>
+          <a:lstStyle/>
+          <a:p>
+            <a:pPr algn="ctr">
+              <a:spcAft>
+                <a:spcPts val="600"/>
+              </a:spcAft>
+            </a:pPr>
+            <a:r>
+              <a:rPr lang="en-CA" i="1" dirty="0"/>
+              <a:t>Correlation coefficient: 0.1</a:t>
+            </a:r>
+          </a:p>
+          <a:p>
+            <a:pPr algn="ctr"/>
+            <a:r>
+              <a:rPr lang="en-CA" i="1" dirty="0"/>
+              <a:t>There is a very  weak correlation between the monthly changes in Covid-19 cases and the number of houses sold in Ontario throughout 2020</a:t>
+            </a:r>
+          </a:p>
+          <a:p>
+            <a:pPr algn="ctr"/>
+            <a:endParaRPr lang="en-CA" i="1" dirty="0"/>
+          </a:p>
+          <a:p>
+            <a:pPr algn="ctr"/>
+            <a:endParaRPr lang="en-CA" i="1" dirty="0"/>
+          </a:p>
+        </p:txBody>
+      </p:sp>
+      <p:sp>
+        <p:nvSpPr>
+          <p:cNvPr id="17" name="TextBox 16">
+            <a:extLst>
+              <a:ext uri="{FF2B5EF4-FFF2-40B4-BE49-F238E27FC236}">
+                <a16:creationId xmlns:a16="http://schemas.microsoft.com/office/drawing/2014/main" id="{C12BF888-1C4D-4E16-BFE2-7EB44EB4CFEF}"/>
+              </a:ext>
+            </a:extLst>
+          </p:cNvPr>
+          <p:cNvSpPr txBox="1"/>
+          <p:nvPr/>
+        </p:nvSpPr>
+        <p:spPr>
+          <a:xfrm>
+            <a:off x="630263" y="1133736"/>
+            <a:ext cx="5341317" cy="646331"/>
+          </a:xfrm>
+          <a:prstGeom prst="rect">
+            <a:avLst/>
+          </a:prstGeom>
+          <a:noFill/>
+        </p:spPr>
+        <p:txBody>
+          <a:bodyPr wrap="square" rtlCol="0">
+            <a:spAutoFit/>
+          </a:bodyPr>
+          <a:lstStyle/>
+          <a:p>
+            <a:pPr algn="ctr"/>
+            <a:r>
+              <a:rPr lang="en-CA" b="1" u="sng" dirty="0"/>
+              <a:t>Regression analysis of number of houses sold and Covid-19 cases </a:t>
+            </a:r>
+          </a:p>
+        </p:txBody>
+      </p:sp>
     </p:spTree>
     <p:extLst>
       <p:ext uri="{BB962C8B-B14F-4D97-AF65-F5344CB8AC3E}">
-        <p14:creationId xmlns:p14="http://schemas.microsoft.com/office/powerpoint/2010/main" val="1306512237"/>
+        <p14:creationId xmlns:p14="http://schemas.microsoft.com/office/powerpoint/2010/main" val="113769569"/>
       </p:ext>
     </p:extLst>
   </p:cSld>

--- a/Presentation_proj_1/Real Estate Mkt.pptx
+++ b/Presentation_proj_1/Real Estate Mkt.pptx
@@ -17,7 +17,8 @@
     <p:sldId id="285" r:id="rId11"/>
     <p:sldId id="287" r:id="rId12"/>
     <p:sldId id="272" r:id="rId13"/>
-    <p:sldId id="256" r:id="rId14"/>
+    <p:sldId id="288" r:id="rId14"/>
+    <p:sldId id="256" r:id="rId15"/>
   </p:sldIdLst>
   <p:sldSz cx="12192000" cy="6858000"/>
   <p:notesSz cx="6858000" cy="9144000"/>
@@ -5148,18 +5149,6 @@
   <p:clrMapOvr>
     <a:masterClrMapping/>
   </p:clrMapOvr>
-  <mc:AlternateContent xmlns:mc="http://schemas.openxmlformats.org/markup-compatibility/2006" xmlns:p159="http://schemas.microsoft.com/office/powerpoint/2015/09/main">
-    <mc:Choice Requires="p159">
-      <p:transition xmlns:p14="http://schemas.microsoft.com/office/powerpoint/2010/main" spd="slow" p14:dur="2000">
-        <p159:morph option="byObject"/>
-      </p:transition>
-    </mc:Choice>
-    <mc:Fallback xmlns="">
-      <p:transition spd="slow">
-        <p:fade/>
-      </p:transition>
-    </mc:Fallback>
-  </mc:AlternateContent>
 </p:sld>
 </file>
 
@@ -5466,18 +5455,6 @@
   <p:clrMapOvr>
     <a:masterClrMapping/>
   </p:clrMapOvr>
-  <mc:AlternateContent xmlns:mc="http://schemas.openxmlformats.org/markup-compatibility/2006" xmlns:p159="http://schemas.microsoft.com/office/powerpoint/2015/09/main">
-    <mc:Choice Requires="p159">
-      <p:transition xmlns:p14="http://schemas.microsoft.com/office/powerpoint/2010/main" spd="slow" p14:dur="2000">
-        <p159:morph option="byObject"/>
-      </p:transition>
-    </mc:Choice>
-    <mc:Fallback xmlns="">
-      <p:transition spd="slow">
-        <p:fade/>
-      </p:transition>
-    </mc:Fallback>
-  </mc:AlternateContent>
 </p:sld>
 </file>
 
@@ -5956,18 +5933,6 @@
   <p:clrMapOvr>
     <a:masterClrMapping/>
   </p:clrMapOvr>
-  <mc:AlternateContent xmlns:mc="http://schemas.openxmlformats.org/markup-compatibility/2006" xmlns:p159="http://schemas.microsoft.com/office/powerpoint/2015/09/main">
-    <mc:Choice Requires="p159">
-      <p:transition xmlns:p14="http://schemas.microsoft.com/office/powerpoint/2010/main" spd="slow" p14:dur="2000">
-        <p159:morph option="byObject"/>
-      </p:transition>
-    </mc:Choice>
-    <mc:Fallback xmlns="">
-      <p:transition spd="slow">
-        <p:fade/>
-      </p:transition>
-    </mc:Fallback>
-  </mc:AlternateContent>
   <p:timing>
     <p:tnLst>
       <p:par>
@@ -6431,7 +6396,7 @@
                 <a:latin typeface="Century Schoolbook" panose="02040604050505020304" pitchFamily="18" charset="0"/>
                 <a:cs typeface="Calibri" panose="020F0502020204030204" pitchFamily="34" charset="0"/>
               </a:rPr>
-              <a:t>Difficulties that arose, and how we dealt with them: </a:t>
+              <a:t>Difficulties that arose: </a:t>
             </a:r>
           </a:p>
           <a:p>
@@ -6443,14 +6408,25 @@
               <a:buChar char="§"/>
             </a:pPr>
             <a:r>
-              <a:rPr lang="en-CA" sz="1600" dirty="0">
-                <a:effectLst/>
+              <a:rPr lang="en-US" sz="1600" dirty="0">
                 <a:latin typeface="Century Schoolbook" panose="02040604050505020304" pitchFamily="18" charset="0"/>
                 <a:ea typeface="Calibri" panose="020F0502020204030204" pitchFamily="34" charset="0"/>
                 <a:cs typeface="Calibri" panose="020F0502020204030204" pitchFamily="34" charset="0"/>
               </a:rPr>
-              <a:t>………</a:t>
-            </a:r>
+              <a:t>Covid-19 cases in ON: Using a json file, we found the number of COVID cases in Ontario per month. However, the numbers did not seem right. Once, we retrieved the CSV version of the dataset, we noticed that the json file was, indeed, incomplete. We decided to use the CSV dataset instead.</a:t>
+            </a:r>
+          </a:p>
+          <a:p>
+            <a:pPr lvl="1" algn="l">
+              <a:lnSpc>
+                <a:spcPct val="120000"/>
+              </a:lnSpc>
+            </a:pPr>
+            <a:endParaRPr lang="en-US" sz="1600" dirty="0">
+              <a:latin typeface="Century Schoolbook" panose="02040604050505020304" pitchFamily="18" charset="0"/>
+              <a:ea typeface="Calibri" panose="020F0502020204030204" pitchFamily="34" charset="0"/>
+              <a:cs typeface="Calibri" panose="020F0502020204030204" pitchFamily="34" charset="0"/>
+            </a:endParaRPr>
           </a:p>
           <a:p>
             <a:pPr marL="742950" lvl="1" indent="-285750" algn="l">
@@ -6461,112 +6437,29 @@
               <a:buChar char="§"/>
             </a:pPr>
             <a:r>
-              <a:rPr lang="en-CA" sz="1600" dirty="0">
-                <a:effectLst/>
+              <a:rPr lang="en-US" sz="1600" dirty="0">
                 <a:latin typeface="Century Schoolbook" panose="02040604050505020304" pitchFamily="18" charset="0"/>
                 <a:ea typeface="Calibri" panose="020F0502020204030204" pitchFamily="34" charset="0"/>
                 <a:cs typeface="Calibri" panose="020F0502020204030204" pitchFamily="34" charset="0"/>
               </a:rPr>
-              <a:t>……….</a:t>
-            </a:r>
-            <a:endParaRPr lang="en-CA" sz="1400" dirty="0">
-              <a:effectLst/>
-              <a:latin typeface="Century Schoolbook" panose="02040604050505020304" pitchFamily="18" charset="0"/>
-              <a:ea typeface="Calibri" panose="020F0502020204030204" pitchFamily="34" charset="0"/>
-              <a:cs typeface="Times New Roman" panose="02020603050405020304" pitchFamily="18" charset="0"/>
-            </a:endParaRPr>
-          </a:p>
-          <a:p>
-            <a:pPr lvl="0" algn="l"/>
-            <a:endParaRPr lang="en-CA" sz="1800" dirty="0">
-              <a:latin typeface="Century Schoolbook" panose="02040604050505020304" pitchFamily="18" charset="0"/>
-              <a:cs typeface="Calibri" panose="020F0502020204030204" pitchFamily="34" charset="0"/>
-            </a:endParaRPr>
-          </a:p>
-          <a:p>
-            <a:pPr lvl="0" algn="l"/>
-            <a:endParaRPr lang="en-CA" sz="1800" dirty="0">
-              <a:latin typeface="Century Schoolbook" panose="02040604050505020304" pitchFamily="18" charset="0"/>
-              <a:cs typeface="Calibri" panose="020F0502020204030204" pitchFamily="34" charset="0"/>
-            </a:endParaRPr>
-          </a:p>
-          <a:p>
-            <a:pPr marL="285750" lvl="0" indent="-285750" algn="l">
-              <a:buFont typeface="Wingdings" panose="05000000000000000000" pitchFamily="2" charset="2"/>
-              <a:buChar char="ü"/>
-            </a:pPr>
-            <a:r>
-              <a:rPr lang="en-CA" sz="1800" b="1" dirty="0">
-                <a:latin typeface="Century Schoolbook" panose="02040604050505020304" pitchFamily="18" charset="0"/>
-                <a:cs typeface="Calibri" panose="020F0502020204030204" pitchFamily="34" charset="0"/>
-              </a:rPr>
-              <a:t>Additional questions </a:t>
-            </a:r>
-            <a:r>
-              <a:rPr lang="en-CA" sz="1800" b="1" i="0" dirty="0">
-                <a:solidFill>
-                  <a:srgbClr val="4D5156"/>
-                </a:solidFill>
-                <a:effectLst/>
-                <a:latin typeface="Century Schoolbook" panose="02040604050505020304" pitchFamily="18" charset="0"/>
-              </a:rPr>
-              <a:t>| </a:t>
-            </a:r>
-            <a:r>
-              <a:rPr lang="en-CA" sz="1800" b="1" dirty="0">
-                <a:latin typeface="Century Schoolbook" panose="02040604050505020304" pitchFamily="18" charset="0"/>
-                <a:cs typeface="Calibri" panose="020F0502020204030204" pitchFamily="34" charset="0"/>
-              </a:rPr>
-              <a:t>What would we research next?</a:t>
-            </a:r>
-          </a:p>
-          <a:p>
-            <a:pPr marL="742950" lvl="1" indent="-285750" algn="l">
-              <a:lnSpc>
-                <a:spcPct val="120000"/>
-              </a:lnSpc>
-              <a:buFont typeface="Wingdings" panose="05000000000000000000" pitchFamily="2" charset="2"/>
-              <a:buChar char="§"/>
-            </a:pPr>
-            <a:r>
-              <a:rPr lang="en-CA" sz="1800" dirty="0">
-                <a:effectLst/>
+              <a:t>We initially created our final notebook by retrieving our final CSV files. We then transitioned to use %run. When doing this, we encountered a few errors. Column headers were different in the CSV files than in the data frames, and some CSV files were not saved within our </a:t>
+            </a:r>
+            <a:r>
+              <a:rPr lang="en-US" sz="1600" dirty="0" err="1">
                 <a:latin typeface="Century Schoolbook" panose="02040604050505020304" pitchFamily="18" charset="0"/>
                 <a:ea typeface="Calibri" panose="020F0502020204030204" pitchFamily="34" charset="0"/>
                 <a:cs typeface="Calibri" panose="020F0502020204030204" pitchFamily="34" charset="0"/>
               </a:rPr>
-              <a:t>………</a:t>
-            </a:r>
-          </a:p>
-          <a:p>
-            <a:pPr marL="742950" lvl="1" indent="-285750" algn="l">
-              <a:lnSpc>
-                <a:spcPct val="120000"/>
-              </a:lnSpc>
-              <a:buFont typeface="Wingdings" panose="05000000000000000000" pitchFamily="2" charset="2"/>
-              <a:buChar char="§"/>
-            </a:pPr>
-            <a:r>
-              <a:rPr lang="en-CA" sz="1800" dirty="0">
-                <a:effectLst/>
+              <a:t>Github</a:t>
+            </a:r>
+            <a:r>
+              <a:rPr lang="en-US" sz="1600" dirty="0">
                 <a:latin typeface="Century Schoolbook" panose="02040604050505020304" pitchFamily="18" charset="0"/>
                 <a:ea typeface="Calibri" panose="020F0502020204030204" pitchFamily="34" charset="0"/>
                 <a:cs typeface="Calibri" panose="020F0502020204030204" pitchFamily="34" charset="0"/>
               </a:rPr>
-              <a:t>……….</a:t>
-            </a:r>
-            <a:endParaRPr lang="en-CA" sz="1600" dirty="0">
-              <a:effectLst/>
-              <a:latin typeface="Century Schoolbook" panose="02040604050505020304" pitchFamily="18" charset="0"/>
-              <a:ea typeface="Calibri" panose="020F0502020204030204" pitchFamily="34" charset="0"/>
-              <a:cs typeface="Times New Roman" panose="02020603050405020304" pitchFamily="18" charset="0"/>
-            </a:endParaRPr>
-          </a:p>
-          <a:p>
-            <a:pPr marL="285750" lvl="0" indent="-285750" algn="l">
-              <a:buFont typeface="Wingdings" panose="05000000000000000000" pitchFamily="2" charset="2"/>
-              <a:buChar char="ü"/>
-            </a:pPr>
+              <a:t> folder. We had to spend some time organizing our files and collaborating so the person using %run had all the information she needed.</a:t>
+            </a:r>
             <a:endParaRPr lang="en-CA" sz="1800" dirty="0">
               <a:latin typeface="Century Schoolbook" panose="02040604050505020304" pitchFamily="18" charset="0"/>
               <a:cs typeface="Calibri" panose="020F0502020204030204" pitchFamily="34" charset="0"/>
@@ -6701,18 +6594,6 @@
   <p:clrMapOvr>
     <a:masterClrMapping/>
   </p:clrMapOvr>
-  <mc:AlternateContent xmlns:mc="http://schemas.openxmlformats.org/markup-compatibility/2006" xmlns:p159="http://schemas.microsoft.com/office/powerpoint/2015/09/main">
-    <mc:Choice Requires="p159">
-      <p:transition xmlns:p14="http://schemas.microsoft.com/office/powerpoint/2010/main" spd="slow" p14:dur="2000">
-        <p159:morph option="byObject"/>
-      </p:transition>
-    </mc:Choice>
-    <mc:Fallback xmlns="">
-      <p:transition spd="slow">
-        <p:fade/>
-      </p:transition>
-    </mc:Fallback>
-  </mc:AlternateContent>
 </p:sld>
 </file>
 
@@ -6735,10 +6616,10 @@
       </p:grpSpPr>
       <p:sp>
         <p:nvSpPr>
-          <p:cNvPr id="6" name="Title 1">
-            <a:extLst>
-              <a:ext uri="{FF2B5EF4-FFF2-40B4-BE49-F238E27FC236}">
-                <a16:creationId xmlns:a16="http://schemas.microsoft.com/office/drawing/2014/main" id="{76A09E4B-015C-4F81-B595-B8801F160D84}"/>
+          <p:cNvPr id="4" name="Title 1">
+            <a:extLst>
+              <a:ext uri="{FF2B5EF4-FFF2-40B4-BE49-F238E27FC236}">
+                <a16:creationId xmlns:a16="http://schemas.microsoft.com/office/drawing/2014/main" id="{50DF5C7B-714C-44DC-B49A-F16BE5E80C8B}"/>
               </a:ext>
             </a:extLst>
           </p:cNvPr>
@@ -6749,8 +6630,8 @@
         </p:nvSpPr>
         <p:spPr>
           <a:xfrm>
-            <a:off x="383757" y="597643"/>
-            <a:ext cx="5036542" cy="1158446"/>
+            <a:off x="424920" y="330535"/>
+            <a:ext cx="5535205" cy="935510"/>
           </a:xfrm>
           <a:prstGeom prst="rect">
             <a:avLst/>
@@ -6780,25 +6661,34 @@
             </a:lvl1pPr>
           </a:lstStyle>
           <a:p>
-            <a:pPr algn="l"/>
-            <a:r>
-              <a:rPr lang="en-US" dirty="0">
-                <a:solidFill>
-                  <a:srgbClr val="00B050"/>
+            <a:pPr algn="l">
+              <a:spcBef>
+                <a:spcPts val="600"/>
+              </a:spcBef>
+              <a:spcAft>
+                <a:spcPts val="600"/>
+              </a:spcAft>
+            </a:pPr>
+            <a:r>
+              <a:rPr lang="en-US" sz="3400" dirty="0">
+                <a:solidFill>
+                  <a:schemeClr val="accent5">
+                    <a:lumMod val="75000"/>
+                  </a:schemeClr>
                 </a:solidFill>
                 <a:latin typeface="Century Schoolbook" panose="02040604050505020304" pitchFamily="18" charset="0"/>
               </a:rPr>
-              <a:t>Thank You!</a:t>
-            </a:r>
-          </a:p>
-        </p:txBody>
-      </p:sp>
-      <p:sp>
-        <p:nvSpPr>
-          <p:cNvPr id="7" name="Subtitle 2">
-            <a:extLst>
-              <a:ext uri="{FF2B5EF4-FFF2-40B4-BE49-F238E27FC236}">
-                <a16:creationId xmlns:a16="http://schemas.microsoft.com/office/drawing/2014/main" id="{579D5581-53BA-44EB-8D96-6F645B299C3A}"/>
+              <a:t>Post Mortem</a:t>
+            </a:r>
+          </a:p>
+        </p:txBody>
+      </p:sp>
+      <p:sp>
+        <p:nvSpPr>
+          <p:cNvPr id="6" name="Subtitle 2">
+            <a:extLst>
+              <a:ext uri="{FF2B5EF4-FFF2-40B4-BE49-F238E27FC236}">
+                <a16:creationId xmlns:a16="http://schemas.microsoft.com/office/drawing/2014/main" id="{AB8C65B5-8163-4E17-BC2A-195AC06AD212}"/>
               </a:ext>
             </a:extLst>
           </p:cNvPr>
@@ -6809,8 +6699,8 @@
         </p:nvSpPr>
         <p:spPr>
           <a:xfrm>
-            <a:off x="265043" y="5640643"/>
-            <a:ext cx="2729948" cy="474836"/>
+            <a:off x="796673" y="1604837"/>
+            <a:ext cx="8942238" cy="4271642"/>
           </a:xfrm>
           <a:prstGeom prst="rect">
             <a:avLst/>
@@ -6818,7 +6708,7 @@
         </p:spPr>
         <p:txBody>
           <a:bodyPr vert="horz" lIns="91440" tIns="45720" rIns="91440" bIns="45720" rtlCol="0">
-            <a:normAutofit lnSpcReduction="10000"/>
+            <a:normAutofit/>
           </a:bodyPr>
           <a:lstStyle>
             <a:lvl1pPr marL="0" indent="0" algn="ctr" defTabSz="914400" rtl="0" eaLnBrk="1" latinLnBrk="0" hangingPunct="1">
@@ -6985,690 +6875,33 @@
             </a:lvl9pPr>
           </a:lstStyle>
           <a:p>
-            <a:pPr algn="l"/>
-            <a:r>
-              <a:rPr lang="en-US" sz="2800" dirty="0">
-                <a:solidFill>
-                  <a:schemeClr val="bg1"/>
-                </a:solidFill>
-                <a:latin typeface="Century Schoolbook" panose="02040604050505020304" pitchFamily="18" charset="0"/>
-              </a:rPr>
-              <a:t>Covid-19</a:t>
-            </a:r>
-            <a:r>
-              <a:rPr lang="en-US" sz="2800" dirty="0"/>
-              <a:t> </a:t>
-            </a:r>
-          </a:p>
-        </p:txBody>
-      </p:sp>
-      <p:sp>
-        <p:nvSpPr>
-          <p:cNvPr id="11" name="Subtitle 2">
-            <a:extLst>
-              <a:ext uri="{FF2B5EF4-FFF2-40B4-BE49-F238E27FC236}">
-                <a16:creationId xmlns:a16="http://schemas.microsoft.com/office/drawing/2014/main" id="{8D7D6A06-05A4-43A0-9060-88AF66C8A9F4}"/>
-              </a:ext>
-            </a:extLst>
-          </p:cNvPr>
-          <p:cNvSpPr txBox="1">
-            <a:spLocks/>
-          </p:cNvSpPr>
-          <p:nvPr/>
-        </p:nvSpPr>
-        <p:spPr>
-          <a:xfrm>
-            <a:off x="1630017" y="6115479"/>
-            <a:ext cx="9367371" cy="560300"/>
-          </a:xfrm>
-          <a:prstGeom prst="rect">
-            <a:avLst/>
-          </a:prstGeom>
-        </p:spPr>
-        <p:txBody>
-          <a:bodyPr vert="horz" lIns="91440" tIns="45720" rIns="91440" bIns="45720" rtlCol="0">
-            <a:normAutofit fontScale="70000" lnSpcReduction="20000"/>
-          </a:bodyPr>
-          <a:lstStyle>
-            <a:lvl1pPr marL="0" indent="0" algn="ctr" defTabSz="914400" rtl="0" eaLnBrk="1" latinLnBrk="0" hangingPunct="1">
-              <a:lnSpc>
-                <a:spcPct val="90000"/>
-              </a:lnSpc>
-              <a:spcBef>
-                <a:spcPts val="1000"/>
-              </a:spcBef>
-              <a:buFont typeface="Arial" panose="020B0604020202020204" pitchFamily="34" charset="0"/>
-              <a:buNone/>
-              <a:defRPr sz="2400" kern="1200">
-                <a:solidFill>
-                  <a:schemeClr val="tx1"/>
-                </a:solidFill>
-                <a:latin typeface="+mn-lt"/>
-                <a:ea typeface="+mn-ea"/>
-                <a:cs typeface="+mn-cs"/>
-              </a:defRPr>
-            </a:lvl1pPr>
-            <a:lvl2pPr marL="457200" indent="0" algn="ctr" defTabSz="914400" rtl="0" eaLnBrk="1" latinLnBrk="0" hangingPunct="1">
-              <a:lnSpc>
-                <a:spcPct val="90000"/>
-              </a:lnSpc>
-              <a:spcBef>
-                <a:spcPts val="500"/>
-              </a:spcBef>
-              <a:buFont typeface="Arial" panose="020B0604020202020204" pitchFamily="34" charset="0"/>
-              <a:buNone/>
-              <a:defRPr sz="2000" kern="1200">
-                <a:solidFill>
-                  <a:schemeClr val="tx1"/>
-                </a:solidFill>
-                <a:latin typeface="+mn-lt"/>
-                <a:ea typeface="+mn-ea"/>
-                <a:cs typeface="+mn-cs"/>
-              </a:defRPr>
-            </a:lvl2pPr>
-            <a:lvl3pPr marL="914400" indent="0" algn="ctr" defTabSz="914400" rtl="0" eaLnBrk="1" latinLnBrk="0" hangingPunct="1">
-              <a:lnSpc>
-                <a:spcPct val="90000"/>
-              </a:lnSpc>
-              <a:spcBef>
-                <a:spcPts val="500"/>
-              </a:spcBef>
-              <a:buFont typeface="Arial" panose="020B0604020202020204" pitchFamily="34" charset="0"/>
-              <a:buNone/>
-              <a:defRPr sz="1800" kern="1200">
-                <a:solidFill>
-                  <a:schemeClr val="tx1"/>
-                </a:solidFill>
-                <a:latin typeface="+mn-lt"/>
-                <a:ea typeface="+mn-ea"/>
-                <a:cs typeface="+mn-cs"/>
-              </a:defRPr>
-            </a:lvl3pPr>
-            <a:lvl4pPr marL="1371600" indent="0" algn="ctr" defTabSz="914400" rtl="0" eaLnBrk="1" latinLnBrk="0" hangingPunct="1">
-              <a:lnSpc>
-                <a:spcPct val="90000"/>
-              </a:lnSpc>
-              <a:spcBef>
-                <a:spcPts val="500"/>
-              </a:spcBef>
-              <a:buFont typeface="Arial" panose="020B0604020202020204" pitchFamily="34" charset="0"/>
-              <a:buNone/>
-              <a:defRPr sz="1600" kern="1200">
-                <a:solidFill>
-                  <a:schemeClr val="tx1"/>
-                </a:solidFill>
-                <a:latin typeface="+mn-lt"/>
-                <a:ea typeface="+mn-ea"/>
-                <a:cs typeface="+mn-cs"/>
-              </a:defRPr>
-            </a:lvl4pPr>
-            <a:lvl5pPr marL="1828800" indent="0" algn="ctr" defTabSz="914400" rtl="0" eaLnBrk="1" latinLnBrk="0" hangingPunct="1">
-              <a:lnSpc>
-                <a:spcPct val="90000"/>
-              </a:lnSpc>
-              <a:spcBef>
-                <a:spcPts val="500"/>
-              </a:spcBef>
-              <a:buFont typeface="Arial" panose="020B0604020202020204" pitchFamily="34" charset="0"/>
-              <a:buNone/>
-              <a:defRPr sz="1600" kern="1200">
-                <a:solidFill>
-                  <a:schemeClr val="tx1"/>
-                </a:solidFill>
-                <a:latin typeface="+mn-lt"/>
-                <a:ea typeface="+mn-ea"/>
-                <a:cs typeface="+mn-cs"/>
-              </a:defRPr>
-            </a:lvl5pPr>
-            <a:lvl6pPr marL="2286000" indent="0" algn="ctr" defTabSz="914400" rtl="0" eaLnBrk="1" latinLnBrk="0" hangingPunct="1">
-              <a:lnSpc>
-                <a:spcPct val="90000"/>
-              </a:lnSpc>
-              <a:spcBef>
-                <a:spcPts val="500"/>
-              </a:spcBef>
-              <a:buFont typeface="Arial" panose="020B0604020202020204" pitchFamily="34" charset="0"/>
-              <a:buNone/>
-              <a:defRPr sz="1600" kern="1200">
-                <a:solidFill>
-                  <a:schemeClr val="tx1"/>
-                </a:solidFill>
-                <a:latin typeface="+mn-lt"/>
-                <a:ea typeface="+mn-ea"/>
-                <a:cs typeface="+mn-cs"/>
-              </a:defRPr>
-            </a:lvl6pPr>
-            <a:lvl7pPr marL="2743200" indent="0" algn="ctr" defTabSz="914400" rtl="0" eaLnBrk="1" latinLnBrk="0" hangingPunct="1">
-              <a:lnSpc>
-                <a:spcPct val="90000"/>
-              </a:lnSpc>
-              <a:spcBef>
-                <a:spcPts val="500"/>
-              </a:spcBef>
-              <a:buFont typeface="Arial" panose="020B0604020202020204" pitchFamily="34" charset="0"/>
-              <a:buNone/>
-              <a:defRPr sz="1600" kern="1200">
-                <a:solidFill>
-                  <a:schemeClr val="tx1"/>
-                </a:solidFill>
-                <a:latin typeface="+mn-lt"/>
-                <a:ea typeface="+mn-ea"/>
-                <a:cs typeface="+mn-cs"/>
-              </a:defRPr>
-            </a:lvl7pPr>
-            <a:lvl8pPr marL="3200400" indent="0" algn="ctr" defTabSz="914400" rtl="0" eaLnBrk="1" latinLnBrk="0" hangingPunct="1">
-              <a:lnSpc>
-                <a:spcPct val="90000"/>
-              </a:lnSpc>
-              <a:spcBef>
-                <a:spcPts val="500"/>
-              </a:spcBef>
-              <a:buFont typeface="Arial" panose="020B0604020202020204" pitchFamily="34" charset="0"/>
-              <a:buNone/>
-              <a:defRPr sz="1600" kern="1200">
-                <a:solidFill>
-                  <a:schemeClr val="tx1"/>
-                </a:solidFill>
-                <a:latin typeface="+mn-lt"/>
-                <a:ea typeface="+mn-ea"/>
-                <a:cs typeface="+mn-cs"/>
-              </a:defRPr>
-            </a:lvl8pPr>
-            <a:lvl9pPr marL="3657600" indent="0" algn="ctr" defTabSz="914400" rtl="0" eaLnBrk="1" latinLnBrk="0" hangingPunct="1">
-              <a:lnSpc>
-                <a:spcPct val="90000"/>
-              </a:lnSpc>
-              <a:spcBef>
-                <a:spcPts val="500"/>
-              </a:spcBef>
-              <a:buFont typeface="Arial" panose="020B0604020202020204" pitchFamily="34" charset="0"/>
-              <a:buNone/>
-              <a:defRPr sz="1600" kern="1200">
-                <a:solidFill>
-                  <a:schemeClr val="tx1"/>
-                </a:solidFill>
-                <a:latin typeface="+mn-lt"/>
-                <a:ea typeface="+mn-ea"/>
-                <a:cs typeface="+mn-cs"/>
-              </a:defRPr>
-            </a:lvl9pPr>
-          </a:lstStyle>
-          <a:p>
-            <a:pPr algn="l"/>
-            <a:r>
-              <a:rPr lang="en-US" sz="2700" b="1" dirty="0">
-                <a:latin typeface="Century Schoolbook" panose="02040604050505020304" pitchFamily="18" charset="0"/>
-              </a:rPr>
-              <a:t>Emilia</a:t>
-            </a:r>
-            <a:r>
-              <a:rPr lang="en-US" sz="2700" dirty="0">
-                <a:latin typeface="Century Schoolbook" panose="02040604050505020304" pitchFamily="18" charset="0"/>
-              </a:rPr>
-              <a:t> </a:t>
-            </a:r>
-            <a:r>
-              <a:rPr lang="en-CA" sz="2700" dirty="0" err="1">
-                <a:latin typeface="Century Schoolbook" panose="02040604050505020304" pitchFamily="18" charset="0"/>
-              </a:rPr>
-              <a:t>Lubanska</a:t>
-            </a:r>
-            <a:r>
-              <a:rPr lang="en-CA" sz="2700" dirty="0">
-                <a:latin typeface="Century Schoolbook" panose="02040604050505020304" pitchFamily="18" charset="0"/>
-              </a:rPr>
-              <a:t>,</a:t>
-            </a:r>
-            <a:r>
-              <a:rPr lang="en-US" sz="2700" dirty="0">
-                <a:latin typeface="Century Schoolbook" panose="02040604050505020304" pitchFamily="18" charset="0"/>
-              </a:rPr>
-              <a:t> </a:t>
-            </a:r>
-            <a:r>
-              <a:rPr lang="en-US" sz="2800" b="1" dirty="0">
-                <a:latin typeface="Century Schoolbook" panose="02040604050505020304" pitchFamily="18" charset="0"/>
-              </a:rPr>
-              <a:t>Jorge</a:t>
-            </a:r>
-            <a:r>
-              <a:rPr lang="en-US" sz="2800" dirty="0">
-                <a:latin typeface="Century Schoolbook" panose="02040604050505020304" pitchFamily="18" charset="0"/>
-              </a:rPr>
-              <a:t> Arriola, </a:t>
-            </a:r>
-            <a:r>
-              <a:rPr lang="en-US" sz="2800" b="1" dirty="0">
-                <a:latin typeface="Century Schoolbook" panose="02040604050505020304" pitchFamily="18" charset="0"/>
-              </a:rPr>
-              <a:t>Marina </a:t>
-            </a:r>
-            <a:r>
-              <a:rPr lang="en-US" sz="2800" dirty="0">
-                <a:latin typeface="Century Schoolbook" panose="02040604050505020304" pitchFamily="18" charset="0"/>
-              </a:rPr>
-              <a:t>Ercoli, </a:t>
-            </a:r>
-            <a:r>
-              <a:rPr lang="en-US" sz="2800" b="1" dirty="0">
-                <a:latin typeface="Century Schoolbook" panose="02040604050505020304" pitchFamily="18" charset="0"/>
-              </a:rPr>
-              <a:t>Monica</a:t>
-            </a:r>
-            <a:r>
-              <a:rPr lang="en-US" sz="2800" dirty="0">
-                <a:latin typeface="Century Schoolbook" panose="02040604050505020304" pitchFamily="18" charset="0"/>
-              </a:rPr>
-              <a:t> Lin, </a:t>
-            </a:r>
-            <a:r>
-              <a:rPr lang="en-US" sz="2800" b="1" dirty="0" err="1">
-                <a:latin typeface="Century Schoolbook" panose="02040604050505020304" pitchFamily="18" charset="0"/>
-              </a:rPr>
-              <a:t>Ulisses</a:t>
-            </a:r>
-            <a:r>
-              <a:rPr lang="en-US" sz="2800" b="1" dirty="0">
-                <a:latin typeface="Century Schoolbook" panose="02040604050505020304" pitchFamily="18" charset="0"/>
-              </a:rPr>
-              <a:t> </a:t>
-            </a:r>
-            <a:r>
-              <a:rPr lang="en-US" sz="2800" dirty="0">
-                <a:latin typeface="Century Schoolbook" panose="02040604050505020304" pitchFamily="18" charset="0"/>
-              </a:rPr>
-              <a:t>Pinto </a:t>
-            </a:r>
-            <a:endParaRPr lang="en-US" sz="2800" dirty="0"/>
-          </a:p>
-        </p:txBody>
-      </p:sp>
-      <p:sp>
-        <p:nvSpPr>
-          <p:cNvPr id="13" name="Title 1">
-            <a:extLst>
-              <a:ext uri="{FF2B5EF4-FFF2-40B4-BE49-F238E27FC236}">
-                <a16:creationId xmlns:a16="http://schemas.microsoft.com/office/drawing/2014/main" id="{29B929CA-254B-4B37-AD20-E98B25F83D91}"/>
-              </a:ext>
-            </a:extLst>
-          </p:cNvPr>
-          <p:cNvSpPr txBox="1">
-            <a:spLocks/>
-          </p:cNvSpPr>
-          <p:nvPr/>
-        </p:nvSpPr>
-        <p:spPr>
-          <a:xfrm>
-            <a:off x="3971133" y="2871043"/>
-            <a:ext cx="4481750" cy="903516"/>
-          </a:xfrm>
-          <a:prstGeom prst="rect">
-            <a:avLst/>
-          </a:prstGeom>
-        </p:spPr>
-        <p:txBody>
-          <a:bodyPr vert="horz" lIns="91440" tIns="45720" rIns="91440" bIns="45720" rtlCol="0" anchor="b">
-            <a:normAutofit fontScale="55000" lnSpcReduction="20000"/>
-          </a:bodyPr>
-          <a:lstStyle>
-            <a:lvl1pPr algn="ctr" defTabSz="914400" rtl="0" eaLnBrk="1" latinLnBrk="0" hangingPunct="1">
-              <a:lnSpc>
-                <a:spcPct val="90000"/>
-              </a:lnSpc>
-              <a:spcBef>
-                <a:spcPct val="0"/>
-              </a:spcBef>
-              <a:buNone/>
-              <a:defRPr sz="6000" kern="1200">
-                <a:solidFill>
-                  <a:schemeClr val="tx1"/>
-                </a:solidFill>
-                <a:latin typeface="+mj-lt"/>
-                <a:ea typeface="+mj-ea"/>
-                <a:cs typeface="+mj-cs"/>
-              </a:defRPr>
-            </a:lvl1pPr>
-          </a:lstStyle>
-          <a:p>
-            <a:pPr algn="l"/>
-            <a:r>
-              <a:rPr lang="en-US" dirty="0">
-                <a:solidFill>
-                  <a:schemeClr val="accent2">
-                    <a:lumMod val="60000"/>
-                    <a:lumOff val="40000"/>
-                  </a:schemeClr>
-                </a:solidFill>
-                <a:latin typeface="Century Schoolbook" panose="02040604050505020304" pitchFamily="18" charset="0"/>
-              </a:rPr>
-              <a:t>Our photo to be added</a:t>
-            </a:r>
-          </a:p>
-        </p:txBody>
-      </p:sp>
-    </p:spTree>
-    <p:extLst>
-      <p:ext uri="{BB962C8B-B14F-4D97-AF65-F5344CB8AC3E}">
-        <p14:creationId xmlns:p14="http://schemas.microsoft.com/office/powerpoint/2010/main" val="1704619193"/>
-      </p:ext>
-    </p:extLst>
-  </p:cSld>
-  <p:clrMapOvr>
-    <a:masterClrMapping/>
-  </p:clrMapOvr>
-  <mc:AlternateContent xmlns:mc="http://schemas.openxmlformats.org/markup-compatibility/2006" xmlns:p159="http://schemas.microsoft.com/office/powerpoint/2015/09/main">
-    <mc:Choice Requires="p159">
-      <p:transition xmlns:p14="http://schemas.microsoft.com/office/powerpoint/2010/main" spd="slow" p14:dur="2000">
-        <p159:morph option="byObject"/>
-      </p:transition>
-    </mc:Choice>
-    <mc:Fallback xmlns="">
-      <p:transition spd="slow">
-        <p:fade/>
-      </p:transition>
-    </mc:Fallback>
-  </mc:AlternateContent>
-</p:sld>
-</file>
-
-<file path=ppt/slides/slide2.xml><?xml version="1.0" encoding="utf-8"?>
-<p:sld xmlns:a="http://schemas.openxmlformats.org/drawingml/2006/main" xmlns:r="http://schemas.openxmlformats.org/officeDocument/2006/relationships" xmlns:p="http://schemas.openxmlformats.org/presentationml/2006/main">
-  <p:cSld>
-    <p:spTree>
-      <p:nvGrpSpPr>
-        <p:cNvPr id="1" name=""/>
-        <p:cNvGrpSpPr/>
-        <p:nvPr/>
-      </p:nvGrpSpPr>
-      <p:grpSpPr>
-        <a:xfrm>
-          <a:off x="0" y="0"/>
-          <a:ext cx="0" cy="0"/>
-          <a:chOff x="0" y="0"/>
-          <a:chExt cx="0" cy="0"/>
-        </a:xfrm>
-      </p:grpSpPr>
-      <p:sp>
-        <p:nvSpPr>
-          <p:cNvPr id="4" name="Title 1">
-            <a:extLst>
-              <a:ext uri="{FF2B5EF4-FFF2-40B4-BE49-F238E27FC236}">
-                <a16:creationId xmlns:a16="http://schemas.microsoft.com/office/drawing/2014/main" id="{50DF5C7B-714C-44DC-B49A-F16BE5E80C8B}"/>
-              </a:ext>
-            </a:extLst>
-          </p:cNvPr>
-          <p:cNvSpPr txBox="1">
-            <a:spLocks/>
-          </p:cNvSpPr>
-          <p:nvPr/>
-        </p:nvSpPr>
-        <p:spPr>
-          <a:xfrm>
-            <a:off x="424920" y="330535"/>
-            <a:ext cx="5535205" cy="935510"/>
-          </a:xfrm>
-          <a:prstGeom prst="rect">
-            <a:avLst/>
-          </a:prstGeom>
-        </p:spPr>
-        <p:txBody>
-          <a:bodyPr vert="horz" lIns="91440" tIns="45720" rIns="91440" bIns="45720" rtlCol="0" anchor="b">
-            <a:normAutofit/>
-          </a:bodyPr>
-          <a:lstStyle>
-            <a:lvl1pPr algn="ctr" defTabSz="914400" rtl="0" eaLnBrk="1" latinLnBrk="0" hangingPunct="1">
-              <a:lnSpc>
-                <a:spcPct val="90000"/>
-              </a:lnSpc>
-              <a:spcBef>
-                <a:spcPct val="0"/>
-              </a:spcBef>
-              <a:buNone/>
-              <a:defRPr sz="6000" kern="1200">
-                <a:solidFill>
-                  <a:schemeClr val="tx1"/>
-                </a:solidFill>
-                <a:latin typeface="+mj-lt"/>
-                <a:ea typeface="+mj-ea"/>
-                <a:cs typeface="+mj-cs"/>
-              </a:defRPr>
-            </a:lvl1pPr>
-          </a:lstStyle>
-          <a:p>
-            <a:pPr algn="l">
-              <a:spcBef>
-                <a:spcPts val="600"/>
-              </a:spcBef>
-              <a:spcAft>
-                <a:spcPts val="600"/>
-              </a:spcAft>
-            </a:pPr>
-            <a:r>
-              <a:rPr lang="en-US" sz="3400" dirty="0">
-                <a:solidFill>
-                  <a:schemeClr val="accent6"/>
-                </a:solidFill>
-                <a:latin typeface="Century Schoolbook" panose="02040604050505020304" pitchFamily="18" charset="0"/>
-              </a:rPr>
-              <a:t>Motivation &amp; Summary</a:t>
-            </a:r>
-          </a:p>
-        </p:txBody>
-      </p:sp>
-      <p:sp>
-        <p:nvSpPr>
-          <p:cNvPr id="6" name="Subtitle 2">
-            <a:extLst>
-              <a:ext uri="{FF2B5EF4-FFF2-40B4-BE49-F238E27FC236}">
-                <a16:creationId xmlns:a16="http://schemas.microsoft.com/office/drawing/2014/main" id="{AB8C65B5-8163-4E17-BC2A-195AC06AD212}"/>
-              </a:ext>
-            </a:extLst>
-          </p:cNvPr>
-          <p:cNvSpPr txBox="1">
-            <a:spLocks/>
-          </p:cNvSpPr>
-          <p:nvPr/>
-        </p:nvSpPr>
-        <p:spPr>
-          <a:xfrm>
-            <a:off x="796673" y="1604837"/>
-            <a:ext cx="8942238" cy="1824163"/>
-          </a:xfrm>
-          <a:prstGeom prst="rect">
-            <a:avLst/>
-          </a:prstGeom>
-        </p:spPr>
-        <p:txBody>
-          <a:bodyPr vert="horz" lIns="91440" tIns="45720" rIns="91440" bIns="45720" rtlCol="0">
-            <a:normAutofit/>
-          </a:bodyPr>
-          <a:lstStyle>
-            <a:lvl1pPr marL="0" indent="0" algn="ctr" defTabSz="914400" rtl="0" eaLnBrk="1" latinLnBrk="0" hangingPunct="1">
-              <a:lnSpc>
-                <a:spcPct val="90000"/>
-              </a:lnSpc>
-              <a:spcBef>
-                <a:spcPts val="1000"/>
-              </a:spcBef>
-              <a:buFont typeface="Arial" panose="020B0604020202020204" pitchFamily="34" charset="0"/>
-              <a:buNone/>
-              <a:defRPr sz="2400" kern="1200">
-                <a:solidFill>
-                  <a:schemeClr val="tx1"/>
-                </a:solidFill>
-                <a:latin typeface="+mn-lt"/>
-                <a:ea typeface="+mn-ea"/>
-                <a:cs typeface="+mn-cs"/>
-              </a:defRPr>
-            </a:lvl1pPr>
-            <a:lvl2pPr marL="457200" indent="0" algn="ctr" defTabSz="914400" rtl="0" eaLnBrk="1" latinLnBrk="0" hangingPunct="1">
-              <a:lnSpc>
-                <a:spcPct val="90000"/>
-              </a:lnSpc>
-              <a:spcBef>
-                <a:spcPts val="500"/>
-              </a:spcBef>
-              <a:buFont typeface="Arial" panose="020B0604020202020204" pitchFamily="34" charset="0"/>
-              <a:buNone/>
-              <a:defRPr sz="2000" kern="1200">
-                <a:solidFill>
-                  <a:schemeClr val="tx1"/>
-                </a:solidFill>
-                <a:latin typeface="+mn-lt"/>
-                <a:ea typeface="+mn-ea"/>
-                <a:cs typeface="+mn-cs"/>
-              </a:defRPr>
-            </a:lvl2pPr>
-            <a:lvl3pPr marL="914400" indent="0" algn="ctr" defTabSz="914400" rtl="0" eaLnBrk="1" latinLnBrk="0" hangingPunct="1">
-              <a:lnSpc>
-                <a:spcPct val="90000"/>
-              </a:lnSpc>
-              <a:spcBef>
-                <a:spcPts val="500"/>
-              </a:spcBef>
-              <a:buFont typeface="Arial" panose="020B0604020202020204" pitchFamily="34" charset="0"/>
-              <a:buNone/>
-              <a:defRPr sz="1800" kern="1200">
-                <a:solidFill>
-                  <a:schemeClr val="tx1"/>
-                </a:solidFill>
-                <a:latin typeface="+mn-lt"/>
-                <a:ea typeface="+mn-ea"/>
-                <a:cs typeface="+mn-cs"/>
-              </a:defRPr>
-            </a:lvl3pPr>
-            <a:lvl4pPr marL="1371600" indent="0" algn="ctr" defTabSz="914400" rtl="0" eaLnBrk="1" latinLnBrk="0" hangingPunct="1">
-              <a:lnSpc>
-                <a:spcPct val="90000"/>
-              </a:lnSpc>
-              <a:spcBef>
-                <a:spcPts val="500"/>
-              </a:spcBef>
-              <a:buFont typeface="Arial" panose="020B0604020202020204" pitchFamily="34" charset="0"/>
-              <a:buNone/>
-              <a:defRPr sz="1600" kern="1200">
-                <a:solidFill>
-                  <a:schemeClr val="tx1"/>
-                </a:solidFill>
-                <a:latin typeface="+mn-lt"/>
-                <a:ea typeface="+mn-ea"/>
-                <a:cs typeface="+mn-cs"/>
-              </a:defRPr>
-            </a:lvl4pPr>
-            <a:lvl5pPr marL="1828800" indent="0" algn="ctr" defTabSz="914400" rtl="0" eaLnBrk="1" latinLnBrk="0" hangingPunct="1">
-              <a:lnSpc>
-                <a:spcPct val="90000"/>
-              </a:lnSpc>
-              <a:spcBef>
-                <a:spcPts val="500"/>
-              </a:spcBef>
-              <a:buFont typeface="Arial" panose="020B0604020202020204" pitchFamily="34" charset="0"/>
-              <a:buNone/>
-              <a:defRPr sz="1600" kern="1200">
-                <a:solidFill>
-                  <a:schemeClr val="tx1"/>
-                </a:solidFill>
-                <a:latin typeface="+mn-lt"/>
-                <a:ea typeface="+mn-ea"/>
-                <a:cs typeface="+mn-cs"/>
-              </a:defRPr>
-            </a:lvl5pPr>
-            <a:lvl6pPr marL="2286000" indent="0" algn="ctr" defTabSz="914400" rtl="0" eaLnBrk="1" latinLnBrk="0" hangingPunct="1">
-              <a:lnSpc>
-                <a:spcPct val="90000"/>
-              </a:lnSpc>
-              <a:spcBef>
-                <a:spcPts val="500"/>
-              </a:spcBef>
-              <a:buFont typeface="Arial" panose="020B0604020202020204" pitchFamily="34" charset="0"/>
-              <a:buNone/>
-              <a:defRPr sz="1600" kern="1200">
-                <a:solidFill>
-                  <a:schemeClr val="tx1"/>
-                </a:solidFill>
-                <a:latin typeface="+mn-lt"/>
-                <a:ea typeface="+mn-ea"/>
-                <a:cs typeface="+mn-cs"/>
-              </a:defRPr>
-            </a:lvl6pPr>
-            <a:lvl7pPr marL="2743200" indent="0" algn="ctr" defTabSz="914400" rtl="0" eaLnBrk="1" latinLnBrk="0" hangingPunct="1">
-              <a:lnSpc>
-                <a:spcPct val="90000"/>
-              </a:lnSpc>
-              <a:spcBef>
-                <a:spcPts val="500"/>
-              </a:spcBef>
-              <a:buFont typeface="Arial" panose="020B0604020202020204" pitchFamily="34" charset="0"/>
-              <a:buNone/>
-              <a:defRPr sz="1600" kern="1200">
-                <a:solidFill>
-                  <a:schemeClr val="tx1"/>
-                </a:solidFill>
-                <a:latin typeface="+mn-lt"/>
-                <a:ea typeface="+mn-ea"/>
-                <a:cs typeface="+mn-cs"/>
-              </a:defRPr>
-            </a:lvl7pPr>
-            <a:lvl8pPr marL="3200400" indent="0" algn="ctr" defTabSz="914400" rtl="0" eaLnBrk="1" latinLnBrk="0" hangingPunct="1">
-              <a:lnSpc>
-                <a:spcPct val="90000"/>
-              </a:lnSpc>
-              <a:spcBef>
-                <a:spcPts val="500"/>
-              </a:spcBef>
-              <a:buFont typeface="Arial" panose="020B0604020202020204" pitchFamily="34" charset="0"/>
-              <a:buNone/>
-              <a:defRPr sz="1600" kern="1200">
-                <a:solidFill>
-                  <a:schemeClr val="tx1"/>
-                </a:solidFill>
-                <a:latin typeface="+mn-lt"/>
-                <a:ea typeface="+mn-ea"/>
-                <a:cs typeface="+mn-cs"/>
-              </a:defRPr>
-            </a:lvl8pPr>
-            <a:lvl9pPr marL="3657600" indent="0" algn="ctr" defTabSz="914400" rtl="0" eaLnBrk="1" latinLnBrk="0" hangingPunct="1">
-              <a:lnSpc>
-                <a:spcPct val="90000"/>
-              </a:lnSpc>
-              <a:spcBef>
-                <a:spcPts val="500"/>
-              </a:spcBef>
-              <a:buFont typeface="Arial" panose="020B0604020202020204" pitchFamily="34" charset="0"/>
-              <a:buNone/>
-              <a:defRPr sz="1600" kern="1200">
-                <a:solidFill>
-                  <a:schemeClr val="tx1"/>
-                </a:solidFill>
-                <a:latin typeface="+mn-lt"/>
-                <a:ea typeface="+mn-ea"/>
-                <a:cs typeface="+mn-cs"/>
-              </a:defRPr>
-            </a:lvl9pPr>
-          </a:lstStyle>
-          <a:p>
-            <a:pPr marL="285750" indent="-285750" algn="l">
-              <a:lnSpc>
-                <a:spcPct val="120000"/>
-              </a:lnSpc>
+            <a:pPr marL="285750" lvl="0" indent="-285750" algn="l">
               <a:buFont typeface="Wingdings" panose="05000000000000000000" pitchFamily="2" charset="2"/>
               <a:buChar char="ü"/>
             </a:pPr>
-            <a:r>
-              <a:rPr lang="en-CA" sz="1800" b="1" dirty="0">
-                <a:effectLst/>
-                <a:latin typeface="Century Schoolbook" panose="02040604050505020304" pitchFamily="18" charset="0"/>
-                <a:ea typeface="Calibri" panose="020F0502020204030204" pitchFamily="34" charset="0"/>
-                <a:cs typeface="Calibri" panose="020F0502020204030204" pitchFamily="34" charset="0"/>
-              </a:rPr>
-              <a:t>Goal </a:t>
-            </a:r>
             <a:r>
               <a:rPr lang="en-CA" sz="1800" b="1" dirty="0">
                 <a:latin typeface="Century Schoolbook" panose="02040604050505020304" pitchFamily="18" charset="0"/>
                 <a:cs typeface="Calibri" panose="020F0502020204030204" pitchFamily="34" charset="0"/>
               </a:rPr>
-              <a:t>&amp; Hypothesis</a:t>
+              <a:t>Additional questions </a:t>
+            </a:r>
+            <a:r>
+              <a:rPr lang="en-CA" sz="1800" b="1" i="0" dirty="0">
+                <a:solidFill>
+                  <a:srgbClr val="4D5156"/>
+                </a:solidFill>
+                <a:effectLst/>
+                <a:latin typeface="Century Schoolbook" panose="02040604050505020304" pitchFamily="18" charset="0"/>
+              </a:rPr>
+              <a:t>| </a:t>
+            </a:r>
+            <a:r>
+              <a:rPr lang="en-CA" sz="1800" b="1" dirty="0">
+                <a:latin typeface="Century Schoolbook" panose="02040604050505020304" pitchFamily="18" charset="0"/>
+                <a:cs typeface="Calibri" panose="020F0502020204030204" pitchFamily="34" charset="0"/>
+              </a:rPr>
+              <a:t>What would we research next?</a:t>
             </a:r>
           </a:p>
           <a:p>
@@ -7680,14 +6913,30 @@
               <a:buChar char="§"/>
             </a:pPr>
             <a:r>
-              <a:rPr lang="en-CA" sz="1600" dirty="0">
-                <a:effectLst/>
+              <a:rPr lang="en-US" sz="1600" dirty="0">
                 <a:latin typeface="Century Schoolbook" panose="02040604050505020304" pitchFamily="18" charset="0"/>
-                <a:ea typeface="Calibri" panose="020F0502020204030204" pitchFamily="34" charset="0"/>
                 <a:cs typeface="Calibri" panose="020F0502020204030204" pitchFamily="34" charset="0"/>
               </a:rPr>
-              <a:t>To analyse the impact of Covid-19 on the real estate market comparing 2019 and 2020 data from Ontario. </a:t>
-            </a:r>
+              <a:t>We would try to retrieve October &amp; November data for all indicators. We are experiencing the second wave of </a:t>
+            </a:r>
+            <a:r>
+              <a:rPr lang="en-CA" sz="1600" dirty="0">
+                <a:latin typeface="Century Schoolbook" panose="02040604050505020304" pitchFamily="18" charset="0"/>
+                <a:cs typeface="Calibri" panose="020F0502020204030204" pitchFamily="34" charset="0"/>
+              </a:rPr>
+              <a:t>Covid-19, and this key to understand how Covid-19 and the real estate market relate. </a:t>
+            </a:r>
+          </a:p>
+          <a:p>
+            <a:pPr lvl="1" algn="l">
+              <a:lnSpc>
+                <a:spcPct val="120000"/>
+              </a:lnSpc>
+            </a:pPr>
+            <a:endParaRPr lang="en-CA" sz="1600" dirty="0">
+              <a:latin typeface="Century Schoolbook" panose="02040604050505020304" pitchFamily="18" charset="0"/>
+              <a:cs typeface="Calibri" panose="020F0502020204030204" pitchFamily="34" charset="0"/>
+            </a:endParaRPr>
           </a:p>
           <a:p>
             <a:pPr marL="742950" lvl="1" indent="-285750" algn="l">
@@ -7698,13 +6947,35 @@
               <a:buChar char="§"/>
             </a:pPr>
             <a:r>
-              <a:rPr lang="en-CA" sz="1600" dirty="0">
+              <a:rPr lang="en-US" sz="1600" dirty="0" err="1">
                 <a:latin typeface="Century Schoolbook" panose="02040604050505020304" pitchFamily="18" charset="0"/>
                 <a:cs typeface="Calibri" panose="020F0502020204030204" pitchFamily="34" charset="0"/>
               </a:rPr>
-              <a:t>We believe that indicators related to the real estate market will have a lower performance in 2020 than in 2019. (e.g. less houses sold in 2020 than in 2019)</a:t>
-            </a:r>
-            <a:endParaRPr lang="en-CA" sz="1800" dirty="0">
+              <a:t>GeoPandas</a:t>
+            </a:r>
+            <a:r>
+              <a:rPr lang="en-US" sz="1600" dirty="0">
+                <a:latin typeface="Century Schoolbook" panose="02040604050505020304" pitchFamily="18" charset="0"/>
+                <a:cs typeface="Calibri" panose="020F0502020204030204" pitchFamily="34" charset="0"/>
+              </a:rPr>
+              <a:t>: We would provide more granular answers </a:t>
+            </a:r>
+            <a:r>
+              <a:rPr lang="en-US" sz="1600" dirty="0">
+                <a:latin typeface="Century Schoolbook" panose="02040604050505020304" pitchFamily="18" charset="0"/>
+                <a:cs typeface="Calibri" panose="020F0502020204030204" pitchFamily="34" charset="0"/>
+                <a:sym typeface="Wingdings" panose="05000000000000000000" pitchFamily="2" charset="2"/>
+              </a:rPr>
+              <a:t></a:t>
+            </a:r>
+            <a:r>
+              <a:rPr lang="en-US" sz="1600" dirty="0">
+                <a:latin typeface="Century Schoolbook" panose="02040604050505020304" pitchFamily="18" charset="0"/>
+                <a:cs typeface="Calibri" panose="020F0502020204030204" pitchFamily="34" charset="0"/>
+              </a:rPr>
+              <a:t> We would map out the number of Covid-19 cases, and number/price of houses being sold per city within Ontario.</a:t>
+            </a:r>
+            <a:endParaRPr lang="en-CA" sz="1600" dirty="0">
               <a:latin typeface="Century Schoolbook" panose="02040604050505020304" pitchFamily="18" charset="0"/>
               <a:cs typeface="Calibri" panose="020F0502020204030204" pitchFamily="34" charset="0"/>
             </a:endParaRPr>
@@ -7719,16 +6990,6 @@
               <a:cs typeface="Calibri" panose="020F0502020204030204" pitchFamily="34" charset="0"/>
             </a:endParaRPr>
           </a:p>
-          <a:p>
-            <a:pPr marL="285750" lvl="0" indent="-285750" algn="l">
-              <a:buFont typeface="Wingdings" panose="05000000000000000000" pitchFamily="2" charset="2"/>
-              <a:buChar char="ü"/>
-            </a:pPr>
-            <a:endParaRPr lang="en-CA" sz="1800" dirty="0">
-              <a:latin typeface="Century Schoolbook" panose="02040604050505020304" pitchFamily="18" charset="0"/>
-              <a:cs typeface="Calibri" panose="020F0502020204030204" pitchFamily="34" charset="0"/>
-            </a:endParaRPr>
-          </a:p>
         </p:txBody>
       </p:sp>
       <p:pic>
@@ -7748,6 +7009,15 @@
         <p:blipFill rotWithShape="1">
           <a:blip r:embed="rId2">
             <a:extLst>
+              <a:ext uri="{BEBA8EAE-BF5A-486C-A8C5-ECC9F3942E4B}">
+                <a14:imgProps xmlns:a14="http://schemas.microsoft.com/office/drawing/2010/main">
+                  <a14:imgLayer r:embed="rId3">
+                    <a14:imgEffect>
+                      <a14:colorTemperature colorTemp="4700"/>
+                    </a14:imgEffect>
+                  </a14:imgLayer>
+                </a14:imgProps>
+              </a:ext>
               <a:ext uri="{28A0092B-C50C-407E-A947-70E740481C1C}">
                 <a14:useLocalDpi xmlns:a14="http://schemas.microsoft.com/office/drawing/2010/main" val="0"/>
               </a:ext>
@@ -7839,6 +7109,1142 @@
           </a:p>
         </p:txBody>
       </p:sp>
+    </p:spTree>
+    <p:extLst>
+      <p:ext uri="{BB962C8B-B14F-4D97-AF65-F5344CB8AC3E}">
+        <p14:creationId xmlns:p14="http://schemas.microsoft.com/office/powerpoint/2010/main" val="1795987382"/>
+      </p:ext>
+    </p:extLst>
+  </p:cSld>
+  <p:clrMapOvr>
+    <a:masterClrMapping/>
+  </p:clrMapOvr>
+</p:sld>
+</file>
+
+<file path=ppt/slides/slide14.xml><?xml version="1.0" encoding="utf-8"?>
+<p:sld xmlns:a="http://schemas.openxmlformats.org/drawingml/2006/main" xmlns:r="http://schemas.openxmlformats.org/officeDocument/2006/relationships" xmlns:p="http://schemas.openxmlformats.org/presentationml/2006/main">
+  <p:cSld>
+    <p:spTree>
+      <p:nvGrpSpPr>
+        <p:cNvPr id="1" name=""/>
+        <p:cNvGrpSpPr/>
+        <p:nvPr/>
+      </p:nvGrpSpPr>
+      <p:grpSpPr>
+        <a:xfrm>
+          <a:off x="0" y="0"/>
+          <a:ext cx="0" cy="0"/>
+          <a:chOff x="0" y="0"/>
+          <a:chExt cx="0" cy="0"/>
+        </a:xfrm>
+      </p:grpSpPr>
+      <p:sp>
+        <p:nvSpPr>
+          <p:cNvPr id="6" name="Title 1">
+            <a:extLst>
+              <a:ext uri="{FF2B5EF4-FFF2-40B4-BE49-F238E27FC236}">
+                <a16:creationId xmlns:a16="http://schemas.microsoft.com/office/drawing/2014/main" id="{76A09E4B-015C-4F81-B595-B8801F160D84}"/>
+              </a:ext>
+            </a:extLst>
+          </p:cNvPr>
+          <p:cNvSpPr txBox="1">
+            <a:spLocks/>
+          </p:cNvSpPr>
+          <p:nvPr/>
+        </p:nvSpPr>
+        <p:spPr>
+          <a:xfrm>
+            <a:off x="383757" y="597643"/>
+            <a:ext cx="5036542" cy="1158446"/>
+          </a:xfrm>
+          <a:prstGeom prst="rect">
+            <a:avLst/>
+          </a:prstGeom>
+        </p:spPr>
+        <p:txBody>
+          <a:bodyPr vert="horz" lIns="91440" tIns="45720" rIns="91440" bIns="45720" rtlCol="0" anchor="b">
+            <a:normAutofit/>
+          </a:bodyPr>
+          <a:lstStyle>
+            <a:lvl1pPr algn="ctr" defTabSz="914400" rtl="0" eaLnBrk="1" latinLnBrk="0" hangingPunct="1">
+              <a:lnSpc>
+                <a:spcPct val="90000"/>
+              </a:lnSpc>
+              <a:spcBef>
+                <a:spcPct val="0"/>
+              </a:spcBef>
+              <a:buNone/>
+              <a:defRPr sz="6000" kern="1200">
+                <a:solidFill>
+                  <a:schemeClr val="tx1"/>
+                </a:solidFill>
+                <a:latin typeface="+mj-lt"/>
+                <a:ea typeface="+mj-ea"/>
+                <a:cs typeface="+mj-cs"/>
+              </a:defRPr>
+            </a:lvl1pPr>
+          </a:lstStyle>
+          <a:p>
+            <a:pPr algn="l"/>
+            <a:r>
+              <a:rPr lang="en-US" dirty="0">
+                <a:solidFill>
+                  <a:srgbClr val="00B050"/>
+                </a:solidFill>
+                <a:latin typeface="Century Schoolbook" panose="02040604050505020304" pitchFamily="18" charset="0"/>
+              </a:rPr>
+              <a:t>Thank You!</a:t>
+            </a:r>
+          </a:p>
+        </p:txBody>
+      </p:sp>
+      <p:sp>
+        <p:nvSpPr>
+          <p:cNvPr id="7" name="Subtitle 2">
+            <a:extLst>
+              <a:ext uri="{FF2B5EF4-FFF2-40B4-BE49-F238E27FC236}">
+                <a16:creationId xmlns:a16="http://schemas.microsoft.com/office/drawing/2014/main" id="{579D5581-53BA-44EB-8D96-6F645B299C3A}"/>
+              </a:ext>
+            </a:extLst>
+          </p:cNvPr>
+          <p:cNvSpPr txBox="1">
+            <a:spLocks/>
+          </p:cNvSpPr>
+          <p:nvPr/>
+        </p:nvSpPr>
+        <p:spPr>
+          <a:xfrm>
+            <a:off x="265043" y="5640643"/>
+            <a:ext cx="2729948" cy="474836"/>
+          </a:xfrm>
+          <a:prstGeom prst="rect">
+            <a:avLst/>
+          </a:prstGeom>
+        </p:spPr>
+        <p:txBody>
+          <a:bodyPr vert="horz" lIns="91440" tIns="45720" rIns="91440" bIns="45720" rtlCol="0">
+            <a:normAutofit lnSpcReduction="10000"/>
+          </a:bodyPr>
+          <a:lstStyle>
+            <a:lvl1pPr marL="0" indent="0" algn="ctr" defTabSz="914400" rtl="0" eaLnBrk="1" latinLnBrk="0" hangingPunct="1">
+              <a:lnSpc>
+                <a:spcPct val="90000"/>
+              </a:lnSpc>
+              <a:spcBef>
+                <a:spcPts val="1000"/>
+              </a:spcBef>
+              <a:buFont typeface="Arial" panose="020B0604020202020204" pitchFamily="34" charset="0"/>
+              <a:buNone/>
+              <a:defRPr sz="2400" kern="1200">
+                <a:solidFill>
+                  <a:schemeClr val="tx1"/>
+                </a:solidFill>
+                <a:latin typeface="+mn-lt"/>
+                <a:ea typeface="+mn-ea"/>
+                <a:cs typeface="+mn-cs"/>
+              </a:defRPr>
+            </a:lvl1pPr>
+            <a:lvl2pPr marL="457200" indent="0" algn="ctr" defTabSz="914400" rtl="0" eaLnBrk="1" latinLnBrk="0" hangingPunct="1">
+              <a:lnSpc>
+                <a:spcPct val="90000"/>
+              </a:lnSpc>
+              <a:spcBef>
+                <a:spcPts val="500"/>
+              </a:spcBef>
+              <a:buFont typeface="Arial" panose="020B0604020202020204" pitchFamily="34" charset="0"/>
+              <a:buNone/>
+              <a:defRPr sz="2000" kern="1200">
+                <a:solidFill>
+                  <a:schemeClr val="tx1"/>
+                </a:solidFill>
+                <a:latin typeface="+mn-lt"/>
+                <a:ea typeface="+mn-ea"/>
+                <a:cs typeface="+mn-cs"/>
+              </a:defRPr>
+            </a:lvl2pPr>
+            <a:lvl3pPr marL="914400" indent="0" algn="ctr" defTabSz="914400" rtl="0" eaLnBrk="1" latinLnBrk="0" hangingPunct="1">
+              <a:lnSpc>
+                <a:spcPct val="90000"/>
+              </a:lnSpc>
+              <a:spcBef>
+                <a:spcPts val="500"/>
+              </a:spcBef>
+              <a:buFont typeface="Arial" panose="020B0604020202020204" pitchFamily="34" charset="0"/>
+              <a:buNone/>
+              <a:defRPr sz="1800" kern="1200">
+                <a:solidFill>
+                  <a:schemeClr val="tx1"/>
+                </a:solidFill>
+                <a:latin typeface="+mn-lt"/>
+                <a:ea typeface="+mn-ea"/>
+                <a:cs typeface="+mn-cs"/>
+              </a:defRPr>
+            </a:lvl3pPr>
+            <a:lvl4pPr marL="1371600" indent="0" algn="ctr" defTabSz="914400" rtl="0" eaLnBrk="1" latinLnBrk="0" hangingPunct="1">
+              <a:lnSpc>
+                <a:spcPct val="90000"/>
+              </a:lnSpc>
+              <a:spcBef>
+                <a:spcPts val="500"/>
+              </a:spcBef>
+              <a:buFont typeface="Arial" panose="020B0604020202020204" pitchFamily="34" charset="0"/>
+              <a:buNone/>
+              <a:defRPr sz="1600" kern="1200">
+                <a:solidFill>
+                  <a:schemeClr val="tx1"/>
+                </a:solidFill>
+                <a:latin typeface="+mn-lt"/>
+                <a:ea typeface="+mn-ea"/>
+                <a:cs typeface="+mn-cs"/>
+              </a:defRPr>
+            </a:lvl4pPr>
+            <a:lvl5pPr marL="1828800" indent="0" algn="ctr" defTabSz="914400" rtl="0" eaLnBrk="1" latinLnBrk="0" hangingPunct="1">
+              <a:lnSpc>
+                <a:spcPct val="90000"/>
+              </a:lnSpc>
+              <a:spcBef>
+                <a:spcPts val="500"/>
+              </a:spcBef>
+              <a:buFont typeface="Arial" panose="020B0604020202020204" pitchFamily="34" charset="0"/>
+              <a:buNone/>
+              <a:defRPr sz="1600" kern="1200">
+                <a:solidFill>
+                  <a:schemeClr val="tx1"/>
+                </a:solidFill>
+                <a:latin typeface="+mn-lt"/>
+                <a:ea typeface="+mn-ea"/>
+                <a:cs typeface="+mn-cs"/>
+              </a:defRPr>
+            </a:lvl5pPr>
+            <a:lvl6pPr marL="2286000" indent="0" algn="ctr" defTabSz="914400" rtl="0" eaLnBrk="1" latinLnBrk="0" hangingPunct="1">
+              <a:lnSpc>
+                <a:spcPct val="90000"/>
+              </a:lnSpc>
+              <a:spcBef>
+                <a:spcPts val="500"/>
+              </a:spcBef>
+              <a:buFont typeface="Arial" panose="020B0604020202020204" pitchFamily="34" charset="0"/>
+              <a:buNone/>
+              <a:defRPr sz="1600" kern="1200">
+                <a:solidFill>
+                  <a:schemeClr val="tx1"/>
+                </a:solidFill>
+                <a:latin typeface="+mn-lt"/>
+                <a:ea typeface="+mn-ea"/>
+                <a:cs typeface="+mn-cs"/>
+              </a:defRPr>
+            </a:lvl6pPr>
+            <a:lvl7pPr marL="2743200" indent="0" algn="ctr" defTabSz="914400" rtl="0" eaLnBrk="1" latinLnBrk="0" hangingPunct="1">
+              <a:lnSpc>
+                <a:spcPct val="90000"/>
+              </a:lnSpc>
+              <a:spcBef>
+                <a:spcPts val="500"/>
+              </a:spcBef>
+              <a:buFont typeface="Arial" panose="020B0604020202020204" pitchFamily="34" charset="0"/>
+              <a:buNone/>
+              <a:defRPr sz="1600" kern="1200">
+                <a:solidFill>
+                  <a:schemeClr val="tx1"/>
+                </a:solidFill>
+                <a:latin typeface="+mn-lt"/>
+                <a:ea typeface="+mn-ea"/>
+                <a:cs typeface="+mn-cs"/>
+              </a:defRPr>
+            </a:lvl7pPr>
+            <a:lvl8pPr marL="3200400" indent="0" algn="ctr" defTabSz="914400" rtl="0" eaLnBrk="1" latinLnBrk="0" hangingPunct="1">
+              <a:lnSpc>
+                <a:spcPct val="90000"/>
+              </a:lnSpc>
+              <a:spcBef>
+                <a:spcPts val="500"/>
+              </a:spcBef>
+              <a:buFont typeface="Arial" panose="020B0604020202020204" pitchFamily="34" charset="0"/>
+              <a:buNone/>
+              <a:defRPr sz="1600" kern="1200">
+                <a:solidFill>
+                  <a:schemeClr val="tx1"/>
+                </a:solidFill>
+                <a:latin typeface="+mn-lt"/>
+                <a:ea typeface="+mn-ea"/>
+                <a:cs typeface="+mn-cs"/>
+              </a:defRPr>
+            </a:lvl8pPr>
+            <a:lvl9pPr marL="3657600" indent="0" algn="ctr" defTabSz="914400" rtl="0" eaLnBrk="1" latinLnBrk="0" hangingPunct="1">
+              <a:lnSpc>
+                <a:spcPct val="90000"/>
+              </a:lnSpc>
+              <a:spcBef>
+                <a:spcPts val="500"/>
+              </a:spcBef>
+              <a:buFont typeface="Arial" panose="020B0604020202020204" pitchFamily="34" charset="0"/>
+              <a:buNone/>
+              <a:defRPr sz="1600" kern="1200">
+                <a:solidFill>
+                  <a:schemeClr val="tx1"/>
+                </a:solidFill>
+                <a:latin typeface="+mn-lt"/>
+                <a:ea typeface="+mn-ea"/>
+                <a:cs typeface="+mn-cs"/>
+              </a:defRPr>
+            </a:lvl9pPr>
+          </a:lstStyle>
+          <a:p>
+            <a:pPr algn="l"/>
+            <a:r>
+              <a:rPr lang="en-US" sz="2800" dirty="0">
+                <a:solidFill>
+                  <a:schemeClr val="bg1"/>
+                </a:solidFill>
+                <a:latin typeface="Century Schoolbook" panose="02040604050505020304" pitchFamily="18" charset="0"/>
+              </a:rPr>
+              <a:t>Covid-19</a:t>
+            </a:r>
+            <a:r>
+              <a:rPr lang="en-US" sz="2800" dirty="0"/>
+              <a:t> </a:t>
+            </a:r>
+          </a:p>
+        </p:txBody>
+      </p:sp>
+      <p:sp>
+        <p:nvSpPr>
+          <p:cNvPr id="11" name="Subtitle 2">
+            <a:extLst>
+              <a:ext uri="{FF2B5EF4-FFF2-40B4-BE49-F238E27FC236}">
+                <a16:creationId xmlns:a16="http://schemas.microsoft.com/office/drawing/2014/main" id="{8D7D6A06-05A4-43A0-9060-88AF66C8A9F4}"/>
+              </a:ext>
+            </a:extLst>
+          </p:cNvPr>
+          <p:cNvSpPr txBox="1">
+            <a:spLocks/>
+          </p:cNvSpPr>
+          <p:nvPr/>
+        </p:nvSpPr>
+        <p:spPr>
+          <a:xfrm>
+            <a:off x="1630017" y="6115479"/>
+            <a:ext cx="9367371" cy="560300"/>
+          </a:xfrm>
+          <a:prstGeom prst="rect">
+            <a:avLst/>
+          </a:prstGeom>
+        </p:spPr>
+        <p:txBody>
+          <a:bodyPr vert="horz" lIns="91440" tIns="45720" rIns="91440" bIns="45720" rtlCol="0">
+            <a:normAutofit fontScale="70000" lnSpcReduction="20000"/>
+          </a:bodyPr>
+          <a:lstStyle>
+            <a:lvl1pPr marL="0" indent="0" algn="ctr" defTabSz="914400" rtl="0" eaLnBrk="1" latinLnBrk="0" hangingPunct="1">
+              <a:lnSpc>
+                <a:spcPct val="90000"/>
+              </a:lnSpc>
+              <a:spcBef>
+                <a:spcPts val="1000"/>
+              </a:spcBef>
+              <a:buFont typeface="Arial" panose="020B0604020202020204" pitchFamily="34" charset="0"/>
+              <a:buNone/>
+              <a:defRPr sz="2400" kern="1200">
+                <a:solidFill>
+                  <a:schemeClr val="tx1"/>
+                </a:solidFill>
+                <a:latin typeface="+mn-lt"/>
+                <a:ea typeface="+mn-ea"/>
+                <a:cs typeface="+mn-cs"/>
+              </a:defRPr>
+            </a:lvl1pPr>
+            <a:lvl2pPr marL="457200" indent="0" algn="ctr" defTabSz="914400" rtl="0" eaLnBrk="1" latinLnBrk="0" hangingPunct="1">
+              <a:lnSpc>
+                <a:spcPct val="90000"/>
+              </a:lnSpc>
+              <a:spcBef>
+                <a:spcPts val="500"/>
+              </a:spcBef>
+              <a:buFont typeface="Arial" panose="020B0604020202020204" pitchFamily="34" charset="0"/>
+              <a:buNone/>
+              <a:defRPr sz="2000" kern="1200">
+                <a:solidFill>
+                  <a:schemeClr val="tx1"/>
+                </a:solidFill>
+                <a:latin typeface="+mn-lt"/>
+                <a:ea typeface="+mn-ea"/>
+                <a:cs typeface="+mn-cs"/>
+              </a:defRPr>
+            </a:lvl2pPr>
+            <a:lvl3pPr marL="914400" indent="0" algn="ctr" defTabSz="914400" rtl="0" eaLnBrk="1" latinLnBrk="0" hangingPunct="1">
+              <a:lnSpc>
+                <a:spcPct val="90000"/>
+              </a:lnSpc>
+              <a:spcBef>
+                <a:spcPts val="500"/>
+              </a:spcBef>
+              <a:buFont typeface="Arial" panose="020B0604020202020204" pitchFamily="34" charset="0"/>
+              <a:buNone/>
+              <a:defRPr sz="1800" kern="1200">
+                <a:solidFill>
+                  <a:schemeClr val="tx1"/>
+                </a:solidFill>
+                <a:latin typeface="+mn-lt"/>
+                <a:ea typeface="+mn-ea"/>
+                <a:cs typeface="+mn-cs"/>
+              </a:defRPr>
+            </a:lvl3pPr>
+            <a:lvl4pPr marL="1371600" indent="0" algn="ctr" defTabSz="914400" rtl="0" eaLnBrk="1" latinLnBrk="0" hangingPunct="1">
+              <a:lnSpc>
+                <a:spcPct val="90000"/>
+              </a:lnSpc>
+              <a:spcBef>
+                <a:spcPts val="500"/>
+              </a:spcBef>
+              <a:buFont typeface="Arial" panose="020B0604020202020204" pitchFamily="34" charset="0"/>
+              <a:buNone/>
+              <a:defRPr sz="1600" kern="1200">
+                <a:solidFill>
+                  <a:schemeClr val="tx1"/>
+                </a:solidFill>
+                <a:latin typeface="+mn-lt"/>
+                <a:ea typeface="+mn-ea"/>
+                <a:cs typeface="+mn-cs"/>
+              </a:defRPr>
+            </a:lvl4pPr>
+            <a:lvl5pPr marL="1828800" indent="0" algn="ctr" defTabSz="914400" rtl="0" eaLnBrk="1" latinLnBrk="0" hangingPunct="1">
+              <a:lnSpc>
+                <a:spcPct val="90000"/>
+              </a:lnSpc>
+              <a:spcBef>
+                <a:spcPts val="500"/>
+              </a:spcBef>
+              <a:buFont typeface="Arial" panose="020B0604020202020204" pitchFamily="34" charset="0"/>
+              <a:buNone/>
+              <a:defRPr sz="1600" kern="1200">
+                <a:solidFill>
+                  <a:schemeClr val="tx1"/>
+                </a:solidFill>
+                <a:latin typeface="+mn-lt"/>
+                <a:ea typeface="+mn-ea"/>
+                <a:cs typeface="+mn-cs"/>
+              </a:defRPr>
+            </a:lvl5pPr>
+            <a:lvl6pPr marL="2286000" indent="0" algn="ctr" defTabSz="914400" rtl="0" eaLnBrk="1" latinLnBrk="0" hangingPunct="1">
+              <a:lnSpc>
+                <a:spcPct val="90000"/>
+              </a:lnSpc>
+              <a:spcBef>
+                <a:spcPts val="500"/>
+              </a:spcBef>
+              <a:buFont typeface="Arial" panose="020B0604020202020204" pitchFamily="34" charset="0"/>
+              <a:buNone/>
+              <a:defRPr sz="1600" kern="1200">
+                <a:solidFill>
+                  <a:schemeClr val="tx1"/>
+                </a:solidFill>
+                <a:latin typeface="+mn-lt"/>
+                <a:ea typeface="+mn-ea"/>
+                <a:cs typeface="+mn-cs"/>
+              </a:defRPr>
+            </a:lvl6pPr>
+            <a:lvl7pPr marL="2743200" indent="0" algn="ctr" defTabSz="914400" rtl="0" eaLnBrk="1" latinLnBrk="0" hangingPunct="1">
+              <a:lnSpc>
+                <a:spcPct val="90000"/>
+              </a:lnSpc>
+              <a:spcBef>
+                <a:spcPts val="500"/>
+              </a:spcBef>
+              <a:buFont typeface="Arial" panose="020B0604020202020204" pitchFamily="34" charset="0"/>
+              <a:buNone/>
+              <a:defRPr sz="1600" kern="1200">
+                <a:solidFill>
+                  <a:schemeClr val="tx1"/>
+                </a:solidFill>
+                <a:latin typeface="+mn-lt"/>
+                <a:ea typeface="+mn-ea"/>
+                <a:cs typeface="+mn-cs"/>
+              </a:defRPr>
+            </a:lvl7pPr>
+            <a:lvl8pPr marL="3200400" indent="0" algn="ctr" defTabSz="914400" rtl="0" eaLnBrk="1" latinLnBrk="0" hangingPunct="1">
+              <a:lnSpc>
+                <a:spcPct val="90000"/>
+              </a:lnSpc>
+              <a:spcBef>
+                <a:spcPts val="500"/>
+              </a:spcBef>
+              <a:buFont typeface="Arial" panose="020B0604020202020204" pitchFamily="34" charset="0"/>
+              <a:buNone/>
+              <a:defRPr sz="1600" kern="1200">
+                <a:solidFill>
+                  <a:schemeClr val="tx1"/>
+                </a:solidFill>
+                <a:latin typeface="+mn-lt"/>
+                <a:ea typeface="+mn-ea"/>
+                <a:cs typeface="+mn-cs"/>
+              </a:defRPr>
+            </a:lvl8pPr>
+            <a:lvl9pPr marL="3657600" indent="0" algn="ctr" defTabSz="914400" rtl="0" eaLnBrk="1" latinLnBrk="0" hangingPunct="1">
+              <a:lnSpc>
+                <a:spcPct val="90000"/>
+              </a:lnSpc>
+              <a:spcBef>
+                <a:spcPts val="500"/>
+              </a:spcBef>
+              <a:buFont typeface="Arial" panose="020B0604020202020204" pitchFamily="34" charset="0"/>
+              <a:buNone/>
+              <a:defRPr sz="1600" kern="1200">
+                <a:solidFill>
+                  <a:schemeClr val="tx1"/>
+                </a:solidFill>
+                <a:latin typeface="+mn-lt"/>
+                <a:ea typeface="+mn-ea"/>
+                <a:cs typeface="+mn-cs"/>
+              </a:defRPr>
+            </a:lvl9pPr>
+          </a:lstStyle>
+          <a:p>
+            <a:pPr algn="l"/>
+            <a:r>
+              <a:rPr lang="en-US" sz="2700" b="1" dirty="0">
+                <a:latin typeface="Century Schoolbook" panose="02040604050505020304" pitchFamily="18" charset="0"/>
+              </a:rPr>
+              <a:t>Emilia</a:t>
+            </a:r>
+            <a:r>
+              <a:rPr lang="en-US" sz="2700" dirty="0">
+                <a:latin typeface="Century Schoolbook" panose="02040604050505020304" pitchFamily="18" charset="0"/>
+              </a:rPr>
+              <a:t> </a:t>
+            </a:r>
+            <a:r>
+              <a:rPr lang="en-CA" sz="2700" dirty="0" err="1">
+                <a:latin typeface="Century Schoolbook" panose="02040604050505020304" pitchFamily="18" charset="0"/>
+              </a:rPr>
+              <a:t>Lubanska</a:t>
+            </a:r>
+            <a:r>
+              <a:rPr lang="en-CA" sz="2700" dirty="0">
+                <a:latin typeface="Century Schoolbook" panose="02040604050505020304" pitchFamily="18" charset="0"/>
+              </a:rPr>
+              <a:t>,</a:t>
+            </a:r>
+            <a:r>
+              <a:rPr lang="en-US" sz="2700" dirty="0">
+                <a:latin typeface="Century Schoolbook" panose="02040604050505020304" pitchFamily="18" charset="0"/>
+              </a:rPr>
+              <a:t> </a:t>
+            </a:r>
+            <a:r>
+              <a:rPr lang="en-US" sz="2800" b="1" dirty="0">
+                <a:latin typeface="Century Schoolbook" panose="02040604050505020304" pitchFamily="18" charset="0"/>
+              </a:rPr>
+              <a:t>Jorge</a:t>
+            </a:r>
+            <a:r>
+              <a:rPr lang="en-US" sz="2800" dirty="0">
+                <a:latin typeface="Century Schoolbook" panose="02040604050505020304" pitchFamily="18" charset="0"/>
+              </a:rPr>
+              <a:t> Arriola, </a:t>
+            </a:r>
+            <a:r>
+              <a:rPr lang="en-US" sz="2800" b="1" dirty="0">
+                <a:latin typeface="Century Schoolbook" panose="02040604050505020304" pitchFamily="18" charset="0"/>
+              </a:rPr>
+              <a:t>Marina </a:t>
+            </a:r>
+            <a:r>
+              <a:rPr lang="en-US" sz="2800" dirty="0">
+                <a:latin typeface="Century Schoolbook" panose="02040604050505020304" pitchFamily="18" charset="0"/>
+              </a:rPr>
+              <a:t>Ercoli, </a:t>
+            </a:r>
+            <a:r>
+              <a:rPr lang="en-US" sz="2800" b="1" dirty="0">
+                <a:latin typeface="Century Schoolbook" panose="02040604050505020304" pitchFamily="18" charset="0"/>
+              </a:rPr>
+              <a:t>Monica</a:t>
+            </a:r>
+            <a:r>
+              <a:rPr lang="en-US" sz="2800" dirty="0">
+                <a:latin typeface="Century Schoolbook" panose="02040604050505020304" pitchFamily="18" charset="0"/>
+              </a:rPr>
+              <a:t> Lin, </a:t>
+            </a:r>
+            <a:r>
+              <a:rPr lang="en-US" sz="2800" b="1" dirty="0" err="1">
+                <a:latin typeface="Century Schoolbook" panose="02040604050505020304" pitchFamily="18" charset="0"/>
+              </a:rPr>
+              <a:t>Ulisses</a:t>
+            </a:r>
+            <a:r>
+              <a:rPr lang="en-US" sz="2800" b="1" dirty="0">
+                <a:latin typeface="Century Schoolbook" panose="02040604050505020304" pitchFamily="18" charset="0"/>
+              </a:rPr>
+              <a:t> </a:t>
+            </a:r>
+            <a:r>
+              <a:rPr lang="en-US" sz="2800" dirty="0">
+                <a:latin typeface="Century Schoolbook" panose="02040604050505020304" pitchFamily="18" charset="0"/>
+              </a:rPr>
+              <a:t>Pinto </a:t>
+            </a:r>
+            <a:endParaRPr lang="en-US" sz="2800" dirty="0"/>
+          </a:p>
+        </p:txBody>
+      </p:sp>
+      <p:sp>
+        <p:nvSpPr>
+          <p:cNvPr id="13" name="Title 1">
+            <a:extLst>
+              <a:ext uri="{FF2B5EF4-FFF2-40B4-BE49-F238E27FC236}">
+                <a16:creationId xmlns:a16="http://schemas.microsoft.com/office/drawing/2014/main" id="{29B929CA-254B-4B37-AD20-E98B25F83D91}"/>
+              </a:ext>
+            </a:extLst>
+          </p:cNvPr>
+          <p:cNvSpPr txBox="1">
+            <a:spLocks/>
+          </p:cNvSpPr>
+          <p:nvPr/>
+        </p:nvSpPr>
+        <p:spPr>
+          <a:xfrm>
+            <a:off x="3971133" y="2871043"/>
+            <a:ext cx="4481750" cy="903516"/>
+          </a:xfrm>
+          <a:prstGeom prst="rect">
+            <a:avLst/>
+          </a:prstGeom>
+        </p:spPr>
+        <p:txBody>
+          <a:bodyPr vert="horz" lIns="91440" tIns="45720" rIns="91440" bIns="45720" rtlCol="0" anchor="b">
+            <a:normAutofit fontScale="55000" lnSpcReduction="20000"/>
+          </a:bodyPr>
+          <a:lstStyle>
+            <a:lvl1pPr algn="ctr" defTabSz="914400" rtl="0" eaLnBrk="1" latinLnBrk="0" hangingPunct="1">
+              <a:lnSpc>
+                <a:spcPct val="90000"/>
+              </a:lnSpc>
+              <a:spcBef>
+                <a:spcPct val="0"/>
+              </a:spcBef>
+              <a:buNone/>
+              <a:defRPr sz="6000" kern="1200">
+                <a:solidFill>
+                  <a:schemeClr val="tx1"/>
+                </a:solidFill>
+                <a:latin typeface="+mj-lt"/>
+                <a:ea typeface="+mj-ea"/>
+                <a:cs typeface="+mj-cs"/>
+              </a:defRPr>
+            </a:lvl1pPr>
+          </a:lstStyle>
+          <a:p>
+            <a:pPr algn="l"/>
+            <a:r>
+              <a:rPr lang="en-US" dirty="0">
+                <a:solidFill>
+                  <a:schemeClr val="accent2">
+                    <a:lumMod val="60000"/>
+                    <a:lumOff val="40000"/>
+                  </a:schemeClr>
+                </a:solidFill>
+                <a:latin typeface="Century Schoolbook" panose="02040604050505020304" pitchFamily="18" charset="0"/>
+              </a:rPr>
+              <a:t>Our photo to be added</a:t>
+            </a:r>
+          </a:p>
+        </p:txBody>
+      </p:sp>
+    </p:spTree>
+    <p:extLst>
+      <p:ext uri="{BB962C8B-B14F-4D97-AF65-F5344CB8AC3E}">
+        <p14:creationId xmlns:p14="http://schemas.microsoft.com/office/powerpoint/2010/main" val="1704619193"/>
+      </p:ext>
+    </p:extLst>
+  </p:cSld>
+  <p:clrMapOvr>
+    <a:masterClrMapping/>
+  </p:clrMapOvr>
+  <mc:AlternateContent xmlns:mc="http://schemas.openxmlformats.org/markup-compatibility/2006" xmlns:p159="http://schemas.microsoft.com/office/powerpoint/2015/09/main">
+    <mc:Choice Requires="p159">
+      <p:transition xmlns:p14="http://schemas.microsoft.com/office/powerpoint/2010/main" spd="slow" p14:dur="2000">
+        <p159:morph option="byObject"/>
+      </p:transition>
+    </mc:Choice>
+    <mc:Fallback xmlns="">
+      <p:transition spd="slow">
+        <p:fade/>
+      </p:transition>
+    </mc:Fallback>
+  </mc:AlternateContent>
+</p:sld>
+</file>
+
+<file path=ppt/slides/slide2.xml><?xml version="1.0" encoding="utf-8"?>
+<p:sld xmlns:a="http://schemas.openxmlformats.org/drawingml/2006/main" xmlns:r="http://schemas.openxmlformats.org/officeDocument/2006/relationships" xmlns:p="http://schemas.openxmlformats.org/presentationml/2006/main">
+  <p:cSld>
+    <p:spTree>
+      <p:nvGrpSpPr>
+        <p:cNvPr id="1" name=""/>
+        <p:cNvGrpSpPr/>
+        <p:nvPr/>
+      </p:nvGrpSpPr>
+      <p:grpSpPr>
+        <a:xfrm>
+          <a:off x="0" y="0"/>
+          <a:ext cx="0" cy="0"/>
+          <a:chOff x="0" y="0"/>
+          <a:chExt cx="0" cy="0"/>
+        </a:xfrm>
+      </p:grpSpPr>
+      <p:sp>
+        <p:nvSpPr>
+          <p:cNvPr id="4" name="Title 1">
+            <a:extLst>
+              <a:ext uri="{FF2B5EF4-FFF2-40B4-BE49-F238E27FC236}">
+                <a16:creationId xmlns:a16="http://schemas.microsoft.com/office/drawing/2014/main" id="{50DF5C7B-714C-44DC-B49A-F16BE5E80C8B}"/>
+              </a:ext>
+            </a:extLst>
+          </p:cNvPr>
+          <p:cNvSpPr txBox="1">
+            <a:spLocks/>
+          </p:cNvSpPr>
+          <p:nvPr/>
+        </p:nvSpPr>
+        <p:spPr>
+          <a:xfrm>
+            <a:off x="424920" y="330535"/>
+            <a:ext cx="5535205" cy="935510"/>
+          </a:xfrm>
+          <a:prstGeom prst="rect">
+            <a:avLst/>
+          </a:prstGeom>
+        </p:spPr>
+        <p:txBody>
+          <a:bodyPr vert="horz" lIns="91440" tIns="45720" rIns="91440" bIns="45720" rtlCol="0" anchor="b">
+            <a:normAutofit/>
+          </a:bodyPr>
+          <a:lstStyle>
+            <a:lvl1pPr algn="ctr" defTabSz="914400" rtl="0" eaLnBrk="1" latinLnBrk="0" hangingPunct="1">
+              <a:lnSpc>
+                <a:spcPct val="90000"/>
+              </a:lnSpc>
+              <a:spcBef>
+                <a:spcPct val="0"/>
+              </a:spcBef>
+              <a:buNone/>
+              <a:defRPr sz="6000" kern="1200">
+                <a:solidFill>
+                  <a:schemeClr val="tx1"/>
+                </a:solidFill>
+                <a:latin typeface="+mj-lt"/>
+                <a:ea typeface="+mj-ea"/>
+                <a:cs typeface="+mj-cs"/>
+              </a:defRPr>
+            </a:lvl1pPr>
+          </a:lstStyle>
+          <a:p>
+            <a:pPr algn="l">
+              <a:spcBef>
+                <a:spcPts val="600"/>
+              </a:spcBef>
+              <a:spcAft>
+                <a:spcPts val="600"/>
+              </a:spcAft>
+            </a:pPr>
+            <a:r>
+              <a:rPr lang="en-US" sz="3400" dirty="0">
+                <a:solidFill>
+                  <a:schemeClr val="accent6"/>
+                </a:solidFill>
+                <a:latin typeface="Century Schoolbook" panose="02040604050505020304" pitchFamily="18" charset="0"/>
+              </a:rPr>
+              <a:t>Motivation &amp; Summary</a:t>
+            </a:r>
+          </a:p>
+        </p:txBody>
+      </p:sp>
+      <p:sp>
+        <p:nvSpPr>
+          <p:cNvPr id="6" name="Subtitle 2">
+            <a:extLst>
+              <a:ext uri="{FF2B5EF4-FFF2-40B4-BE49-F238E27FC236}">
+                <a16:creationId xmlns:a16="http://schemas.microsoft.com/office/drawing/2014/main" id="{AB8C65B5-8163-4E17-BC2A-195AC06AD212}"/>
+              </a:ext>
+            </a:extLst>
+          </p:cNvPr>
+          <p:cNvSpPr txBox="1">
+            <a:spLocks/>
+          </p:cNvSpPr>
+          <p:nvPr/>
+        </p:nvSpPr>
+        <p:spPr>
+          <a:xfrm>
+            <a:off x="796673" y="1604837"/>
+            <a:ext cx="8942238" cy="1824163"/>
+          </a:xfrm>
+          <a:prstGeom prst="rect">
+            <a:avLst/>
+          </a:prstGeom>
+        </p:spPr>
+        <p:txBody>
+          <a:bodyPr vert="horz" lIns="91440" tIns="45720" rIns="91440" bIns="45720" rtlCol="0">
+            <a:normAutofit/>
+          </a:bodyPr>
+          <a:lstStyle>
+            <a:lvl1pPr marL="0" indent="0" algn="ctr" defTabSz="914400" rtl="0" eaLnBrk="1" latinLnBrk="0" hangingPunct="1">
+              <a:lnSpc>
+                <a:spcPct val="90000"/>
+              </a:lnSpc>
+              <a:spcBef>
+                <a:spcPts val="1000"/>
+              </a:spcBef>
+              <a:buFont typeface="Arial" panose="020B0604020202020204" pitchFamily="34" charset="0"/>
+              <a:buNone/>
+              <a:defRPr sz="2400" kern="1200">
+                <a:solidFill>
+                  <a:schemeClr val="tx1"/>
+                </a:solidFill>
+                <a:latin typeface="+mn-lt"/>
+                <a:ea typeface="+mn-ea"/>
+                <a:cs typeface="+mn-cs"/>
+              </a:defRPr>
+            </a:lvl1pPr>
+            <a:lvl2pPr marL="457200" indent="0" algn="ctr" defTabSz="914400" rtl="0" eaLnBrk="1" latinLnBrk="0" hangingPunct="1">
+              <a:lnSpc>
+                <a:spcPct val="90000"/>
+              </a:lnSpc>
+              <a:spcBef>
+                <a:spcPts val="500"/>
+              </a:spcBef>
+              <a:buFont typeface="Arial" panose="020B0604020202020204" pitchFamily="34" charset="0"/>
+              <a:buNone/>
+              <a:defRPr sz="2000" kern="1200">
+                <a:solidFill>
+                  <a:schemeClr val="tx1"/>
+                </a:solidFill>
+                <a:latin typeface="+mn-lt"/>
+                <a:ea typeface="+mn-ea"/>
+                <a:cs typeface="+mn-cs"/>
+              </a:defRPr>
+            </a:lvl2pPr>
+            <a:lvl3pPr marL="914400" indent="0" algn="ctr" defTabSz="914400" rtl="0" eaLnBrk="1" latinLnBrk="0" hangingPunct="1">
+              <a:lnSpc>
+                <a:spcPct val="90000"/>
+              </a:lnSpc>
+              <a:spcBef>
+                <a:spcPts val="500"/>
+              </a:spcBef>
+              <a:buFont typeface="Arial" panose="020B0604020202020204" pitchFamily="34" charset="0"/>
+              <a:buNone/>
+              <a:defRPr sz="1800" kern="1200">
+                <a:solidFill>
+                  <a:schemeClr val="tx1"/>
+                </a:solidFill>
+                <a:latin typeface="+mn-lt"/>
+                <a:ea typeface="+mn-ea"/>
+                <a:cs typeface="+mn-cs"/>
+              </a:defRPr>
+            </a:lvl3pPr>
+            <a:lvl4pPr marL="1371600" indent="0" algn="ctr" defTabSz="914400" rtl="0" eaLnBrk="1" latinLnBrk="0" hangingPunct="1">
+              <a:lnSpc>
+                <a:spcPct val="90000"/>
+              </a:lnSpc>
+              <a:spcBef>
+                <a:spcPts val="500"/>
+              </a:spcBef>
+              <a:buFont typeface="Arial" panose="020B0604020202020204" pitchFamily="34" charset="0"/>
+              <a:buNone/>
+              <a:defRPr sz="1600" kern="1200">
+                <a:solidFill>
+                  <a:schemeClr val="tx1"/>
+                </a:solidFill>
+                <a:latin typeface="+mn-lt"/>
+                <a:ea typeface="+mn-ea"/>
+                <a:cs typeface="+mn-cs"/>
+              </a:defRPr>
+            </a:lvl4pPr>
+            <a:lvl5pPr marL="1828800" indent="0" algn="ctr" defTabSz="914400" rtl="0" eaLnBrk="1" latinLnBrk="0" hangingPunct="1">
+              <a:lnSpc>
+                <a:spcPct val="90000"/>
+              </a:lnSpc>
+              <a:spcBef>
+                <a:spcPts val="500"/>
+              </a:spcBef>
+              <a:buFont typeface="Arial" panose="020B0604020202020204" pitchFamily="34" charset="0"/>
+              <a:buNone/>
+              <a:defRPr sz="1600" kern="1200">
+                <a:solidFill>
+                  <a:schemeClr val="tx1"/>
+                </a:solidFill>
+                <a:latin typeface="+mn-lt"/>
+                <a:ea typeface="+mn-ea"/>
+                <a:cs typeface="+mn-cs"/>
+              </a:defRPr>
+            </a:lvl5pPr>
+            <a:lvl6pPr marL="2286000" indent="0" algn="ctr" defTabSz="914400" rtl="0" eaLnBrk="1" latinLnBrk="0" hangingPunct="1">
+              <a:lnSpc>
+                <a:spcPct val="90000"/>
+              </a:lnSpc>
+              <a:spcBef>
+                <a:spcPts val="500"/>
+              </a:spcBef>
+              <a:buFont typeface="Arial" panose="020B0604020202020204" pitchFamily="34" charset="0"/>
+              <a:buNone/>
+              <a:defRPr sz="1600" kern="1200">
+                <a:solidFill>
+                  <a:schemeClr val="tx1"/>
+                </a:solidFill>
+                <a:latin typeface="+mn-lt"/>
+                <a:ea typeface="+mn-ea"/>
+                <a:cs typeface="+mn-cs"/>
+              </a:defRPr>
+            </a:lvl6pPr>
+            <a:lvl7pPr marL="2743200" indent="0" algn="ctr" defTabSz="914400" rtl="0" eaLnBrk="1" latinLnBrk="0" hangingPunct="1">
+              <a:lnSpc>
+                <a:spcPct val="90000"/>
+              </a:lnSpc>
+              <a:spcBef>
+                <a:spcPts val="500"/>
+              </a:spcBef>
+              <a:buFont typeface="Arial" panose="020B0604020202020204" pitchFamily="34" charset="0"/>
+              <a:buNone/>
+              <a:defRPr sz="1600" kern="1200">
+                <a:solidFill>
+                  <a:schemeClr val="tx1"/>
+                </a:solidFill>
+                <a:latin typeface="+mn-lt"/>
+                <a:ea typeface="+mn-ea"/>
+                <a:cs typeface="+mn-cs"/>
+              </a:defRPr>
+            </a:lvl7pPr>
+            <a:lvl8pPr marL="3200400" indent="0" algn="ctr" defTabSz="914400" rtl="0" eaLnBrk="1" latinLnBrk="0" hangingPunct="1">
+              <a:lnSpc>
+                <a:spcPct val="90000"/>
+              </a:lnSpc>
+              <a:spcBef>
+                <a:spcPts val="500"/>
+              </a:spcBef>
+              <a:buFont typeface="Arial" panose="020B0604020202020204" pitchFamily="34" charset="0"/>
+              <a:buNone/>
+              <a:defRPr sz="1600" kern="1200">
+                <a:solidFill>
+                  <a:schemeClr val="tx1"/>
+                </a:solidFill>
+                <a:latin typeface="+mn-lt"/>
+                <a:ea typeface="+mn-ea"/>
+                <a:cs typeface="+mn-cs"/>
+              </a:defRPr>
+            </a:lvl8pPr>
+            <a:lvl9pPr marL="3657600" indent="0" algn="ctr" defTabSz="914400" rtl="0" eaLnBrk="1" latinLnBrk="0" hangingPunct="1">
+              <a:lnSpc>
+                <a:spcPct val="90000"/>
+              </a:lnSpc>
+              <a:spcBef>
+                <a:spcPts val="500"/>
+              </a:spcBef>
+              <a:buFont typeface="Arial" panose="020B0604020202020204" pitchFamily="34" charset="0"/>
+              <a:buNone/>
+              <a:defRPr sz="1600" kern="1200">
+                <a:solidFill>
+                  <a:schemeClr val="tx1"/>
+                </a:solidFill>
+                <a:latin typeface="+mn-lt"/>
+                <a:ea typeface="+mn-ea"/>
+                <a:cs typeface="+mn-cs"/>
+              </a:defRPr>
+            </a:lvl9pPr>
+          </a:lstStyle>
+          <a:p>
+            <a:pPr marL="285750" indent="-285750" algn="l">
+              <a:lnSpc>
+                <a:spcPct val="120000"/>
+              </a:lnSpc>
+              <a:buFont typeface="Wingdings" panose="05000000000000000000" pitchFamily="2" charset="2"/>
+              <a:buChar char="ü"/>
+            </a:pPr>
+            <a:r>
+              <a:rPr lang="en-CA" sz="1800" b="1" dirty="0">
+                <a:effectLst/>
+                <a:latin typeface="Century Schoolbook" panose="02040604050505020304" pitchFamily="18" charset="0"/>
+                <a:ea typeface="Calibri" panose="020F0502020204030204" pitchFamily="34" charset="0"/>
+                <a:cs typeface="Calibri" panose="020F0502020204030204" pitchFamily="34" charset="0"/>
+              </a:rPr>
+              <a:t>Goal </a:t>
+            </a:r>
+            <a:r>
+              <a:rPr lang="en-CA" sz="1800" b="1" dirty="0">
+                <a:latin typeface="Century Schoolbook" panose="02040604050505020304" pitchFamily="18" charset="0"/>
+                <a:cs typeface="Calibri" panose="020F0502020204030204" pitchFamily="34" charset="0"/>
+              </a:rPr>
+              <a:t>&amp; Hypothesis</a:t>
+            </a:r>
+          </a:p>
+          <a:p>
+            <a:pPr marL="742950" lvl="1" indent="-285750" algn="l">
+              <a:lnSpc>
+                <a:spcPct val="120000"/>
+              </a:lnSpc>
+              <a:buFont typeface="Wingdings" panose="05000000000000000000" pitchFamily="2" charset="2"/>
+              <a:buChar char="§"/>
+            </a:pPr>
+            <a:r>
+              <a:rPr lang="en-CA" sz="1600" dirty="0">
+                <a:effectLst/>
+                <a:latin typeface="Century Schoolbook" panose="02040604050505020304" pitchFamily="18" charset="0"/>
+                <a:ea typeface="Calibri" panose="020F0502020204030204" pitchFamily="34" charset="0"/>
+                <a:cs typeface="Calibri" panose="020F0502020204030204" pitchFamily="34" charset="0"/>
+              </a:rPr>
+              <a:t>To analyse the impact of Covid-19 on the real estate market comparing 2019 and 2020 data from Ontario. </a:t>
+            </a:r>
+          </a:p>
+          <a:p>
+            <a:pPr marL="742950" lvl="1" indent="-285750" algn="l">
+              <a:lnSpc>
+                <a:spcPct val="120000"/>
+              </a:lnSpc>
+              <a:buFont typeface="Wingdings" panose="05000000000000000000" pitchFamily="2" charset="2"/>
+              <a:buChar char="§"/>
+            </a:pPr>
+            <a:r>
+              <a:rPr lang="en-CA" sz="1600" dirty="0">
+                <a:latin typeface="Century Schoolbook" panose="02040604050505020304" pitchFamily="18" charset="0"/>
+                <a:cs typeface="Calibri" panose="020F0502020204030204" pitchFamily="34" charset="0"/>
+              </a:rPr>
+              <a:t>We believe that indicators related to the real estate market will have a lower performance in 2020 than in 2019. (e.g. less houses sold in 2020 than in 2019)</a:t>
+            </a:r>
+            <a:endParaRPr lang="en-CA" sz="1800" dirty="0">
+              <a:latin typeface="Century Schoolbook" panose="02040604050505020304" pitchFamily="18" charset="0"/>
+              <a:cs typeface="Calibri" panose="020F0502020204030204" pitchFamily="34" charset="0"/>
+            </a:endParaRPr>
+          </a:p>
+          <a:p>
+            <a:pPr marL="285750" lvl="0" indent="-285750" algn="l">
+              <a:buFont typeface="Wingdings" panose="05000000000000000000" pitchFamily="2" charset="2"/>
+              <a:buChar char="ü"/>
+            </a:pPr>
+            <a:endParaRPr lang="en-CA" sz="1800" dirty="0">
+              <a:latin typeface="Century Schoolbook" panose="02040604050505020304" pitchFamily="18" charset="0"/>
+              <a:cs typeface="Calibri" panose="020F0502020204030204" pitchFamily="34" charset="0"/>
+            </a:endParaRPr>
+          </a:p>
+          <a:p>
+            <a:pPr marL="285750" lvl="0" indent="-285750" algn="l">
+              <a:buFont typeface="Wingdings" panose="05000000000000000000" pitchFamily="2" charset="2"/>
+              <a:buChar char="ü"/>
+            </a:pPr>
+            <a:endParaRPr lang="en-CA" sz="1800" dirty="0">
+              <a:latin typeface="Century Schoolbook" panose="02040604050505020304" pitchFamily="18" charset="0"/>
+              <a:cs typeface="Calibri" panose="020F0502020204030204" pitchFamily="34" charset="0"/>
+            </a:endParaRPr>
+          </a:p>
+        </p:txBody>
+      </p:sp>
+      <p:pic>
+        <p:nvPicPr>
+          <p:cNvPr id="8" name="Picture 7" descr="A picture containing diagram&#10;&#10;Description automatically generated">
+            <a:extLst>
+              <a:ext uri="{FF2B5EF4-FFF2-40B4-BE49-F238E27FC236}">
+                <a16:creationId xmlns:a16="http://schemas.microsoft.com/office/drawing/2014/main" id="{7314AAE1-4A8B-4769-9B85-F4F77C3FA243}"/>
+              </a:ext>
+            </a:extLst>
+          </p:cNvPr>
+          <p:cNvPicPr>
+            <a:picLocks noChangeAspect="1"/>
+          </p:cNvPicPr>
+          <p:nvPr/>
+        </p:nvPicPr>
+        <p:blipFill rotWithShape="1">
+          <a:blip r:embed="rId2">
+            <a:extLst>
+              <a:ext uri="{28A0092B-C50C-407E-A947-70E740481C1C}">
+                <a14:useLocalDpi xmlns:a14="http://schemas.microsoft.com/office/drawing/2010/main" val="0"/>
+              </a:ext>
+            </a:extLst>
+          </a:blip>
+          <a:srcRect l="4257" t="23094" r="65929" b="35362"/>
+          <a:stretch/>
+        </p:blipFill>
+        <p:spPr>
+          <a:xfrm>
+            <a:off x="10176498" y="0"/>
+            <a:ext cx="2015502" cy="1604836"/>
+          </a:xfrm>
+          <a:prstGeom prst="rect">
+            <a:avLst/>
+          </a:prstGeom>
+        </p:spPr>
+      </p:pic>
+      <p:sp>
+        <p:nvSpPr>
+          <p:cNvPr id="10" name="Rectangle 9">
+            <a:extLst>
+              <a:ext uri="{FF2B5EF4-FFF2-40B4-BE49-F238E27FC236}">
+                <a16:creationId xmlns:a16="http://schemas.microsoft.com/office/drawing/2014/main" id="{EADA0E04-8858-4EB2-A55F-CD4DAD514B83}"/>
+              </a:ext>
+            </a:extLst>
+          </p:cNvPr>
+          <p:cNvSpPr/>
+          <p:nvPr/>
+        </p:nvSpPr>
+        <p:spPr>
+          <a:xfrm>
+            <a:off x="0" y="6143231"/>
+            <a:ext cx="12192000" cy="642730"/>
+          </a:xfrm>
+          <a:prstGeom prst="rect">
+            <a:avLst/>
+          </a:prstGeom>
+          <a:solidFill>
+            <a:schemeClr val="tx1">
+              <a:lumMod val="65000"/>
+              <a:lumOff val="35000"/>
+            </a:schemeClr>
+          </a:solidFill>
+          <a:ln>
+            <a:noFill/>
+          </a:ln>
+          <a:effectLst>
+            <a:outerShdw blurRad="190500" dist="228600" dir="2700000" algn="ctr">
+              <a:srgbClr val="000000">
+                <a:alpha val="30000"/>
+              </a:srgbClr>
+            </a:outerShdw>
+          </a:effectLst>
+          <a:scene3d>
+            <a:camera prst="orthographicFront">
+              <a:rot lat="0" lon="0" rev="0"/>
+            </a:camera>
+            <a:lightRig rig="glow" dir="t">
+              <a:rot lat="0" lon="0" rev="4800000"/>
+            </a:lightRig>
+          </a:scene3d>
+          <a:sp3d prstMaterial="matte">
+            <a:bevelT w="127000" h="63500"/>
+          </a:sp3d>
+        </p:spPr>
+        <p:style>
+          <a:lnRef idx="2">
+            <a:schemeClr val="accent1">
+              <a:shade val="50000"/>
+            </a:schemeClr>
+          </a:lnRef>
+          <a:fillRef idx="1">
+            <a:schemeClr val="accent1"/>
+          </a:fillRef>
+          <a:effectRef idx="0">
+            <a:schemeClr val="accent1"/>
+          </a:effectRef>
+          <a:fontRef idx="minor">
+            <a:schemeClr val="lt1"/>
+          </a:fontRef>
+        </p:style>
+        <p:txBody>
+          <a:bodyPr rtlCol="0" anchor="ctr"/>
+          <a:lstStyle/>
+          <a:p>
+            <a:pPr algn="ctr"/>
+            <a:endParaRPr lang="en-CA"/>
+          </a:p>
+        </p:txBody>
+      </p:sp>
       <p:sp>
         <p:nvSpPr>
           <p:cNvPr id="7" name="Subtitle 2">
@@ -8273,18 +8679,6 @@
   <p:clrMapOvr>
     <a:masterClrMapping/>
   </p:clrMapOvr>
-  <mc:AlternateContent xmlns:mc="http://schemas.openxmlformats.org/markup-compatibility/2006" xmlns:p159="http://schemas.microsoft.com/office/powerpoint/2015/09/main">
-    <mc:Choice Requires="p159">
-      <p:transition xmlns:p14="http://schemas.microsoft.com/office/powerpoint/2010/main" spd="slow" p14:dur="2000">
-        <p159:morph option="byObject"/>
-      </p:transition>
-    </mc:Choice>
-    <mc:Fallback xmlns="">
-      <p:transition spd="slow">
-        <p:fade/>
-      </p:transition>
-    </mc:Fallback>
-  </mc:AlternateContent>
   <p:timing>
     <p:tnLst>
       <p:par>
@@ -8960,18 +9354,6 @@
   <p:clrMapOvr>
     <a:masterClrMapping/>
   </p:clrMapOvr>
-  <mc:AlternateContent xmlns:mc="http://schemas.openxmlformats.org/markup-compatibility/2006" xmlns:p159="http://schemas.microsoft.com/office/powerpoint/2015/09/main">
-    <mc:Choice Requires="p159">
-      <p:transition xmlns:p14="http://schemas.microsoft.com/office/powerpoint/2010/main" spd="slow" p14:dur="2000">
-        <p159:morph option="byObject"/>
-      </p:transition>
-    </mc:Choice>
-    <mc:Fallback xmlns="">
-      <p:transition spd="slow">
-        <p:fade/>
-      </p:transition>
-    </mc:Fallback>
-  </mc:AlternateContent>
 </p:sld>
 </file>
 
@@ -9672,18 +10054,6 @@
   <p:clrMapOvr>
     <a:masterClrMapping/>
   </p:clrMapOvr>
-  <mc:AlternateContent xmlns:mc="http://schemas.openxmlformats.org/markup-compatibility/2006" xmlns:p159="http://schemas.microsoft.com/office/powerpoint/2015/09/main">
-    <mc:Choice Requires="p159">
-      <p:transition xmlns:p14="http://schemas.microsoft.com/office/powerpoint/2010/main" spd="slow" p14:dur="2000">
-        <p159:morph option="byObject"/>
-      </p:transition>
-    </mc:Choice>
-    <mc:Fallback xmlns="">
-      <p:transition spd="slow">
-        <p:fade/>
-      </p:transition>
-    </mc:Fallback>
-  </mc:AlternateContent>
 </p:sld>
 </file>
 
@@ -10063,18 +10433,6 @@
   <p:clrMapOvr>
     <a:masterClrMapping/>
   </p:clrMapOvr>
-  <mc:AlternateContent xmlns:mc="http://schemas.openxmlformats.org/markup-compatibility/2006" xmlns:p159="http://schemas.microsoft.com/office/powerpoint/2015/09/main">
-    <mc:Choice Requires="p159">
-      <p:transition xmlns:p14="http://schemas.microsoft.com/office/powerpoint/2010/main" spd="slow" p14:dur="2000">
-        <p159:morph option="byObject"/>
-      </p:transition>
-    </mc:Choice>
-    <mc:Fallback xmlns="">
-      <p:transition spd="slow">
-        <p:fade/>
-      </p:transition>
-    </mc:Fallback>
-  </mc:AlternateContent>
 </p:sld>
 </file>
 
@@ -10538,18 +10896,6 @@
   <p:clrMapOvr>
     <a:masterClrMapping/>
   </p:clrMapOvr>
-  <mc:AlternateContent xmlns:mc="http://schemas.openxmlformats.org/markup-compatibility/2006" xmlns:p159="http://schemas.microsoft.com/office/powerpoint/2015/09/main">
-    <mc:Choice Requires="p159">
-      <p:transition xmlns:p14="http://schemas.microsoft.com/office/powerpoint/2010/main" spd="slow" p14:dur="2000">
-        <p159:morph option="byObject"/>
-      </p:transition>
-    </mc:Choice>
-    <mc:Fallback xmlns="">
-      <p:transition spd="slow">
-        <p:fade/>
-      </p:transition>
-    </mc:Fallback>
-  </mc:AlternateContent>
   <p:timing>
     <p:tnLst>
       <p:par>
@@ -11157,18 +11503,6 @@
   <p:clrMapOvr>
     <a:masterClrMapping/>
   </p:clrMapOvr>
-  <mc:AlternateContent xmlns:mc="http://schemas.openxmlformats.org/markup-compatibility/2006" xmlns:p159="http://schemas.microsoft.com/office/powerpoint/2015/09/main">
-    <mc:Choice Requires="p159">
-      <p:transition xmlns:p14="http://schemas.microsoft.com/office/powerpoint/2010/main" spd="slow" p14:dur="2000">
-        <p159:morph option="byObject"/>
-      </p:transition>
-    </mc:Choice>
-    <mc:Fallback xmlns="">
-      <p:transition spd="slow">
-        <p:fade/>
-      </p:transition>
-    </mc:Fallback>
-  </mc:AlternateContent>
 </p:sld>
 </file>
 
@@ -11643,18 +11977,6 @@
   <p:clrMapOvr>
     <a:masterClrMapping/>
   </p:clrMapOvr>
-  <mc:AlternateContent xmlns:mc="http://schemas.openxmlformats.org/markup-compatibility/2006" xmlns:p159="http://schemas.microsoft.com/office/powerpoint/2015/09/main">
-    <mc:Choice Requires="p159">
-      <p:transition xmlns:p14="http://schemas.microsoft.com/office/powerpoint/2010/main" spd="slow" p14:dur="2000">
-        <p159:morph option="byObject"/>
-      </p:transition>
-    </mc:Choice>
-    <mc:Fallback xmlns="">
-      <p:transition spd="slow">
-        <p:fade/>
-      </p:transition>
-    </mc:Fallback>
-  </mc:AlternateContent>
 </p:sld>
 </file>
 
@@ -12154,18 +12476,6 @@
   <p:clrMapOvr>
     <a:masterClrMapping/>
   </p:clrMapOvr>
-  <mc:AlternateContent xmlns:mc="http://schemas.openxmlformats.org/markup-compatibility/2006" xmlns:p159="http://schemas.microsoft.com/office/powerpoint/2015/09/main">
-    <mc:Choice Requires="p159">
-      <p:transition xmlns:p14="http://schemas.microsoft.com/office/powerpoint/2010/main" spd="slow" p14:dur="2000">
-        <p159:morph option="byObject"/>
-      </p:transition>
-    </mc:Choice>
-    <mc:Fallback xmlns="">
-      <p:transition spd="slow">
-        <p:fade/>
-      </p:transition>
-    </mc:Fallback>
-  </mc:AlternateContent>
 </p:sld>
 </file>
 

--- a/Presentation_proj_1/Real Estate Mkt.pptx
+++ b/Presentation_proj_1/Real Estate Mkt.pptx
@@ -5328,36 +5328,6 @@
           </a:p>
         </p:txBody>
       </p:sp>
-      <p:pic>
-        <p:nvPicPr>
-          <p:cNvPr id="3" name="Picture 2">
-            <a:extLst>
-              <a:ext uri="{FF2B5EF4-FFF2-40B4-BE49-F238E27FC236}">
-                <a16:creationId xmlns:a16="http://schemas.microsoft.com/office/drawing/2014/main" id="{EA5D2DCA-5A49-42BA-AEB8-4A3EEB671C5E}"/>
-              </a:ext>
-            </a:extLst>
-          </p:cNvPr>
-          <p:cNvPicPr>
-            <a:picLocks noChangeAspect="1"/>
-          </p:cNvPicPr>
-          <p:nvPr/>
-        </p:nvPicPr>
-        <p:blipFill>
-          <a:blip r:embed="rId2"/>
-          <a:stretch>
-            <a:fillRect/>
-          </a:stretch>
-        </p:blipFill>
-        <p:spPr>
-          <a:xfrm>
-            <a:off x="3751193" y="1695450"/>
-            <a:ext cx="4649587" cy="3105412"/>
-          </a:xfrm>
-          <a:prstGeom prst="rect">
-            <a:avLst/>
-          </a:prstGeom>
-        </p:spPr>
-      </p:pic>
       <p:sp>
         <p:nvSpPr>
           <p:cNvPr id="16" name="TextBox 15">
@@ -5389,7 +5359,7 @@
             <a:pPr algn="ctr"/>
             <a:r>
               <a:rPr lang="en-CA" b="1" u="sng" dirty="0"/>
-              <a:t>Regression analysis of mortgage rate and Covid-19 cases </a:t>
+              <a:t>Regression analysis of mortgage rate vs. cumulative number of Covid-19 cases </a:t>
             </a:r>
           </a:p>
         </p:txBody>
@@ -5408,8 +5378,8 @@
         </p:nvSpPr>
         <p:spPr>
           <a:xfrm>
-            <a:off x="2024743" y="4800862"/>
-            <a:ext cx="7977673" cy="1277273"/>
+            <a:off x="2087150" y="5047705"/>
+            <a:ext cx="7977673" cy="1000274"/>
           </a:xfrm>
           <a:prstGeom prst="rect">
             <a:avLst/>
@@ -5429,22 +5399,48 @@
             </a:pPr>
             <a:r>
               <a:rPr lang="en-CA" i="1" dirty="0"/>
-              <a:t>Correlation coefficient: -0.92</a:t>
+              <a:t>Correlation coefficient: -0.58</a:t>
             </a:r>
           </a:p>
           <a:p>
             <a:pPr algn="ctr"/>
             <a:r>
               <a:rPr lang="en-CA" i="1" dirty="0"/>
-              <a:t>There is a strong negative correlation between the cumulative number of Covid-19 cases in Ontario, and the mortgage rate </a:t>
-            </a:r>
-          </a:p>
-          <a:p>
-            <a:pPr algn="ctr"/>
-            <a:endParaRPr lang="en-CA" i="1" dirty="0"/>
+              <a:t>There is a weak correlation between the number of Covid-19 cases reported each month and the monthly changes in the mortgage rate.</a:t>
+            </a:r>
           </a:p>
         </p:txBody>
       </p:sp>
+      <p:pic>
+        <p:nvPicPr>
+          <p:cNvPr id="10" name="Picture 9">
+            <a:extLst>
+              <a:ext uri="{FF2B5EF4-FFF2-40B4-BE49-F238E27FC236}">
+                <a16:creationId xmlns:a16="http://schemas.microsoft.com/office/drawing/2014/main" id="{42876174-EACF-4F68-A21F-031EE358FBD2}"/>
+              </a:ext>
+            </a:extLst>
+          </p:cNvPr>
+          <p:cNvPicPr>
+            <a:picLocks noChangeAspect="1"/>
+          </p:cNvPicPr>
+          <p:nvPr/>
+        </p:nvPicPr>
+        <p:blipFill>
+          <a:blip r:embed="rId2"/>
+          <a:stretch>
+            <a:fillRect/>
+          </a:stretch>
+        </p:blipFill>
+        <p:spPr>
+          <a:xfrm>
+            <a:off x="3996951" y="1780067"/>
+            <a:ext cx="4158070" cy="2947291"/>
+          </a:xfrm>
+          <a:prstGeom prst="rect">
+            <a:avLst/>
+          </a:prstGeom>
+        </p:spPr>
+      </p:pic>
     </p:spTree>
     <p:extLst>
       <p:ext uri="{BB962C8B-B14F-4D97-AF65-F5344CB8AC3E}">
@@ -5853,7 +5849,7 @@
         <p:spPr>
           <a:xfrm>
             <a:off x="699794" y="4665902"/>
-            <a:ext cx="10933381" cy="1477328"/>
+            <a:ext cx="11230949" cy="1477328"/>
           </a:xfrm>
           <a:prstGeom prst="rect">
             <a:avLst/>
@@ -5869,7 +5865,7 @@
             <a:r>
               <a:rPr lang="en-CA" b="1" u="sng" dirty="0">
                 <a:solidFill>
-                  <a:srgbClr val="00B050"/>
+                  <a:srgbClr val="FF0000"/>
                 </a:solidFill>
                 <a:latin typeface="Century Schoolbook" panose="02040604050505020304" pitchFamily="18" charset="0"/>
                 <a:cs typeface="Calibri" panose="020F0502020204030204" pitchFamily="34" charset="0"/>
@@ -5914,7 +5910,21 @@
                 <a:latin typeface="Century Schoolbook" panose="02040604050505020304" pitchFamily="18" charset="0"/>
                 <a:cs typeface="Calibri" panose="020F0502020204030204" pitchFamily="34" charset="0"/>
               </a:rPr>
-              <a:t> With a correlation coefficient of -.92, there is a strong correlation between the cumulative increase of Covid-19 cases and the downward trend of the mortgage rate</a:t>
+              <a:t> </a:t>
+            </a:r>
+            <a:r>
+              <a:rPr lang="en-CA" b="1" u="sng" dirty="0">
+                <a:latin typeface="Century Schoolbook" panose="02040604050505020304" pitchFamily="18" charset="0"/>
+                <a:cs typeface="Calibri" panose="020F0502020204030204" pitchFamily="34" charset="0"/>
+              </a:rPr>
+              <a:t>However</a:t>
+            </a:r>
+            <a:r>
+              <a:rPr lang="en-CA" dirty="0">
+                <a:latin typeface="Century Schoolbook" panose="02040604050505020304" pitchFamily="18" charset="0"/>
+                <a:cs typeface="Calibri" panose="020F0502020204030204" pitchFamily="34" charset="0"/>
+              </a:rPr>
+              <a:t>, with a correlation coefficient of -.58, there is also a weak correlation between the monthly changes in Covid-19 cases and the downward trend of the mortgage rate</a:t>
             </a:r>
             <a:endParaRPr lang="en-CA" i="1" dirty="0">
               <a:latin typeface="Century Schoolbook" panose="02040604050505020304" pitchFamily="18" charset="0"/>
@@ -11503,6 +11513,147 @@
   <p:clrMapOvr>
     <a:masterClrMapping/>
   </p:clrMapOvr>
+  <mc:AlternateContent xmlns:mc="http://schemas.openxmlformats.org/markup-compatibility/2006">
+    <mc:Choice xmlns:p14="http://schemas.microsoft.com/office/powerpoint/2010/main" Requires="p14">
+      <p:transition p14:dur="10"/>
+    </mc:Choice>
+    <mc:Fallback>
+      <p:transition/>
+    </mc:Fallback>
+  </mc:AlternateContent>
+  <p:timing>
+    <p:tnLst>
+      <p:par>
+        <p:cTn id="1" dur="indefinite" restart="never" nodeType="tmRoot">
+          <p:childTnLst>
+            <p:seq concurrent="1" nextAc="seek">
+              <p:cTn id="2" dur="indefinite" nodeType="mainSeq">
+                <p:childTnLst>
+                  <p:par>
+                    <p:cTn id="3" fill="hold">
+                      <p:stCondLst>
+                        <p:cond delay="indefinite"/>
+                      </p:stCondLst>
+                      <p:childTnLst>
+                        <p:par>
+                          <p:cTn id="4" fill="hold">
+                            <p:stCondLst>
+                              <p:cond delay="0"/>
+                            </p:stCondLst>
+                            <p:childTnLst>
+                              <p:par>
+                                <p:cTn id="5" presetID="1" presetClass="entr" presetSubtype="0" fill="hold" nodeType="clickEffect">
+                                  <p:stCondLst>
+                                    <p:cond delay="0"/>
+                                  </p:stCondLst>
+                                  <p:childTnLst>
+                                    <p:set>
+                                      <p:cBhvr>
+                                        <p:cTn id="6" dur="1" fill="hold">
+                                          <p:stCondLst>
+                                            <p:cond delay="0"/>
+                                          </p:stCondLst>
+                                        </p:cTn>
+                                        <p:tgtEl>
+                                          <p:spTgt spid="3"/>
+                                        </p:tgtEl>
+                                        <p:attrNameLst>
+                                          <p:attrName>style.visibility</p:attrName>
+                                        </p:attrNameLst>
+                                      </p:cBhvr>
+                                      <p:to>
+                                        <p:strVal val="visible"/>
+                                      </p:to>
+                                    </p:set>
+                                  </p:childTnLst>
+                                </p:cTn>
+                              </p:par>
+                              <p:par>
+                                <p:cTn id="7" presetID="1" presetClass="entr" presetSubtype="0" fill="hold" grpId="0" nodeType="withEffect">
+                                  <p:stCondLst>
+                                    <p:cond delay="0"/>
+                                  </p:stCondLst>
+                                  <p:childTnLst>
+                                    <p:set>
+                                      <p:cBhvr>
+                                        <p:cTn id="8" dur="1" fill="hold">
+                                          <p:stCondLst>
+                                            <p:cond delay="0"/>
+                                          </p:stCondLst>
+                                        </p:cTn>
+                                        <p:tgtEl>
+                                          <p:spTgt spid="10"/>
+                                        </p:tgtEl>
+                                        <p:attrNameLst>
+                                          <p:attrName>style.visibility</p:attrName>
+                                        </p:attrNameLst>
+                                      </p:cBhvr>
+                                      <p:to>
+                                        <p:strVal val="visible"/>
+                                      </p:to>
+                                    </p:set>
+                                  </p:childTnLst>
+                                </p:cTn>
+                              </p:par>
+                              <p:par>
+                                <p:cTn id="9" presetID="1" presetClass="entr" presetSubtype="0" fill="hold" grpId="0" nodeType="withEffect">
+                                  <p:stCondLst>
+                                    <p:cond delay="0"/>
+                                  </p:stCondLst>
+                                  <p:childTnLst>
+                                    <p:set>
+                                      <p:cBhvr>
+                                        <p:cTn id="10" dur="1" fill="hold">
+                                          <p:stCondLst>
+                                            <p:cond delay="0"/>
+                                          </p:stCondLst>
+                                        </p:cTn>
+                                        <p:tgtEl>
+                                          <p:spTgt spid="14"/>
+                                        </p:tgtEl>
+                                        <p:attrNameLst>
+                                          <p:attrName>style.visibility</p:attrName>
+                                        </p:attrNameLst>
+                                      </p:cBhvr>
+                                      <p:to>
+                                        <p:strVal val="visible"/>
+                                      </p:to>
+                                    </p:set>
+                                  </p:childTnLst>
+                                </p:cTn>
+                              </p:par>
+                            </p:childTnLst>
+                          </p:cTn>
+                        </p:par>
+                      </p:childTnLst>
+                    </p:cTn>
+                  </p:par>
+                </p:childTnLst>
+              </p:cTn>
+              <p:prevCondLst>
+                <p:cond evt="onPrev" delay="0">
+                  <p:tgtEl>
+                    <p:sldTgt/>
+                  </p:tgtEl>
+                </p:cond>
+              </p:prevCondLst>
+              <p:nextCondLst>
+                <p:cond evt="onNext" delay="0">
+                  <p:tgtEl>
+                    <p:sldTgt/>
+                  </p:tgtEl>
+                </p:cond>
+              </p:nextCondLst>
+            </p:seq>
+          </p:childTnLst>
+        </p:cTn>
+      </p:par>
+    </p:tnLst>
+    <p:bldLst>
+      <p:bldP spid="10" grpId="0"/>
+      <p:bldP spid="14" grpId="0"/>
+    </p:bldLst>
+  </p:timing>
 </p:sld>
 </file>
 
@@ -12417,7 +12568,7 @@
             <a:pPr algn="ctr"/>
             <a:r>
               <a:rPr lang="en-CA" i="1" dirty="0"/>
-              <a:t>There is a very  weak correlation between the monthly changes in Covid-19 cases and the number of houses sold in Ontario throughout 2020</a:t>
+              <a:t>There is a very weak correlation between the monthly changes in Covid-19 cases and the price of houses sold in Ontario throughout 2020</a:t>
             </a:r>
           </a:p>
           <a:p>
@@ -12476,6 +12627,139 @@
   <p:clrMapOvr>
     <a:masterClrMapping/>
   </p:clrMapOvr>
+  <p:timing>
+    <p:tnLst>
+      <p:par>
+        <p:cTn id="1" dur="indefinite" restart="never" nodeType="tmRoot">
+          <p:childTnLst>
+            <p:seq concurrent="1" nextAc="seek">
+              <p:cTn id="2" dur="indefinite" nodeType="mainSeq">
+                <p:childTnLst>
+                  <p:par>
+                    <p:cTn id="3" fill="hold">
+                      <p:stCondLst>
+                        <p:cond delay="indefinite"/>
+                      </p:stCondLst>
+                      <p:childTnLst>
+                        <p:par>
+                          <p:cTn id="4" fill="hold">
+                            <p:stCondLst>
+                              <p:cond delay="0"/>
+                            </p:stCondLst>
+                            <p:childTnLst>
+                              <p:par>
+                                <p:cTn id="5" presetID="1" presetClass="entr" presetSubtype="0" fill="hold" nodeType="clickEffect">
+                                  <p:stCondLst>
+                                    <p:cond delay="0"/>
+                                  </p:stCondLst>
+                                  <p:childTnLst>
+                                    <p:set>
+                                      <p:cBhvr>
+                                        <p:cTn id="6" dur="1" fill="hold">
+                                          <p:stCondLst>
+                                            <p:cond delay="0"/>
+                                          </p:stCondLst>
+                                        </p:cTn>
+                                        <p:tgtEl>
+                                          <p:spTgt spid="6"/>
+                                        </p:tgtEl>
+                                        <p:attrNameLst>
+                                          <p:attrName>style.visibility</p:attrName>
+                                        </p:attrNameLst>
+                                      </p:cBhvr>
+                                      <p:to>
+                                        <p:strVal val="visible"/>
+                                      </p:to>
+                                    </p:set>
+                                  </p:childTnLst>
+                                </p:cTn>
+                              </p:par>
+                              <p:par>
+                                <p:cTn id="7" presetID="1" presetClass="entr" presetSubtype="0" fill="hold" grpId="0" nodeType="withEffect">
+                                  <p:stCondLst>
+                                    <p:cond delay="0"/>
+                                  </p:stCondLst>
+                                  <p:childTnLst>
+                                    <p:set>
+                                      <p:cBhvr>
+                                        <p:cTn id="8" dur="1" fill="hold">
+                                          <p:stCondLst>
+                                            <p:cond delay="0"/>
+                                          </p:stCondLst>
+                                        </p:cTn>
+                                        <p:tgtEl>
+                                          <p:spTgt spid="14"/>
+                                        </p:tgtEl>
+                                        <p:attrNameLst>
+                                          <p:attrName>style.visibility</p:attrName>
+                                        </p:attrNameLst>
+                                      </p:cBhvr>
+                                      <p:to>
+                                        <p:strVal val="visible"/>
+                                      </p:to>
+                                    </p:set>
+                                  </p:childTnLst>
+                                </p:cTn>
+                              </p:par>
+                              <p:par>
+                                <p:cTn id="9" presetID="1" presetClass="entr" presetSubtype="0" fill="hold" grpId="0" nodeType="withEffect">
+                                  <p:stCondLst>
+                                    <p:cond delay="0"/>
+                                  </p:stCondLst>
+                                  <p:childTnLst>
+                                    <p:set>
+                                      <p:cBhvr>
+                                        <p:cTn id="10" dur="1" fill="hold">
+                                          <p:stCondLst>
+                                            <p:cond delay="0"/>
+                                          </p:stCondLst>
+                                        </p:cTn>
+                                        <p:tgtEl>
+                                          <p:spTgt spid="15"/>
+                                        </p:tgtEl>
+                                        <p:attrNameLst>
+                                          <p:attrName>style.visibility</p:attrName>
+                                        </p:attrNameLst>
+                                      </p:cBhvr>
+                                      <p:to>
+                                        <p:strVal val="visible"/>
+                                      </p:to>
+                                    </p:set>
+                                  </p:childTnLst>
+                                </p:cTn>
+                              </p:par>
+                            </p:childTnLst>
+                          </p:cTn>
+                        </p:par>
+                      </p:childTnLst>
+                    </p:cTn>
+                  </p:par>
+                </p:childTnLst>
+              </p:cTn>
+              <p:prevCondLst>
+                <p:cond evt="onPrev" delay="0">
+                  <p:tgtEl>
+                    <p:sldTgt/>
+                  </p:tgtEl>
+                </p:cond>
+              </p:prevCondLst>
+              <p:nextCondLst>
+                <p:cond evt="onNext" delay="0">
+                  <p:tgtEl>
+                    <p:sldTgt/>
+                  </p:tgtEl>
+                </p:cond>
+              </p:nextCondLst>
+            </p:seq>
+          </p:childTnLst>
+        </p:cTn>
+      </p:par>
+    </p:tnLst>
+    <p:bldLst>
+      <p:bldP spid="14" grpId="0"/>
+      <p:bldP spid="15" grpId="0"/>
+    </p:bldLst>
+  </p:timing>
 </p:sld>
 </file>
 
